--- a/Presentation Powerpoint.pptx
+++ b/Presentation Powerpoint.pptx
@@ -10,13 +10,14 @@
     <p:sldId id="258" r:id="rId4"/>
     <p:sldId id="265" r:id="rId5"/>
     <p:sldId id="266" r:id="rId6"/>
-    <p:sldId id="259" r:id="rId7"/>
-    <p:sldId id="261" r:id="rId8"/>
-    <p:sldId id="262" r:id="rId9"/>
-    <p:sldId id="263" r:id="rId10"/>
-    <p:sldId id="264" r:id="rId11"/>
-    <p:sldId id="260" r:id="rId12"/>
-    <p:sldId id="267" r:id="rId13"/>
+    <p:sldId id="268" r:id="rId7"/>
+    <p:sldId id="259" r:id="rId8"/>
+    <p:sldId id="260" r:id="rId9"/>
+    <p:sldId id="262" r:id="rId10"/>
+    <p:sldId id="261" r:id="rId11"/>
+    <p:sldId id="263" r:id="rId12"/>
+    <p:sldId id="264" r:id="rId13"/>
+    <p:sldId id="267" r:id="rId14"/>
   </p:sldIdLst>
   <p:sldSz cx="12192000" cy="6858000"/>
   <p:notesSz cx="6858000" cy="9144000"/>
@@ -115,6 +116,11 @@
       </a:defRPr>
     </a:lvl9pPr>
   </p:defaultTextStyle>
+  <p:extLst>
+    <p:ext uri="{EFAFB233-063F-42B5-8137-9DF3F51BA10A}">
+      <p15:sldGuideLst xmlns:p15="http://schemas.microsoft.com/office/powerpoint/2012/main"/>
+    </p:ext>
+  </p:extLst>
 </p:presentation>
 </file>
 
@@ -5545,8 +5551,8 @@
         </p:nvSpPr>
         <p:spPr>
           <a:xfrm>
-            <a:off x="684212" y="385595"/>
-            <a:ext cx="8534400" cy="1507067"/>
+            <a:off x="517337" y="435184"/>
+            <a:ext cx="9867633" cy="1507067"/>
           </a:xfrm>
         </p:spPr>
         <p:txBody>
@@ -5555,78 +5561,322 @@
           <a:p>
             <a:r>
               <a:rPr lang="en-US" dirty="0" smtClean="0"/>
-              <a:t>schedule</a:t>
-            </a:r>
-            <a:endParaRPr lang="en-US" dirty="0"/>
-          </a:p>
-        </p:txBody>
-      </p:sp>
-      <p:sp>
-        <p:nvSpPr>
-          <p:cNvPr id="3" name="Content Placeholder 2"/>
-          <p:cNvSpPr>
-            <a:spLocks noGrp="1"/>
-          </p:cNvSpPr>
-          <p:nvPr>
-            <p:ph idx="1"/>
-          </p:nvPr>
+              <a:t>System </a:t>
+            </a:r>
+            <a:r>
+              <a:rPr lang="en-US" dirty="0" smtClean="0"/>
+              <a:t>setup for hardware limitations</a:t>
+            </a:r>
+            <a:endParaRPr lang="en-US" dirty="0"/>
+          </a:p>
+        </p:txBody>
+      </p:sp>
+      <p:sp>
+        <p:nvSpPr>
+          <p:cNvPr id="7" name="Rounded Rectangle 6"/>
+          <p:cNvSpPr/>
+          <p:nvPr/>
         </p:nvSpPr>
         <p:spPr>
           <a:xfrm>
-            <a:off x="684212" y="2103119"/>
-            <a:ext cx="8534400" cy="2838027"/>
+            <a:off x="7698909" y="2192863"/>
+            <a:ext cx="2403566" cy="2011681"/>
           </a:xfrm>
+          <a:prstGeom prst="roundRect">
+            <a:avLst/>
+          </a:prstGeom>
         </p:spPr>
-        <p:txBody>
-          <a:bodyPr/>
-          <a:lstStyle/>
-          <a:p>
-            <a:pPr lvl="0"/>
-            <a:r>
-              <a:rPr lang="en-US" dirty="0" smtClean="0">
-                <a:solidFill>
-                  <a:schemeClr val="tx1"/>
-                </a:solidFill>
-              </a:rPr>
-              <a:t>Start Date:  10/12/2018</a:t>
-            </a:r>
-          </a:p>
-          <a:p>
-            <a:pPr lvl="0"/>
-            <a:endParaRPr lang="en-US" dirty="0" smtClean="0">
-              <a:solidFill>
-                <a:schemeClr val="tx1"/>
-              </a:solidFill>
-            </a:endParaRPr>
-          </a:p>
-          <a:p>
-            <a:pPr lvl="0"/>
-            <a:r>
-              <a:rPr lang="en-US" sz="2000" dirty="0" smtClean="0">
-                <a:solidFill>
-                  <a:schemeClr val="tx1"/>
-                </a:solidFill>
-              </a:rPr>
-              <a:t>End Date:   26/04/2019</a:t>
-            </a:r>
-            <a:endParaRPr lang="en-US" sz="2000" dirty="0">
-              <a:solidFill>
-                <a:schemeClr val="tx1"/>
-              </a:solidFill>
-            </a:endParaRPr>
-          </a:p>
-          <a:p>
-            <a:pPr marL="0" indent="0">
-              <a:buNone/>
-            </a:pPr>
-            <a:endParaRPr lang="en-US" dirty="0"/>
-          </a:p>
-        </p:txBody>
-      </p:sp>
+        <p:style>
+          <a:lnRef idx="2">
+            <a:schemeClr val="accent1">
+              <a:shade val="50000"/>
+            </a:schemeClr>
+          </a:lnRef>
+          <a:fillRef idx="1">
+            <a:schemeClr val="accent1"/>
+          </a:fillRef>
+          <a:effectRef idx="0">
+            <a:schemeClr val="accent1"/>
+          </a:effectRef>
+          <a:fontRef idx="minor">
+            <a:schemeClr val="lt1"/>
+          </a:fontRef>
+        </p:style>
+        <p:txBody>
+          <a:bodyPr rtlCol="0" anchor="ctr"/>
+          <a:lstStyle/>
+          <a:p>
+            <a:pPr algn="ctr"/>
+            <a:r>
+              <a:rPr lang="en-US" dirty="0" smtClean="0"/>
+              <a:t>Internal Application</a:t>
+            </a:r>
+          </a:p>
+          <a:p>
+            <a:pPr algn="ctr"/>
+            <a:r>
+              <a:rPr lang="en-US" dirty="0" smtClean="0"/>
+              <a:t>(Webpage UI)</a:t>
+            </a:r>
+            <a:endParaRPr lang="en-US" dirty="0"/>
+          </a:p>
+        </p:txBody>
+      </p:sp>
+      <p:sp>
+        <p:nvSpPr>
+          <p:cNvPr id="8" name="Rounded Rectangle 7"/>
+          <p:cNvSpPr/>
+          <p:nvPr/>
+        </p:nvSpPr>
+        <p:spPr>
+          <a:xfrm>
+            <a:off x="4152607" y="2192863"/>
+            <a:ext cx="2573383" cy="2011681"/>
+          </a:xfrm>
+          <a:prstGeom prst="roundRect">
+            <a:avLst/>
+          </a:prstGeom>
+        </p:spPr>
+        <p:style>
+          <a:lnRef idx="2">
+            <a:schemeClr val="accent1">
+              <a:shade val="50000"/>
+            </a:schemeClr>
+          </a:lnRef>
+          <a:fillRef idx="1">
+            <a:schemeClr val="accent1"/>
+          </a:fillRef>
+          <a:effectRef idx="0">
+            <a:schemeClr val="accent1"/>
+          </a:effectRef>
+          <a:fontRef idx="minor">
+            <a:schemeClr val="lt1"/>
+          </a:fontRef>
+        </p:style>
+        <p:txBody>
+          <a:bodyPr rtlCol="0" anchor="ctr"/>
+          <a:lstStyle/>
+          <a:p>
+            <a:pPr algn="ctr"/>
+            <a:r>
+              <a:rPr lang="en-US" dirty="0" smtClean="0"/>
+              <a:t>Database</a:t>
+            </a:r>
+            <a:endParaRPr lang="en-US" dirty="0"/>
+          </a:p>
+        </p:txBody>
+      </p:sp>
+      <p:sp>
+        <p:nvSpPr>
+          <p:cNvPr id="9" name="Rounded Rectangle 8"/>
+          <p:cNvSpPr/>
+          <p:nvPr/>
+        </p:nvSpPr>
+        <p:spPr>
+          <a:xfrm>
+            <a:off x="606305" y="2192863"/>
+            <a:ext cx="2573383" cy="2011681"/>
+          </a:xfrm>
+          <a:prstGeom prst="roundRect">
+            <a:avLst/>
+          </a:prstGeom>
+        </p:spPr>
+        <p:style>
+          <a:lnRef idx="2">
+            <a:schemeClr val="accent1">
+              <a:shade val="50000"/>
+            </a:schemeClr>
+          </a:lnRef>
+          <a:fillRef idx="1">
+            <a:schemeClr val="accent1"/>
+          </a:fillRef>
+          <a:effectRef idx="0">
+            <a:schemeClr val="accent1"/>
+          </a:effectRef>
+          <a:fontRef idx="minor">
+            <a:schemeClr val="lt1"/>
+          </a:fontRef>
+        </p:style>
+        <p:txBody>
+          <a:bodyPr rtlCol="0" anchor="ctr"/>
+          <a:lstStyle/>
+          <a:p>
+            <a:pPr algn="ctr"/>
+            <a:r>
+              <a:rPr lang="en-US" dirty="0" smtClean="0"/>
+              <a:t>Front end UI</a:t>
+            </a:r>
+          </a:p>
+          <a:p>
+            <a:pPr algn="ctr"/>
+            <a:r>
+              <a:rPr lang="en-US" dirty="0" smtClean="0"/>
+              <a:t>(Website)</a:t>
+            </a:r>
+            <a:endParaRPr lang="en-US" dirty="0"/>
+          </a:p>
+        </p:txBody>
+      </p:sp>
+      <p:sp>
+        <p:nvSpPr>
+          <p:cNvPr id="24" name="TextBox 23"/>
+          <p:cNvSpPr txBox="1"/>
+          <p:nvPr/>
+        </p:nvSpPr>
+        <p:spPr>
+          <a:xfrm>
+            <a:off x="4017918" y="4463437"/>
+            <a:ext cx="2842759" cy="369332"/>
+          </a:xfrm>
+          <a:prstGeom prst="rect">
+            <a:avLst/>
+          </a:prstGeom>
+          <a:noFill/>
+        </p:spPr>
+        <p:txBody>
+          <a:bodyPr wrap="square" rtlCol="0">
+            <a:spAutoFit/>
+          </a:bodyPr>
+          <a:lstStyle/>
+          <a:p>
+            <a:r>
+              <a:rPr lang="en-US" dirty="0" smtClean="0"/>
+              <a:t>Encapsulation of Data</a:t>
+            </a:r>
+            <a:endParaRPr lang="en-US" dirty="0"/>
+          </a:p>
+        </p:txBody>
+      </p:sp>
+      <p:sp>
+        <p:nvSpPr>
+          <p:cNvPr id="25" name="TextBox 24"/>
+          <p:cNvSpPr txBox="1"/>
+          <p:nvPr/>
+        </p:nvSpPr>
+        <p:spPr>
+          <a:xfrm>
+            <a:off x="7633651" y="4455154"/>
+            <a:ext cx="2751319" cy="369332"/>
+          </a:xfrm>
+          <a:prstGeom prst="rect">
+            <a:avLst/>
+          </a:prstGeom>
+          <a:noFill/>
+        </p:spPr>
+        <p:txBody>
+          <a:bodyPr wrap="square" rtlCol="0">
+            <a:spAutoFit/>
+          </a:bodyPr>
+          <a:lstStyle/>
+          <a:p>
+            <a:r>
+              <a:rPr lang="en-US" dirty="0" smtClean="0"/>
+              <a:t>Login Authentication</a:t>
+            </a:r>
+            <a:endParaRPr lang="en-US" dirty="0"/>
+          </a:p>
+        </p:txBody>
+      </p:sp>
+      <p:sp>
+        <p:nvSpPr>
+          <p:cNvPr id="28" name="TextBox 27"/>
+          <p:cNvSpPr txBox="1"/>
+          <p:nvPr/>
+        </p:nvSpPr>
+        <p:spPr>
+          <a:xfrm>
+            <a:off x="606305" y="4455154"/>
+            <a:ext cx="2834640" cy="369332"/>
+          </a:xfrm>
+          <a:prstGeom prst="rect">
+            <a:avLst/>
+          </a:prstGeom>
+          <a:noFill/>
+        </p:spPr>
+        <p:txBody>
+          <a:bodyPr wrap="square" rtlCol="0">
+            <a:spAutoFit/>
+          </a:bodyPr>
+          <a:lstStyle/>
+          <a:p>
+            <a:r>
+              <a:rPr lang="en-US" dirty="0" smtClean="0"/>
+              <a:t>Easy to use UI format</a:t>
+            </a:r>
+            <a:endParaRPr lang="en-US" dirty="0"/>
+          </a:p>
+        </p:txBody>
+      </p:sp>
+      <p:cxnSp>
+        <p:nvCxnSpPr>
+          <p:cNvPr id="10" name="Straight Connector 9"/>
+          <p:cNvCxnSpPr>
+            <a:stCxn id="9" idx="3"/>
+            <a:endCxn id="8" idx="1"/>
+          </p:cNvCxnSpPr>
+          <p:nvPr/>
+        </p:nvCxnSpPr>
+        <p:spPr>
+          <a:xfrm>
+            <a:off x="3179688" y="3198704"/>
+            <a:ext cx="972919" cy="0"/>
+          </a:xfrm>
+          <a:prstGeom prst="line">
+            <a:avLst/>
+          </a:prstGeom>
+        </p:spPr>
+        <p:style>
+          <a:lnRef idx="3">
+            <a:schemeClr val="dk1"/>
+          </a:lnRef>
+          <a:fillRef idx="0">
+            <a:schemeClr val="dk1"/>
+          </a:fillRef>
+          <a:effectRef idx="2">
+            <a:schemeClr val="dk1"/>
+          </a:effectRef>
+          <a:fontRef idx="minor">
+            <a:schemeClr val="tx1"/>
+          </a:fontRef>
+        </p:style>
+      </p:cxnSp>
+      <p:cxnSp>
+        <p:nvCxnSpPr>
+          <p:cNvPr id="13" name="Straight Connector 12"/>
+          <p:cNvCxnSpPr>
+            <a:stCxn id="8" idx="3"/>
+            <a:endCxn id="7" idx="1"/>
+          </p:cNvCxnSpPr>
+          <p:nvPr/>
+        </p:nvCxnSpPr>
+        <p:spPr>
+          <a:xfrm>
+            <a:off x="6725990" y="3198704"/>
+            <a:ext cx="972919" cy="0"/>
+          </a:xfrm>
+          <a:prstGeom prst="line">
+            <a:avLst/>
+          </a:prstGeom>
+        </p:spPr>
+        <p:style>
+          <a:lnRef idx="3">
+            <a:schemeClr val="dk1"/>
+          </a:lnRef>
+          <a:fillRef idx="0">
+            <a:schemeClr val="dk1"/>
+          </a:fillRef>
+          <a:effectRef idx="2">
+            <a:schemeClr val="dk1"/>
+          </a:effectRef>
+          <a:fontRef idx="minor">
+            <a:schemeClr val="tx1"/>
+          </a:fontRef>
+        </p:style>
+      </p:cxnSp>
     </p:spTree>
     <p:extLst>
       <p:ext uri="{BB962C8B-B14F-4D97-AF65-F5344CB8AC3E}">
-        <p14:creationId xmlns:p14="http://schemas.microsoft.com/office/powerpoint/2010/main" val="1597009996"/>
+        <p14:creationId xmlns:p14="http://schemas.microsoft.com/office/powerpoint/2010/main" val="582655099"/>
       </p:ext>
     </p:extLst>
   </p:cSld>
@@ -5672,7 +5922,7 @@
         </p:nvSpPr>
         <p:spPr>
           <a:xfrm>
-            <a:off x="684212" y="685800"/>
+            <a:off x="684212" y="137401"/>
             <a:ext cx="8534400" cy="1507067"/>
           </a:xfrm>
         </p:spPr>
@@ -5682,7 +5932,7 @@
           <a:p>
             <a:r>
               <a:rPr lang="en-US" dirty="0" smtClean="0"/>
-              <a:t>Special Feature </a:t>
+              <a:t>Budget breakdown - $250,000</a:t>
             </a:r>
             <a:endParaRPr lang="en-US" dirty="0"/>
           </a:p>
@@ -5700,34 +5950,107 @@
         </p:nvSpPr>
         <p:spPr>
           <a:xfrm>
-            <a:off x="684212" y="1867988"/>
-            <a:ext cx="8534400" cy="4170439"/>
+            <a:off x="684212" y="1345475"/>
+            <a:ext cx="8534400" cy="4483948"/>
           </a:xfrm>
         </p:spPr>
         <p:txBody>
           <a:bodyPr>
-            <a:normAutofit/>
+            <a:normAutofit fontScale="92500" lnSpcReduction="20000"/>
           </a:bodyPr>
           <a:lstStyle/>
           <a:p>
             <a:pPr marL="0" indent="0">
               <a:buNone/>
             </a:pPr>
-            <a:r>
-              <a:rPr lang="en-US" dirty="0" smtClean="0"/>
-              <a:t>-</a:t>
-            </a:r>
+            <a:endParaRPr lang="en-US" dirty="0" smtClean="0"/>
+          </a:p>
+          <a:p>
             <a:r>
               <a:rPr lang="en-US" dirty="0" smtClean="0">
                 <a:solidFill>
                   <a:schemeClr val="tx1"/>
                 </a:solidFill>
               </a:rPr>
-              <a:t>Special feature: customers can send messages VIA the website to contact Travel Agents.</a:t>
-            </a:r>
-          </a:p>
-          <a:p>
-            <a:pPr marL="0" indent="0">
+              <a:t>1</a:t>
+            </a:r>
+            <a:r>
+              <a:rPr lang="en-US" baseline="30000" dirty="0" smtClean="0">
+                <a:solidFill>
+                  <a:schemeClr val="tx1"/>
+                </a:solidFill>
+              </a:rPr>
+              <a:t>st</a:t>
+            </a:r>
+            <a:r>
+              <a:rPr lang="en-US" dirty="0" smtClean="0">
+                <a:solidFill>
+                  <a:schemeClr val="tx1"/>
+                </a:solidFill>
+              </a:rPr>
+              <a:t> phase $83,000</a:t>
+            </a:r>
+          </a:p>
+          <a:p>
+            <a:pPr lvl="1">
+              <a:buFont typeface="Courier New" panose="02070309020205020404" pitchFamily="49" charset="0"/>
+              <a:buChar char="o"/>
+            </a:pPr>
+            <a:r>
+              <a:rPr lang="en-US" dirty="0" smtClean="0">
+                <a:solidFill>
+                  <a:schemeClr val="tx1"/>
+                </a:solidFill>
+              </a:rPr>
+              <a:t>UI website (HTML, </a:t>
+            </a:r>
+            <a:r>
+              <a:rPr lang="en-US" dirty="0" err="1" smtClean="0">
+                <a:solidFill>
+                  <a:schemeClr val="tx1"/>
+                </a:solidFill>
+              </a:rPr>
+              <a:t>Javascript</a:t>
+            </a:r>
+            <a:r>
+              <a:rPr lang="en-US" dirty="0" smtClean="0">
+                <a:solidFill>
+                  <a:schemeClr val="tx1"/>
+                </a:solidFill>
+              </a:rPr>
+              <a:t>, CSS)</a:t>
+            </a:r>
+          </a:p>
+          <a:p>
+            <a:pPr lvl="1">
+              <a:buFont typeface="Courier New" panose="02070309020205020404" pitchFamily="49" charset="0"/>
+              <a:buChar char="o"/>
+            </a:pPr>
+            <a:r>
+              <a:rPr lang="en-US" dirty="0" smtClean="0">
+                <a:solidFill>
+                  <a:schemeClr val="tx1"/>
+                </a:solidFill>
+              </a:rPr>
+              <a:t>Database setup and linked (PHP)</a:t>
+            </a:r>
+          </a:p>
+          <a:p>
+            <a:pPr lvl="1">
+              <a:buFont typeface="Courier New" panose="02070309020205020404" pitchFamily="49" charset="0"/>
+              <a:buChar char="o"/>
+            </a:pPr>
+            <a:r>
+              <a:rPr lang="en-US" dirty="0" smtClean="0">
+                <a:solidFill>
+                  <a:schemeClr val="tx1"/>
+                </a:solidFill>
+              </a:rPr>
+              <a:t>Admin website portal  </a:t>
+            </a:r>
+          </a:p>
+          <a:p>
+            <a:pPr marL="457200" lvl="1" indent="0">
               <a:buNone/>
             </a:pPr>
             <a:endParaRPr lang="en-US" dirty="0" smtClean="0">
@@ -5737,8 +6060,43 @@
             </a:endParaRPr>
           </a:p>
           <a:p>
-            <a:pPr marL="0" indent="0">
-              <a:buNone/>
+            <a:r>
+              <a:rPr lang="en-US" dirty="0" smtClean="0">
+                <a:solidFill>
+                  <a:schemeClr val="tx1"/>
+                </a:solidFill>
+              </a:rPr>
+              <a:t>2</a:t>
+            </a:r>
+            <a:r>
+              <a:rPr lang="en-US" baseline="30000" dirty="0" smtClean="0">
+                <a:solidFill>
+                  <a:schemeClr val="tx1"/>
+                </a:solidFill>
+              </a:rPr>
+              <a:t>nd</a:t>
+            </a:r>
+            <a:r>
+              <a:rPr lang="en-US" dirty="0">
+                <a:solidFill>
+                  <a:schemeClr val="tx1"/>
+                </a:solidFill>
+              </a:rPr>
+              <a:t> </a:t>
+            </a:r>
+            <a:r>
+              <a:rPr lang="en-US" dirty="0" smtClean="0">
+                <a:solidFill>
+                  <a:schemeClr val="tx1"/>
+                </a:solidFill>
+              </a:rPr>
+              <a:t>phase $83,000</a:t>
+            </a:r>
+          </a:p>
+          <a:p>
+            <a:pPr lvl="1">
+              <a:buFont typeface="Courier New" panose="02070309020205020404" pitchFamily="49" charset="0"/>
+              <a:buChar char="o"/>
             </a:pPr>
             <a:r>
               <a:rPr lang="en-US" dirty="0" smtClean="0">
@@ -5746,27 +6104,94 @@
                   <a:schemeClr val="tx1"/>
                 </a:solidFill>
               </a:rPr>
-              <a:t>-Our special feature addresses slow network load times with obsolete and old hardware. This setup allows Travel Agents to be connected to the main network to receive information and messages from customers. Travel Agents can then call and get into contact with the customers versus waiting for computers to load and send emails through slow network.</a:t>
-            </a:r>
-          </a:p>
-          <a:p>
-            <a:pPr marL="0" indent="0">
+              <a:t>Implementation of Microsoft technologies</a:t>
+            </a:r>
+          </a:p>
+          <a:p>
+            <a:pPr marL="457200" lvl="1" indent="0">
               <a:buNone/>
             </a:pPr>
-            <a:endParaRPr lang="en-US" dirty="0"/>
-          </a:p>
-          <a:p>
-            <a:pPr marL="0" indent="0">
-              <a:buNone/>
+            <a:endParaRPr lang="en-US" dirty="0" smtClean="0">
+              <a:solidFill>
+                <a:schemeClr val="tx1"/>
+              </a:solidFill>
+            </a:endParaRPr>
+          </a:p>
+          <a:p>
+            <a:r>
+              <a:rPr lang="en-US" dirty="0" smtClean="0">
+                <a:solidFill>
+                  <a:schemeClr val="tx1"/>
+                </a:solidFill>
+              </a:rPr>
+              <a:t>3</a:t>
+            </a:r>
+            <a:r>
+              <a:rPr lang="en-US" baseline="30000" dirty="0" smtClean="0">
+                <a:solidFill>
+                  <a:schemeClr val="tx1"/>
+                </a:solidFill>
+              </a:rPr>
+              <a:t>rd</a:t>
+            </a:r>
+            <a:r>
+              <a:rPr lang="en-US" dirty="0">
+                <a:solidFill>
+                  <a:schemeClr val="tx1"/>
+                </a:solidFill>
+              </a:rPr>
+              <a:t> </a:t>
+            </a:r>
+            <a:r>
+              <a:rPr lang="en-US" dirty="0" smtClean="0">
+                <a:solidFill>
+                  <a:schemeClr val="tx1"/>
+                </a:solidFill>
+              </a:rPr>
+              <a:t>phase $84,000 </a:t>
+            </a:r>
+          </a:p>
+          <a:p>
+            <a:pPr lvl="1">
+              <a:buFont typeface="Courier New" panose="02070309020205020404" pitchFamily="49" charset="0"/>
+              <a:buChar char="o"/>
             </a:pPr>
-            <a:endParaRPr lang="en-US" dirty="0"/>
+            <a:r>
+              <a:rPr lang="en-US" dirty="0" smtClean="0">
+                <a:solidFill>
+                  <a:schemeClr val="tx1"/>
+                </a:solidFill>
+              </a:rPr>
+              <a:t>Mobile App Design</a:t>
+            </a:r>
+          </a:p>
+          <a:p>
+            <a:pPr lvl="1">
+              <a:buFont typeface="Courier New" panose="02070309020205020404" pitchFamily="49" charset="0"/>
+              <a:buChar char="o"/>
+            </a:pPr>
+            <a:r>
+              <a:rPr lang="en-US" dirty="0" smtClean="0">
+                <a:solidFill>
+                  <a:schemeClr val="tx1"/>
+                </a:solidFill>
+              </a:rPr>
+              <a:t>Database upgrades (Oracle)</a:t>
+            </a:r>
+          </a:p>
+          <a:p>
+            <a:endParaRPr lang="en-US" dirty="0">
+              <a:solidFill>
+                <a:schemeClr val="tx1"/>
+              </a:solidFill>
+            </a:endParaRPr>
           </a:p>
         </p:txBody>
       </p:sp>
     </p:spTree>
     <p:extLst>
       <p:ext uri="{BB962C8B-B14F-4D97-AF65-F5344CB8AC3E}">
-        <p14:creationId xmlns:p14="http://schemas.microsoft.com/office/powerpoint/2010/main" val="1105592219"/>
+        <p14:creationId xmlns:p14="http://schemas.microsoft.com/office/powerpoint/2010/main" val="546623997"/>
       </p:ext>
     </p:extLst>
   </p:cSld>
@@ -5784,6 +6209,170 @@
 </file>
 
 <file path=ppt/slides/slide12.xml><?xml version="1.0" encoding="utf-8"?>
+<p:sld xmlns:a="http://schemas.openxmlformats.org/drawingml/2006/main" xmlns:r="http://schemas.openxmlformats.org/officeDocument/2006/relationships" xmlns:p="http://schemas.openxmlformats.org/presentationml/2006/main">
+  <p:cSld>
+    <p:spTree>
+      <p:nvGrpSpPr>
+        <p:cNvPr id="1" name=""/>
+        <p:cNvGrpSpPr/>
+        <p:nvPr/>
+      </p:nvGrpSpPr>
+      <p:grpSpPr>
+        <a:xfrm>
+          <a:off x="0" y="0"/>
+          <a:ext cx="0" cy="0"/>
+          <a:chOff x="0" y="0"/>
+          <a:chExt cx="0" cy="0"/>
+        </a:xfrm>
+      </p:grpSpPr>
+      <p:sp>
+        <p:nvSpPr>
+          <p:cNvPr id="2" name="Title 1"/>
+          <p:cNvSpPr>
+            <a:spLocks noGrp="1"/>
+          </p:cNvSpPr>
+          <p:nvPr>
+            <p:ph type="title"/>
+          </p:nvPr>
+        </p:nvSpPr>
+        <p:spPr>
+          <a:xfrm>
+            <a:off x="684212" y="385595"/>
+            <a:ext cx="8534400" cy="1507067"/>
+          </a:xfrm>
+        </p:spPr>
+        <p:txBody>
+          <a:bodyPr/>
+          <a:lstStyle/>
+          <a:p>
+            <a:r>
+              <a:rPr lang="en-US" dirty="0" smtClean="0"/>
+              <a:t>schedule</a:t>
+            </a:r>
+            <a:endParaRPr lang="en-US" dirty="0"/>
+          </a:p>
+        </p:txBody>
+      </p:sp>
+      <p:sp>
+        <p:nvSpPr>
+          <p:cNvPr id="3" name="Content Placeholder 2"/>
+          <p:cNvSpPr>
+            <a:spLocks noGrp="1"/>
+          </p:cNvSpPr>
+          <p:nvPr>
+            <p:ph idx="1"/>
+          </p:nvPr>
+        </p:nvSpPr>
+        <p:spPr>
+          <a:xfrm>
+            <a:off x="684212" y="2103119"/>
+            <a:ext cx="8534400" cy="2838027"/>
+          </a:xfrm>
+        </p:spPr>
+        <p:txBody>
+          <a:bodyPr/>
+          <a:lstStyle/>
+          <a:p>
+            <a:pPr lvl="0"/>
+            <a:r>
+              <a:rPr lang="en-US" dirty="0" smtClean="0">
+                <a:solidFill>
+                  <a:schemeClr val="tx1"/>
+                </a:solidFill>
+              </a:rPr>
+              <a:t>Start Date:  </a:t>
+            </a:r>
+            <a:r>
+              <a:rPr lang="en-US" dirty="0" smtClean="0">
+                <a:solidFill>
+                  <a:schemeClr val="tx1"/>
+                </a:solidFill>
+              </a:rPr>
+              <a:t>12/10</a:t>
+            </a:r>
+            <a:r>
+              <a:rPr lang="en-US" dirty="0" smtClean="0">
+                <a:solidFill>
+                  <a:schemeClr val="tx1"/>
+                </a:solidFill>
+              </a:rPr>
+              <a:t>/2018</a:t>
+            </a:r>
+            <a:endParaRPr lang="en-US" dirty="0" smtClean="0">
+              <a:solidFill>
+                <a:schemeClr val="tx1"/>
+              </a:solidFill>
+            </a:endParaRPr>
+          </a:p>
+          <a:p>
+            <a:pPr lvl="0"/>
+            <a:endParaRPr lang="en-US" dirty="0" smtClean="0">
+              <a:solidFill>
+                <a:schemeClr val="tx1"/>
+              </a:solidFill>
+            </a:endParaRPr>
+          </a:p>
+          <a:p>
+            <a:pPr lvl="0"/>
+            <a:r>
+              <a:rPr lang="en-US" sz="2000" dirty="0" smtClean="0">
+                <a:solidFill>
+                  <a:schemeClr val="tx1"/>
+                </a:solidFill>
+              </a:rPr>
+              <a:t>End Date:   </a:t>
+            </a:r>
+            <a:r>
+              <a:rPr lang="en-US" dirty="0" smtClean="0">
+                <a:solidFill>
+                  <a:schemeClr val="tx1"/>
+                </a:solidFill>
+              </a:rPr>
+              <a:t>04/26</a:t>
+            </a:r>
+            <a:r>
+              <a:rPr lang="en-US" sz="2000" dirty="0" smtClean="0">
+                <a:solidFill>
+                  <a:schemeClr val="tx1"/>
+                </a:solidFill>
+              </a:rPr>
+              <a:t>/2019</a:t>
+            </a:r>
+            <a:endParaRPr lang="en-US" sz="2000" dirty="0">
+              <a:solidFill>
+                <a:schemeClr val="tx1"/>
+              </a:solidFill>
+            </a:endParaRPr>
+          </a:p>
+          <a:p>
+            <a:pPr marL="0" indent="0">
+              <a:buNone/>
+            </a:pPr>
+            <a:endParaRPr lang="en-US" dirty="0"/>
+          </a:p>
+        </p:txBody>
+      </p:sp>
+    </p:spTree>
+    <p:extLst>
+      <p:ext uri="{BB962C8B-B14F-4D97-AF65-F5344CB8AC3E}">
+        <p14:creationId xmlns:p14="http://schemas.microsoft.com/office/powerpoint/2010/main" val="1597009996"/>
+      </p:ext>
+    </p:extLst>
+  </p:cSld>
+  <p:clrMapOvr>
+    <a:masterClrMapping/>
+  </p:clrMapOvr>
+  <p:timing>
+    <p:tnLst>
+      <p:par>
+        <p:cTn id="1" dur="indefinite" restart="never" nodeType="tmRoot"/>
+      </p:par>
+    </p:tnLst>
+  </p:timing>
+</p:sld>
+</file>
+
+<file path=ppt/slides/slide13.xml><?xml version="1.0" encoding="utf-8"?>
 <p:sld xmlns:a="http://schemas.openxmlformats.org/drawingml/2006/main" xmlns:r="http://schemas.openxmlformats.org/officeDocument/2006/relationships" xmlns:p="http://schemas.openxmlformats.org/presentationml/2006/main">
   <p:cSld>
     <p:spTree>
@@ -5917,14 +6506,76 @@
           </a:bodyPr>
           <a:lstStyle/>
           <a:p>
-            <a:pPr marL="0" indent="0">
-              <a:buNone/>
-            </a:pPr>
             <a:endParaRPr lang="en-US" dirty="0" smtClean="0">
+              <a:solidFill>
+                <a:schemeClr val="tx1"/>
+              </a:solidFill>
               <a:cs typeface="Calibri" panose="020F0502020204030204" pitchFamily="34" charset="0"/>
             </a:endParaRPr>
           </a:p>
           <a:p>
+            <a:endParaRPr lang="en-US" dirty="0">
+              <a:solidFill>
+                <a:schemeClr val="tx1"/>
+              </a:solidFill>
+              <a:cs typeface="Calibri" panose="020F0502020204030204" pitchFamily="34" charset="0"/>
+            </a:endParaRPr>
+          </a:p>
+          <a:p>
+            <a:endParaRPr lang="en-US" dirty="0" smtClean="0">
+              <a:solidFill>
+                <a:schemeClr val="tx1"/>
+              </a:solidFill>
+              <a:cs typeface="Calibri" panose="020F0502020204030204" pitchFamily="34" charset="0"/>
+            </a:endParaRPr>
+          </a:p>
+          <a:p>
+            <a:r>
+              <a:rPr lang="en-US" dirty="0" smtClean="0">
+                <a:solidFill>
+                  <a:schemeClr val="tx1"/>
+                </a:solidFill>
+                <a:cs typeface="Calibri" panose="020F0502020204030204" pitchFamily="34" charset="0"/>
+              </a:rPr>
+              <a:t>Based in Calgary, AB (Founded in 2018)</a:t>
+            </a:r>
+            <a:endParaRPr lang="en-US" dirty="0" smtClean="0">
+              <a:solidFill>
+                <a:schemeClr val="tx1"/>
+              </a:solidFill>
+              <a:cs typeface="Calibri" panose="020F0502020204030204" pitchFamily="34" charset="0"/>
+            </a:endParaRPr>
+          </a:p>
+          <a:p>
+            <a:r>
+              <a:rPr lang="en-US" dirty="0" smtClean="0">
+                <a:solidFill>
+                  <a:schemeClr val="tx1"/>
+                </a:solidFill>
+                <a:cs typeface="Calibri" panose="020F0502020204030204" pitchFamily="34" charset="0"/>
+              </a:rPr>
+              <a:t>Passionate team familiar with cutting edge technologies </a:t>
+            </a:r>
+          </a:p>
+          <a:p>
+            <a:r>
+              <a:rPr lang="en-US" dirty="0" smtClean="0">
+                <a:solidFill>
+                  <a:schemeClr val="tx1"/>
+                </a:solidFill>
+                <a:cs typeface="Calibri" panose="020F0502020204030204" pitchFamily="34" charset="0"/>
+              </a:rPr>
+              <a:t>Driven by customer satisfaction</a:t>
+            </a:r>
+            <a:endParaRPr lang="en-US" dirty="0" smtClean="0">
+              <a:solidFill>
+                <a:schemeClr val="tx1"/>
+              </a:solidFill>
+              <a:cs typeface="Calibri" panose="020F0502020204030204" pitchFamily="34" charset="0"/>
+            </a:endParaRPr>
+          </a:p>
+          <a:p>
+            <a:pPr lvl="1"/>
             <a:r>
               <a:rPr lang="en-US" u="sng" dirty="0" smtClean="0">
                 <a:solidFill>
@@ -5951,53 +6602,40 @@
             </a:endParaRPr>
           </a:p>
           <a:p>
-            <a:pPr lvl="1">
+            <a:pPr lvl="2">
               <a:buFont typeface="Arial" panose="020B0604020202020204" pitchFamily="34" charset="0"/>
               <a:buChar char="•"/>
             </a:pPr>
             <a:r>
-              <a:rPr lang="en-US" sz="2000" dirty="0" smtClean="0">
+              <a:rPr lang="en-US" sz="1800" dirty="0" smtClean="0">
                 <a:solidFill>
                   <a:schemeClr val="tx1"/>
                 </a:solidFill>
                 <a:cs typeface="Calibri" panose="020F0502020204030204" pitchFamily="34" charset="0"/>
               </a:rPr>
-              <a:t>Capabilities: Software structure and backend developer</a:t>
-            </a:r>
-          </a:p>
-          <a:p>
-            <a:r>
-              <a:rPr lang="en-US" u="sng" dirty="0" smtClean="0">
+              <a:t>Software </a:t>
+            </a:r>
+            <a:r>
+              <a:rPr lang="en-US" sz="1800" dirty="0" smtClean="0">
                 <a:solidFill>
                   <a:schemeClr val="tx1"/>
                 </a:solidFill>
                 <a:cs typeface="Calibri" panose="020F0502020204030204" pitchFamily="34" charset="0"/>
               </a:rPr>
-              <a:t>Chad Dundas-Smith</a:t>
-            </a:r>
-          </a:p>
-          <a:p>
-            <a:pPr lvl="1">
-              <a:buFont typeface="Arial" panose="020B0604020202020204" pitchFamily="34" charset="0"/>
-              <a:buChar char="•"/>
-            </a:pPr>
-            <a:r>
-              <a:rPr lang="en-US" sz="2000" dirty="0" smtClean="0">
+              <a:t>structure and backend </a:t>
+            </a:r>
+            <a:r>
+              <a:rPr lang="en-US" sz="1800" dirty="0" smtClean="0">
                 <a:solidFill>
                   <a:schemeClr val="tx1"/>
                 </a:solidFill>
                 <a:cs typeface="Calibri" panose="020F0502020204030204" pitchFamily="34" charset="0"/>
               </a:rPr>
-              <a:t>Capabilities: Keeper of code and Project Manager</a:t>
-            </a:r>
-            <a:endParaRPr lang="en-US" dirty="0" smtClean="0">
-              <a:solidFill>
-                <a:schemeClr val="tx1"/>
-              </a:solidFill>
-              <a:cs typeface="Calibri" panose="020F0502020204030204" pitchFamily="34" charset="0"/>
-            </a:endParaRPr>
-          </a:p>
-          <a:p>
+              <a:t>developer</a:t>
+            </a:r>
+          </a:p>
+          <a:p>
+            <a:pPr lvl="1"/>
             <a:r>
               <a:rPr lang="en-US" u="sng" dirty="0" smtClean="0">
                 <a:solidFill>
@@ -6024,18 +6662,27 @@
             </a:endParaRPr>
           </a:p>
           <a:p>
-            <a:pPr lvl="1">
+            <a:pPr lvl="2">
               <a:buFont typeface="Arial" panose="020B0604020202020204" pitchFamily="34" charset="0"/>
               <a:buChar char="•"/>
             </a:pPr>
             <a:r>
-              <a:rPr lang="en-US" sz="2000" dirty="0" smtClean="0">
+              <a:rPr lang="en-US" sz="1800" dirty="0" smtClean="0">
                 <a:solidFill>
                   <a:schemeClr val="tx1"/>
                 </a:solidFill>
                 <a:cs typeface="Calibri" panose="020F0502020204030204" pitchFamily="34" charset="0"/>
               </a:rPr>
-              <a:t>Capabilities: Database and backend developer</a:t>
+              <a:t>Database </a:t>
+            </a:r>
+            <a:r>
+              <a:rPr lang="en-US" sz="1800" dirty="0" smtClean="0">
+                <a:solidFill>
+                  <a:schemeClr val="tx1"/>
+                </a:solidFill>
+                <a:cs typeface="Calibri" panose="020F0502020204030204" pitchFamily="34" charset="0"/>
+              </a:rPr>
+              <a:t>and backend developer</a:t>
             </a:r>
             <a:endParaRPr lang="en-US" u="sng" dirty="0" smtClean="0">
               <a:solidFill>
@@ -6045,6 +6692,7 @@
             </a:endParaRPr>
           </a:p>
           <a:p>
+            <a:pPr lvl="1"/>
             <a:r>
               <a:rPr lang="en-US" u="sng" dirty="0" smtClean="0">
                 <a:solidFill>
@@ -6054,21 +6702,78 @@
               </a:rPr>
               <a:t>Eugenia Chiu</a:t>
             </a:r>
+          </a:p>
+          <a:p>
+            <a:pPr lvl="2">
+              <a:buFont typeface="Arial" panose="020B0604020202020204" pitchFamily="34" charset="0"/>
+              <a:buChar char="•"/>
+            </a:pPr>
+            <a:r>
+              <a:rPr lang="en-US" sz="1800" dirty="0" smtClean="0">
+                <a:solidFill>
+                  <a:schemeClr val="tx1"/>
+                </a:solidFill>
+                <a:cs typeface="Calibri" panose="020F0502020204030204" pitchFamily="34" charset="0"/>
+              </a:rPr>
+              <a:t>Front </a:t>
+            </a:r>
+            <a:r>
+              <a:rPr lang="en-US" sz="1800" dirty="0" smtClean="0">
+                <a:solidFill>
+                  <a:schemeClr val="tx1"/>
+                </a:solidFill>
+                <a:cs typeface="Calibri" panose="020F0502020204030204" pitchFamily="34" charset="0"/>
+              </a:rPr>
+              <a:t>end developer and User Experience </a:t>
+            </a:r>
+            <a:r>
+              <a:rPr lang="en-US" sz="1800" dirty="0" smtClean="0">
+                <a:solidFill>
+                  <a:schemeClr val="tx1"/>
+                </a:solidFill>
+                <a:cs typeface="Calibri" panose="020F0502020204030204" pitchFamily="34" charset="0"/>
+              </a:rPr>
+              <a:t>specialist</a:t>
+            </a:r>
+          </a:p>
+          <a:p>
+            <a:pPr lvl="1"/>
+            <a:r>
+              <a:rPr lang="en-US" u="sng" dirty="0">
+                <a:solidFill>
+                  <a:schemeClr val="tx1"/>
+                </a:solidFill>
+                <a:cs typeface="Calibri" panose="020F0502020204030204" pitchFamily="34" charset="0"/>
+              </a:rPr>
+              <a:t>Chad Dundas-Smith</a:t>
+            </a:r>
+          </a:p>
+          <a:p>
+            <a:pPr lvl="2">
+              <a:buFont typeface="Arial" panose="020B0604020202020204" pitchFamily="34" charset="0"/>
+              <a:buChar char="•"/>
+            </a:pPr>
+            <a:r>
+              <a:rPr lang="en-US" sz="1800" dirty="0">
+                <a:solidFill>
+                  <a:schemeClr val="tx1"/>
+                </a:solidFill>
+                <a:cs typeface="Calibri" panose="020F0502020204030204" pitchFamily="34" charset="0"/>
+              </a:rPr>
+              <a:t>Keeper of code and Project Manager</a:t>
+            </a:r>
+            <a:endParaRPr lang="en-US" dirty="0">
+              <a:solidFill>
+                <a:schemeClr val="tx1"/>
+              </a:solidFill>
+              <a:cs typeface="Calibri" panose="020F0502020204030204" pitchFamily="34" charset="0"/>
+            </a:endParaRPr>
           </a:p>
           <a:p>
             <a:pPr lvl="1">
               <a:buFont typeface="Arial" panose="020B0604020202020204" pitchFamily="34" charset="0"/>
               <a:buChar char="•"/>
             </a:pPr>
-            <a:r>
-              <a:rPr lang="en-US" sz="2000" dirty="0" smtClean="0">
-                <a:solidFill>
-                  <a:schemeClr val="tx1"/>
-                </a:solidFill>
-                <a:cs typeface="Calibri" panose="020F0502020204030204" pitchFamily="34" charset="0"/>
-              </a:rPr>
-              <a:t>Capabilities: Front end developer and User Experience specialist</a:t>
-            </a:r>
             <a:endParaRPr lang="en-US" sz="2000" dirty="0">
               <a:solidFill>
                 <a:schemeClr val="tx1"/>
@@ -6564,23 +7269,7 @@
                   <a:schemeClr val="tx1"/>
                 </a:solidFill>
               </a:rPr>
-              <a:t>Customer </a:t>
-            </a:r>
-            <a:r>
-              <a:rPr lang="en-US" dirty="0">
-                <a:solidFill>
-                  <a:schemeClr val="tx1"/>
-                </a:solidFill>
-              </a:rPr>
-              <a:t>service </a:t>
-            </a:r>
-            <a:r>
-              <a:rPr lang="en-US" dirty="0" smtClean="0">
-                <a:solidFill>
-                  <a:schemeClr val="tx1"/>
-                </a:solidFill>
-              </a:rPr>
-              <a:t>oriented</a:t>
+              <a:t>Customer oriented</a:t>
             </a:r>
             <a:endParaRPr lang="en-US" dirty="0">
               <a:solidFill>
@@ -6636,7 +7325,15 @@
                   <a:schemeClr val="tx1"/>
                 </a:solidFill>
               </a:rPr>
-              <a:t>Website pages: Landing page, Travel Packages page and pages that are composed as a part of our demo</a:t>
+              <a:t>Prototype: </a:t>
+            </a:r>
+            <a:r>
+              <a:rPr lang="en-US" dirty="0" smtClean="0">
+                <a:solidFill>
+                  <a:schemeClr val="tx1"/>
+                </a:solidFill>
+              </a:rPr>
+              <a:t>Landing page, Travel Packages page and pages that are composed as a part of our demo</a:t>
             </a:r>
           </a:p>
           <a:p>
@@ -6709,28 +7406,42 @@
             <p:ph type="title"/>
           </p:nvPr>
         </p:nvSpPr>
-        <p:spPr>
-          <a:xfrm>
-            <a:off x="1102224" y="2410338"/>
-            <a:ext cx="8534400" cy="1507067"/>
-          </a:xfrm>
-        </p:spPr>
+        <p:spPr/>
         <p:txBody>
           <a:bodyPr/>
           <a:lstStyle/>
           <a:p>
             <a:r>
               <a:rPr lang="en-US" dirty="0" smtClean="0"/>
-              <a:t>Website Demo</a:t>
-            </a:r>
-            <a:endParaRPr lang="en-US" dirty="0"/>
+              <a:t>Why Us?</a:t>
+            </a:r>
+            <a:endParaRPr lang="en-US" dirty="0"/>
+          </a:p>
+        </p:txBody>
+      </p:sp>
+      <p:sp>
+        <p:nvSpPr>
+          <p:cNvPr id="3" name="Content Placeholder 2"/>
+          <p:cNvSpPr>
+            <a:spLocks noGrp="1"/>
+          </p:cNvSpPr>
+          <p:nvPr>
+            <p:ph idx="1"/>
+          </p:nvPr>
+        </p:nvSpPr>
+        <p:spPr/>
+        <p:txBody>
+          <a:bodyPr/>
+          <a:lstStyle/>
+          <a:p>
+            <a:endParaRPr lang="en-US"/>
           </a:p>
         </p:txBody>
       </p:sp>
     </p:spTree>
     <p:extLst>
       <p:ext uri="{BB962C8B-B14F-4D97-AF65-F5344CB8AC3E}">
-        <p14:creationId xmlns:p14="http://schemas.microsoft.com/office/powerpoint/2010/main" val="3709840193"/>
+        <p14:creationId xmlns:p14="http://schemas.microsoft.com/office/powerpoint/2010/main" val="2668837153"/>
       </p:ext>
     </p:extLst>
   </p:cSld>
@@ -6776,7 +7487,7 @@
         </p:nvSpPr>
         <p:spPr>
           <a:xfrm>
-            <a:off x="517338" y="435184"/>
+            <a:off x="1102224" y="2410338"/>
             <a:ext cx="8534400" cy="1507067"/>
           </a:xfrm>
         </p:spPr>
@@ -6786,309 +7497,7 @@
           <a:p>
             <a:r>
               <a:rPr lang="en-US" dirty="0" smtClean="0"/>
-              <a:t>System setup/Security</a:t>
-            </a:r>
-            <a:endParaRPr lang="en-US" dirty="0"/>
-          </a:p>
-        </p:txBody>
-      </p:sp>
-      <p:sp>
-        <p:nvSpPr>
-          <p:cNvPr id="7" name="Rounded Rectangle 6"/>
-          <p:cNvSpPr/>
-          <p:nvPr/>
-        </p:nvSpPr>
-        <p:spPr>
-          <a:xfrm>
-            <a:off x="462350" y="2192862"/>
-            <a:ext cx="2403566" cy="2011681"/>
-          </a:xfrm>
-          <a:prstGeom prst="roundRect">
-            <a:avLst/>
-          </a:prstGeom>
-        </p:spPr>
-        <p:style>
-          <a:lnRef idx="2">
-            <a:schemeClr val="accent1">
-              <a:shade val="50000"/>
-            </a:schemeClr>
-          </a:lnRef>
-          <a:fillRef idx="1">
-            <a:schemeClr val="accent1"/>
-          </a:fillRef>
-          <a:effectRef idx="0">
-            <a:schemeClr val="accent1"/>
-          </a:effectRef>
-          <a:fontRef idx="minor">
-            <a:schemeClr val="lt1"/>
-          </a:fontRef>
-        </p:style>
-        <p:txBody>
-          <a:bodyPr rtlCol="0" anchor="ctr"/>
-          <a:lstStyle/>
-          <a:p>
-            <a:pPr algn="ctr"/>
-            <a:r>
-              <a:rPr lang="en-US" dirty="0" smtClean="0"/>
-              <a:t>Internal Application</a:t>
-            </a:r>
-          </a:p>
-          <a:p>
-            <a:pPr algn="ctr"/>
-            <a:r>
-              <a:rPr lang="en-US" dirty="0" smtClean="0"/>
-              <a:t>(Webpage UI)</a:t>
-            </a:r>
-            <a:endParaRPr lang="en-US" dirty="0"/>
-          </a:p>
-        </p:txBody>
-      </p:sp>
-      <p:sp>
-        <p:nvSpPr>
-          <p:cNvPr id="8" name="Rounded Rectangle 7"/>
-          <p:cNvSpPr/>
-          <p:nvPr/>
-        </p:nvSpPr>
-        <p:spPr>
-          <a:xfrm>
-            <a:off x="4152607" y="2192863"/>
-            <a:ext cx="2573383" cy="2011681"/>
-          </a:xfrm>
-          <a:prstGeom prst="roundRect">
-            <a:avLst/>
-          </a:prstGeom>
-        </p:spPr>
-        <p:style>
-          <a:lnRef idx="2">
-            <a:schemeClr val="accent1">
-              <a:shade val="50000"/>
-            </a:schemeClr>
-          </a:lnRef>
-          <a:fillRef idx="1">
-            <a:schemeClr val="accent1"/>
-          </a:fillRef>
-          <a:effectRef idx="0">
-            <a:schemeClr val="accent1"/>
-          </a:effectRef>
-          <a:fontRef idx="minor">
-            <a:schemeClr val="lt1"/>
-          </a:fontRef>
-        </p:style>
-        <p:txBody>
-          <a:bodyPr rtlCol="0" anchor="ctr"/>
-          <a:lstStyle/>
-          <a:p>
-            <a:pPr algn="ctr"/>
-            <a:r>
-              <a:rPr lang="en-US" dirty="0" smtClean="0"/>
-              <a:t>Database</a:t>
-            </a:r>
-            <a:endParaRPr lang="en-US" dirty="0"/>
-          </a:p>
-        </p:txBody>
-      </p:sp>
-      <p:sp>
-        <p:nvSpPr>
-          <p:cNvPr id="9" name="Rounded Rectangle 8"/>
-          <p:cNvSpPr/>
-          <p:nvPr/>
-        </p:nvSpPr>
-        <p:spPr>
-          <a:xfrm>
-            <a:off x="7957694" y="2192863"/>
-            <a:ext cx="2573383" cy="2011681"/>
-          </a:xfrm>
-          <a:prstGeom prst="roundRect">
-            <a:avLst/>
-          </a:prstGeom>
-        </p:spPr>
-        <p:style>
-          <a:lnRef idx="2">
-            <a:schemeClr val="accent1">
-              <a:shade val="50000"/>
-            </a:schemeClr>
-          </a:lnRef>
-          <a:fillRef idx="1">
-            <a:schemeClr val="accent1"/>
-          </a:fillRef>
-          <a:effectRef idx="0">
-            <a:schemeClr val="accent1"/>
-          </a:effectRef>
-          <a:fontRef idx="minor">
-            <a:schemeClr val="lt1"/>
-          </a:fontRef>
-        </p:style>
-        <p:txBody>
-          <a:bodyPr rtlCol="0" anchor="ctr"/>
-          <a:lstStyle/>
-          <a:p>
-            <a:pPr algn="ctr"/>
-            <a:r>
-              <a:rPr lang="en-US" dirty="0" smtClean="0"/>
-              <a:t>Front end UI</a:t>
-            </a:r>
-          </a:p>
-          <a:p>
-            <a:pPr algn="ctr"/>
-            <a:r>
-              <a:rPr lang="en-US" dirty="0" smtClean="0"/>
-              <a:t>(Website)</a:t>
-            </a:r>
-            <a:endParaRPr lang="en-US" dirty="0"/>
-          </a:p>
-        </p:txBody>
-      </p:sp>
-      <p:cxnSp>
-        <p:nvCxnSpPr>
-          <p:cNvPr id="12" name="Straight Connector 11"/>
-          <p:cNvCxnSpPr>
-            <a:stCxn id="7" idx="3"/>
-            <a:endCxn id="8" idx="1"/>
-          </p:cNvCxnSpPr>
-          <p:nvPr/>
-        </p:nvCxnSpPr>
-        <p:spPr>
-          <a:xfrm>
-            <a:off x="2865916" y="3198703"/>
-            <a:ext cx="1286691" cy="1"/>
-          </a:xfrm>
-          <a:prstGeom prst="line">
-            <a:avLst/>
-          </a:prstGeom>
-        </p:spPr>
-        <p:style>
-          <a:lnRef idx="3">
-            <a:schemeClr val="dk1"/>
-          </a:lnRef>
-          <a:fillRef idx="0">
-            <a:schemeClr val="dk1"/>
-          </a:fillRef>
-          <a:effectRef idx="2">
-            <a:schemeClr val="dk1"/>
-          </a:effectRef>
-          <a:fontRef idx="minor">
-            <a:schemeClr val="tx1"/>
-          </a:fontRef>
-        </p:style>
-      </p:cxnSp>
-      <p:cxnSp>
-        <p:nvCxnSpPr>
-          <p:cNvPr id="14" name="Straight Connector 13"/>
-          <p:cNvCxnSpPr>
-            <a:stCxn id="8" idx="3"/>
-            <a:endCxn id="9" idx="1"/>
-          </p:cNvCxnSpPr>
-          <p:nvPr/>
-        </p:nvCxnSpPr>
-        <p:spPr>
-          <a:xfrm>
-            <a:off x="6725990" y="3198704"/>
-            <a:ext cx="1231704" cy="0"/>
-          </a:xfrm>
-          <a:prstGeom prst="line">
-            <a:avLst/>
-          </a:prstGeom>
-        </p:spPr>
-        <p:style>
-          <a:lnRef idx="3">
-            <a:schemeClr val="dk1"/>
-          </a:lnRef>
-          <a:fillRef idx="0">
-            <a:schemeClr val="dk1"/>
-          </a:fillRef>
-          <a:effectRef idx="2">
-            <a:schemeClr val="dk1"/>
-          </a:effectRef>
-          <a:fontRef idx="minor">
-            <a:schemeClr val="tx1"/>
-          </a:fontRef>
-        </p:style>
-      </p:cxnSp>
-      <p:sp>
-        <p:nvSpPr>
-          <p:cNvPr id="24" name="TextBox 23"/>
-          <p:cNvSpPr txBox="1"/>
-          <p:nvPr/>
-        </p:nvSpPr>
-        <p:spPr>
-          <a:xfrm>
-            <a:off x="4017918" y="4463437"/>
-            <a:ext cx="2842759" cy="369332"/>
-          </a:xfrm>
-          <a:prstGeom prst="rect">
-            <a:avLst/>
-          </a:prstGeom>
-          <a:noFill/>
-        </p:spPr>
-        <p:txBody>
-          <a:bodyPr wrap="square" rtlCol="0">
-            <a:spAutoFit/>
-          </a:bodyPr>
-          <a:lstStyle/>
-          <a:p>
-            <a:r>
-              <a:rPr lang="en-US" dirty="0" smtClean="0"/>
-              <a:t>Encapsulation of Data</a:t>
-            </a:r>
-            <a:endParaRPr lang="en-US" dirty="0"/>
-          </a:p>
-        </p:txBody>
-      </p:sp>
-      <p:sp>
-        <p:nvSpPr>
-          <p:cNvPr id="25" name="TextBox 24"/>
-          <p:cNvSpPr txBox="1"/>
-          <p:nvPr/>
-        </p:nvSpPr>
-        <p:spPr>
-          <a:xfrm>
-            <a:off x="517338" y="4455158"/>
-            <a:ext cx="2751319" cy="369332"/>
-          </a:xfrm>
-          <a:prstGeom prst="rect">
-            <a:avLst/>
-          </a:prstGeom>
-          <a:noFill/>
-        </p:spPr>
-        <p:txBody>
-          <a:bodyPr wrap="square" rtlCol="0">
-            <a:spAutoFit/>
-          </a:bodyPr>
-          <a:lstStyle/>
-          <a:p>
-            <a:r>
-              <a:rPr lang="en-US" dirty="0" smtClean="0"/>
-              <a:t>Login Authentication</a:t>
-            </a:r>
-            <a:endParaRPr lang="en-US" dirty="0"/>
-          </a:p>
-        </p:txBody>
-      </p:sp>
-      <p:sp>
-        <p:nvSpPr>
-          <p:cNvPr id="28" name="TextBox 27"/>
-          <p:cNvSpPr txBox="1"/>
-          <p:nvPr/>
-        </p:nvSpPr>
-        <p:spPr>
-          <a:xfrm>
-            <a:off x="7957694" y="4455156"/>
-            <a:ext cx="2834640" cy="369332"/>
-          </a:xfrm>
-          <a:prstGeom prst="rect">
-            <a:avLst/>
-          </a:prstGeom>
-          <a:noFill/>
-        </p:spPr>
-        <p:txBody>
-          <a:bodyPr wrap="square" rtlCol="0">
-            <a:spAutoFit/>
-          </a:bodyPr>
-          <a:lstStyle/>
-          <a:p>
-            <a:r>
-              <a:rPr lang="en-US" dirty="0" smtClean="0"/>
-              <a:t>Easy to use UI format</a:t>
+              <a:t>Website Demo</a:t>
             </a:r>
             <a:endParaRPr lang="en-US" dirty="0"/>
           </a:p>
@@ -7097,7 +7506,7 @@
     </p:spTree>
     <p:extLst>
       <p:ext uri="{BB962C8B-B14F-4D97-AF65-F5344CB8AC3E}">
-        <p14:creationId xmlns:p14="http://schemas.microsoft.com/office/powerpoint/2010/main" val="582655099"/>
+        <p14:creationId xmlns:p14="http://schemas.microsoft.com/office/powerpoint/2010/main" val="3709840193"/>
       </p:ext>
     </p:extLst>
   </p:cSld>
@@ -7143,7 +7552,7 @@
         </p:nvSpPr>
         <p:spPr>
           <a:xfrm>
-            <a:off x="1054915" y="646852"/>
+            <a:off x="684212" y="685800"/>
             <a:ext cx="8534400" cy="1507067"/>
           </a:xfrm>
         </p:spPr>
@@ -7153,7 +7562,7 @@
           <a:p>
             <a:r>
               <a:rPr lang="en-US" dirty="0" smtClean="0"/>
-              <a:t>Security</a:t>
+              <a:t>Special Feature </a:t>
             </a:r>
             <a:endParaRPr lang="en-US" dirty="0"/>
           </a:p>
@@ -7171,61 +7580,73 @@
         </p:nvSpPr>
         <p:spPr>
           <a:xfrm>
-            <a:off x="1054915" y="2153919"/>
-            <a:ext cx="8534400" cy="2472267"/>
+            <a:off x="684212" y="1867988"/>
+            <a:ext cx="8534400" cy="4170439"/>
           </a:xfrm>
         </p:spPr>
         <p:txBody>
-          <a:bodyPr/>
-          <a:lstStyle/>
-          <a:p>
+          <a:bodyPr>
+            <a:normAutofit/>
+          </a:bodyPr>
+          <a:lstStyle/>
+          <a:p>
+            <a:pPr marL="0" indent="0">
+              <a:buNone/>
+            </a:pPr>
+            <a:r>
+              <a:rPr lang="en-US" dirty="0" smtClean="0"/>
+              <a:t>-</a:t>
+            </a:r>
             <a:r>
               <a:rPr lang="en-US" dirty="0" smtClean="0">
                 <a:solidFill>
                   <a:schemeClr val="tx1"/>
                 </a:solidFill>
               </a:rPr>
-              <a:t>To Prevent malicious registrations from spam bots and such, </a:t>
-            </a:r>
-            <a:r>
-              <a:rPr lang="en-US" dirty="0" err="1" smtClean="0">
-                <a:solidFill>
-                  <a:schemeClr val="tx1"/>
-                </a:solidFill>
-              </a:rPr>
-              <a:t>RockIT</a:t>
-            </a:r>
-            <a:r>
-              <a:rPr lang="en-US" dirty="0">
-                <a:solidFill>
-                  <a:schemeClr val="tx1"/>
-                </a:solidFill>
-              </a:rPr>
-              <a:t> </a:t>
-            </a:r>
-            <a:r>
-              <a:rPr lang="en-US" dirty="0" smtClean="0">
-                <a:solidFill>
-                  <a:schemeClr val="tx1"/>
-                </a:solidFill>
-              </a:rPr>
-              <a:t>Solutions recommends using CAPTCHA technology, and utilizing an email activation for user registration.</a:t>
-            </a:r>
-            <a:endParaRPr lang="en-US" dirty="0">
+              <a:t>Special feature: customers can send messages VIA the website to contact Travel Agents.</a:t>
+            </a:r>
+          </a:p>
+          <a:p>
+            <a:pPr marL="0" indent="0">
+              <a:buNone/>
+            </a:pPr>
+            <a:endParaRPr lang="en-US" dirty="0" smtClean="0">
               <a:solidFill>
                 <a:schemeClr val="tx1"/>
               </a:solidFill>
             </a:endParaRPr>
           </a:p>
           <a:p>
-            <a:endParaRPr lang="en-US" dirty="0" smtClean="0"/>
+            <a:pPr marL="0" indent="0">
+              <a:buNone/>
+            </a:pPr>
+            <a:r>
+              <a:rPr lang="en-US" dirty="0" smtClean="0">
+                <a:solidFill>
+                  <a:schemeClr val="tx1"/>
+                </a:solidFill>
+              </a:rPr>
+              <a:t>-Our special feature addresses slow network load times with obsolete and old hardware. This setup allows Travel Agents to be connected to the main network to receive information and messages from customers. Travel Agents can then call and get into contact with the customers versus waiting for computers to load and send emails through slow network.</a:t>
+            </a:r>
+          </a:p>
+          <a:p>
+            <a:pPr marL="0" indent="0">
+              <a:buNone/>
+            </a:pPr>
+            <a:endParaRPr lang="en-US" dirty="0"/>
+          </a:p>
+          <a:p>
+            <a:pPr marL="0" indent="0">
+              <a:buNone/>
+            </a:pPr>
+            <a:endParaRPr lang="en-US" dirty="0"/>
           </a:p>
         </p:txBody>
       </p:sp>
     </p:spTree>
     <p:extLst>
       <p:ext uri="{BB962C8B-B14F-4D97-AF65-F5344CB8AC3E}">
-        <p14:creationId xmlns:p14="http://schemas.microsoft.com/office/powerpoint/2010/main" val="696918034"/>
+        <p14:creationId xmlns:p14="http://schemas.microsoft.com/office/powerpoint/2010/main" val="1105592219"/>
       </p:ext>
     </p:extLst>
   </p:cSld>
@@ -7271,7 +7692,7 @@
         </p:nvSpPr>
         <p:spPr>
           <a:xfrm>
-            <a:off x="684212" y="137401"/>
+            <a:off x="1054915" y="646852"/>
             <a:ext cx="8534400" cy="1507067"/>
           </a:xfrm>
         </p:spPr>
@@ -7281,7 +7702,7 @@
           <a:p>
             <a:r>
               <a:rPr lang="en-US" dirty="0" smtClean="0"/>
-              <a:t>Budget breakdown - $250,000</a:t>
+              <a:t>Security</a:t>
             </a:r>
             <a:endParaRPr lang="en-US" dirty="0"/>
           </a:p>
@@ -7299,21 +7720,13 @@
         </p:nvSpPr>
         <p:spPr>
           <a:xfrm>
-            <a:off x="684212" y="1345475"/>
-            <a:ext cx="8534400" cy="4483948"/>
+            <a:off x="1054915" y="2153919"/>
+            <a:ext cx="8534400" cy="2472267"/>
           </a:xfrm>
         </p:spPr>
         <p:txBody>
-          <a:bodyPr>
-            <a:normAutofit fontScale="92500" lnSpcReduction="20000"/>
-          </a:bodyPr>
-          <a:lstStyle/>
-          <a:p>
-            <a:pPr marL="0" indent="0">
-              <a:buNone/>
-            </a:pPr>
-            <a:endParaRPr lang="en-US" dirty="0" smtClean="0"/>
-          </a:p>
+          <a:bodyPr/>
+          <a:lstStyle/>
           <a:p>
             <a:r>
               <a:rPr lang="en-US" dirty="0" smtClean="0">
@@ -7321,109 +7734,15 @@
                   <a:schemeClr val="tx1"/>
                 </a:solidFill>
               </a:rPr>
-              <a:t>1</a:t>
-            </a:r>
-            <a:r>
-              <a:rPr lang="en-US" baseline="30000" dirty="0" smtClean="0">
+              <a:t>To Prevent malicious registrations from spam bots and such, </a:t>
+            </a:r>
+            <a:r>
+              <a:rPr lang="en-US" dirty="0" err="1" smtClean="0">
                 <a:solidFill>
                   <a:schemeClr val="tx1"/>
                 </a:solidFill>
               </a:rPr>
-              <a:t>st</a:t>
-            </a:r>
-            <a:r>
-              <a:rPr lang="en-US" dirty="0" smtClean="0">
-                <a:solidFill>
-                  <a:schemeClr val="tx1"/>
-                </a:solidFill>
-              </a:rPr>
-              <a:t> phase $83,000</a:t>
-            </a:r>
-          </a:p>
-          <a:p>
-            <a:pPr lvl="1">
-              <a:buFont typeface="Courier New" panose="02070309020205020404" pitchFamily="49" charset="0"/>
-              <a:buChar char="o"/>
-            </a:pPr>
-            <a:r>
-              <a:rPr lang="en-US" dirty="0" smtClean="0">
-                <a:solidFill>
-                  <a:schemeClr val="tx1"/>
-                </a:solidFill>
-              </a:rPr>
-              <a:t>UI website (HTML, </a:t>
-            </a:r>
-            <a:r>
-              <a:rPr lang="en-US" dirty="0" err="1" smtClean="0">
-                <a:solidFill>
-                  <a:schemeClr val="tx1"/>
-                </a:solidFill>
-              </a:rPr>
-              <a:t>Javascript</a:t>
-            </a:r>
-            <a:r>
-              <a:rPr lang="en-US" dirty="0" smtClean="0">
-                <a:solidFill>
-                  <a:schemeClr val="tx1"/>
-                </a:solidFill>
-              </a:rPr>
-              <a:t>, CSS)</a:t>
-            </a:r>
-          </a:p>
-          <a:p>
-            <a:pPr lvl="1">
-              <a:buFont typeface="Courier New" panose="02070309020205020404" pitchFamily="49" charset="0"/>
-              <a:buChar char="o"/>
-            </a:pPr>
-            <a:r>
-              <a:rPr lang="en-US" dirty="0" smtClean="0">
-                <a:solidFill>
-                  <a:schemeClr val="tx1"/>
-                </a:solidFill>
-              </a:rPr>
-              <a:t>Database setup and linked (PHP)</a:t>
-            </a:r>
-          </a:p>
-          <a:p>
-            <a:pPr lvl="1">
-              <a:buFont typeface="Courier New" panose="02070309020205020404" pitchFamily="49" charset="0"/>
-              <a:buChar char="o"/>
-            </a:pPr>
-            <a:r>
-              <a:rPr lang="en-US" dirty="0" smtClean="0">
-                <a:solidFill>
-                  <a:schemeClr val="tx1"/>
-                </a:solidFill>
-              </a:rPr>
-              <a:t>Admin website portal  </a:t>
-            </a:r>
-          </a:p>
-          <a:p>
-            <a:pPr marL="457200" lvl="1" indent="0">
-              <a:buNone/>
-            </a:pPr>
-            <a:endParaRPr lang="en-US" dirty="0" smtClean="0">
-              <a:solidFill>
-                <a:schemeClr val="tx1"/>
-              </a:solidFill>
-            </a:endParaRPr>
-          </a:p>
-          <a:p>
-            <a:r>
-              <a:rPr lang="en-US" dirty="0" smtClean="0">
-                <a:solidFill>
-                  <a:schemeClr val="tx1"/>
-                </a:solidFill>
-              </a:rPr>
-              <a:t>2</a:t>
-            </a:r>
-            <a:r>
-              <a:rPr lang="en-US" baseline="30000" dirty="0" smtClean="0">
-                <a:solidFill>
-                  <a:schemeClr val="tx1"/>
-                </a:solidFill>
-              </a:rPr>
-              <a:t>nd</a:t>
+              <a:t>RockIT</a:t>
             </a:r>
             <a:r>
               <a:rPr lang="en-US" dirty="0">
@@ -7439,108 +7758,23 @@
                   <a:schemeClr val="tx1"/>
                 </a:solidFill>
               </a:rPr>
-              <a:t>phase $83,000</a:t>
-            </a:r>
-          </a:p>
-          <a:p>
-            <a:pPr lvl="1">
-              <a:buFont typeface="Courier New" panose="02070309020205020404" pitchFamily="49" charset="0"/>
-              <a:buChar char="o"/>
-            </a:pPr>
-            <a:r>
-              <a:rPr lang="en-US" dirty="0" smtClean="0">
-                <a:solidFill>
-                  <a:schemeClr val="tx1"/>
-                </a:solidFill>
-              </a:rPr>
-              <a:t>Implementation of Microsoft technologies</a:t>
-            </a:r>
-          </a:p>
-          <a:p>
-            <a:pPr marL="457200" lvl="1" indent="0">
-              <a:buNone/>
-            </a:pPr>
-            <a:endParaRPr lang="en-US" dirty="0" smtClean="0">
-              <a:solidFill>
-                <a:schemeClr val="tx1"/>
-              </a:solidFill>
-            </a:endParaRPr>
-          </a:p>
-          <a:p>
-            <a:r>
-              <a:rPr lang="en-US" dirty="0" smtClean="0">
-                <a:solidFill>
-                  <a:schemeClr val="tx1"/>
-                </a:solidFill>
-              </a:rPr>
-              <a:t>3</a:t>
-            </a:r>
-            <a:r>
-              <a:rPr lang="en-US" baseline="30000" dirty="0" smtClean="0">
-                <a:solidFill>
-                  <a:schemeClr val="tx1"/>
-                </a:solidFill>
-              </a:rPr>
-              <a:t>rd</a:t>
-            </a:r>
-            <a:r>
-              <a:rPr lang="en-US" dirty="0">
-                <a:solidFill>
-                  <a:schemeClr val="tx1"/>
-                </a:solidFill>
-              </a:rPr>
-              <a:t> </a:t>
-            </a:r>
-            <a:r>
-              <a:rPr lang="en-US" dirty="0" smtClean="0">
-                <a:solidFill>
-                  <a:schemeClr val="tx1"/>
-                </a:solidFill>
-              </a:rPr>
-              <a:t>phase $84,000 </a:t>
-            </a:r>
-          </a:p>
-          <a:p>
-            <a:pPr lvl="1">
-              <a:buFont typeface="Courier New" panose="02070309020205020404" pitchFamily="49" charset="0"/>
-              <a:buChar char="o"/>
-            </a:pPr>
-            <a:r>
-              <a:rPr lang="en-US" dirty="0" smtClean="0">
-                <a:solidFill>
-                  <a:schemeClr val="tx1"/>
-                </a:solidFill>
-              </a:rPr>
-              <a:t>Mobile App Design</a:t>
-            </a:r>
-          </a:p>
-          <a:p>
-            <a:pPr lvl="1">
-              <a:buFont typeface="Courier New" panose="02070309020205020404" pitchFamily="49" charset="0"/>
-              <a:buChar char="o"/>
-            </a:pPr>
-            <a:r>
-              <a:rPr lang="en-US" dirty="0" smtClean="0">
-                <a:solidFill>
-                  <a:schemeClr val="tx1"/>
-                </a:solidFill>
-              </a:rPr>
-              <a:t>Database upgrades (Oracle)</a:t>
-            </a:r>
-          </a:p>
-          <a:p>
+              <a:t>Solutions recommends using CAPTCHA technology, and utilizing an email activation for user registration.</a:t>
+            </a:r>
             <a:endParaRPr lang="en-US" dirty="0">
               <a:solidFill>
                 <a:schemeClr val="tx1"/>
               </a:solidFill>
             </a:endParaRPr>
           </a:p>
+          <a:p>
+            <a:endParaRPr lang="en-US" dirty="0" smtClean="0"/>
+          </a:p>
         </p:txBody>
       </p:sp>
     </p:spTree>
     <p:extLst>
       <p:ext uri="{BB962C8B-B14F-4D97-AF65-F5344CB8AC3E}">
-        <p14:creationId xmlns:p14="http://schemas.microsoft.com/office/powerpoint/2010/main" val="546623997"/>
+        <p14:creationId xmlns:p14="http://schemas.microsoft.com/office/powerpoint/2010/main" val="696918034"/>
       </p:ext>
     </p:extLst>
   </p:cSld>

--- a/Presentation Powerpoint.pptx
+++ b/Presentation Powerpoint.pptx
@@ -6,18 +6,19 @@
   </p:sldMasterIdLst>
   <p:sldIdLst>
     <p:sldId id="256" r:id="rId2"/>
-    <p:sldId id="257" r:id="rId3"/>
-    <p:sldId id="258" r:id="rId4"/>
-    <p:sldId id="265" r:id="rId5"/>
-    <p:sldId id="266" r:id="rId6"/>
-    <p:sldId id="268" r:id="rId7"/>
+    <p:sldId id="269" r:id="rId3"/>
+    <p:sldId id="257" r:id="rId4"/>
+    <p:sldId id="271" r:id="rId5"/>
+    <p:sldId id="258" r:id="rId6"/>
+    <p:sldId id="265" r:id="rId7"/>
     <p:sldId id="259" r:id="rId8"/>
     <p:sldId id="260" r:id="rId9"/>
     <p:sldId id="262" r:id="rId10"/>
     <p:sldId id="261" r:id="rId11"/>
     <p:sldId id="263" r:id="rId12"/>
     <p:sldId id="264" r:id="rId13"/>
-    <p:sldId id="267" r:id="rId14"/>
+    <p:sldId id="270" r:id="rId14"/>
+    <p:sldId id="267" r:id="rId15"/>
   </p:sldIdLst>
   <p:sldSz cx="12192000" cy="6858000"/>
   <p:notesSz cx="6858000" cy="9144000"/>
@@ -5462,7 +5463,7 @@
           <a:lstStyle/>
           <a:p>
             <a:r>
-              <a:rPr lang="en-US" dirty="0" smtClean="0">
+              <a:rPr lang="en-US" sz="3200" dirty="0" smtClean="0">
                 <a:solidFill>
                   <a:schemeClr val="tx1"/>
                 </a:solidFill>
@@ -5470,7 +5471,7 @@
               <a:t>Presented by: </a:t>
             </a:r>
             <a:r>
-              <a:rPr lang="en-US" b="1" dirty="0" err="1">
+              <a:rPr lang="en-US" sz="3200" b="1" dirty="0" err="1">
                 <a:solidFill>
                   <a:schemeClr val="tx1"/>
                 </a:solidFill>
@@ -5478,7 +5479,7 @@
               <a:t>R</a:t>
             </a:r>
             <a:r>
-              <a:rPr lang="en-US" b="1" dirty="0" err="1" smtClean="0">
+              <a:rPr lang="en-US" sz="3200" b="1" dirty="0" err="1" smtClean="0">
                 <a:solidFill>
                   <a:schemeClr val="tx1"/>
                 </a:solidFill>
@@ -5486,13 +5487,42 @@
               <a:t>ockIT</a:t>
             </a:r>
             <a:r>
-              <a:rPr lang="en-US" b="1" dirty="0" smtClean="0">
-                <a:solidFill>
-                  <a:schemeClr val="tx1"/>
-                </a:solidFill>
-              </a:rPr>
-              <a:t> software solutions</a:t>
-            </a:r>
+              <a:rPr lang="en-US" sz="3200" b="1" dirty="0" smtClean="0">
+                <a:solidFill>
+                  <a:schemeClr val="tx1"/>
+                </a:solidFill>
+              </a:rPr>
+              <a:t> </a:t>
+            </a:r>
+            <a:r>
+              <a:rPr lang="en-US" sz="3200" b="1" dirty="0" smtClean="0">
+                <a:solidFill>
+                  <a:schemeClr val="tx1"/>
+                </a:solidFill>
+              </a:rPr>
+              <a:t>Software </a:t>
+            </a:r>
+            <a:r>
+              <a:rPr lang="en-US" sz="3200" b="1" dirty="0">
+                <a:solidFill>
+                  <a:schemeClr val="tx1"/>
+                </a:solidFill>
+              </a:rPr>
+              <a:t>S</a:t>
+            </a:r>
+            <a:r>
+              <a:rPr lang="en-US" sz="3200" b="1" dirty="0" smtClean="0">
+                <a:solidFill>
+                  <a:schemeClr val="tx1"/>
+                </a:solidFill>
+              </a:rPr>
+              <a:t>olutions</a:t>
+            </a:r>
+            <a:endParaRPr lang="en-US" sz="3200" b="1" dirty="0" smtClean="0">
+              <a:solidFill>
+                <a:schemeClr val="tx1"/>
+              </a:solidFill>
+            </a:endParaRPr>
           </a:p>
           <a:p>
             <a:endParaRPr lang="en-US" dirty="0"/>
@@ -5552,7 +5582,7 @@
         <p:spPr>
           <a:xfrm>
             <a:off x="517337" y="435184"/>
-            <a:ext cx="9867633" cy="1507067"/>
+            <a:ext cx="6930867" cy="1507067"/>
           </a:xfrm>
         </p:spPr>
         <p:txBody>
@@ -5561,11 +5591,15 @@
           <a:p>
             <a:r>
               <a:rPr lang="en-US" dirty="0" smtClean="0"/>
-              <a:t>System </a:t>
+              <a:t>*****System </a:t>
             </a:r>
             <a:r>
               <a:rPr lang="en-US" dirty="0" smtClean="0"/>
-              <a:t>setup for hardware limitations</a:t>
+              <a:t>setup for </a:t>
+            </a:r>
+            <a:r>
+              <a:rPr lang="en-US" dirty="0" smtClean="0"/>
+              <a:t>hardware</a:t>
             </a:r>
             <a:endParaRPr lang="en-US" dirty="0"/>
           </a:p>
@@ -5579,7 +5613,7 @@
         </p:nvSpPr>
         <p:spPr>
           <a:xfrm>
-            <a:off x="7698909" y="2192863"/>
+            <a:off x="7722617" y="2192861"/>
             <a:ext cx="2403566" cy="2011681"/>
           </a:xfrm>
           <a:prstGeom prst="roundRect">
@@ -5630,7 +5664,7 @@
         </p:nvSpPr>
         <p:spPr>
           <a:xfrm>
-            <a:off x="4152607" y="2192863"/>
+            <a:off x="4164461" y="2192861"/>
             <a:ext cx="2573383" cy="2011681"/>
           </a:xfrm>
           <a:prstGeom prst="roundRect">
@@ -5674,7 +5708,7 @@
         </p:nvSpPr>
         <p:spPr>
           <a:xfrm>
-            <a:off x="606305" y="2192863"/>
+            <a:off x="606305" y="2192862"/>
             <a:ext cx="2573383" cy="2011681"/>
           </a:xfrm>
           <a:prstGeom prst="roundRect">
@@ -5817,9 +5851,9 @@
           <p:nvPr/>
         </p:nvCxnSpPr>
         <p:spPr>
-          <a:xfrm>
-            <a:off x="3179688" y="3198704"/>
-            <a:ext cx="972919" cy="0"/>
+          <a:xfrm flipV="1">
+            <a:off x="3179688" y="3198702"/>
+            <a:ext cx="984773" cy="1"/>
           </a:xfrm>
           <a:prstGeom prst="line">
             <a:avLst/>
@@ -5851,8 +5885,8 @@
         </p:nvCxnSpPr>
         <p:spPr>
           <a:xfrm>
-            <a:off x="6725990" y="3198704"/>
-            <a:ext cx="972919" cy="0"/>
+            <a:off x="6737844" y="3198702"/>
+            <a:ext cx="984773" cy="0"/>
           </a:xfrm>
           <a:prstGeom prst="line">
             <a:avLst/>
@@ -5932,7 +5966,23 @@
           <a:p>
             <a:r>
               <a:rPr lang="en-US" dirty="0" smtClean="0"/>
-              <a:t>Budget breakdown - $250,000</a:t>
+              <a:t>Budget </a:t>
+            </a:r>
+            <a:r>
+              <a:rPr lang="en-US" dirty="0" err="1" smtClean="0"/>
+              <a:t>Breakdow</a:t>
+            </a:r>
+            <a:r>
+              <a:rPr lang="en-US" smtClean="0"/>
+              <a:t> </a:t>
+            </a:r>
+            <a:r>
+              <a:rPr lang="en-US" smtClean="0"/>
+              <a:t>- </a:t>
+            </a:r>
+            <a:r>
+              <a:rPr lang="en-US" dirty="0" smtClean="0"/>
+              <a:t>$250,000</a:t>
             </a:r>
             <a:endParaRPr lang="en-US" dirty="0"/>
           </a:p>
@@ -6104,8 +6154,21 @@
                   <a:schemeClr val="tx1"/>
                 </a:solidFill>
               </a:rPr>
-              <a:t>Implementation of Microsoft technologies</a:t>
-            </a:r>
+              <a:t>Implementation of Microsoft </a:t>
+            </a:r>
+            <a:r>
+              <a:rPr lang="en-US" dirty="0" smtClean="0">
+                <a:solidFill>
+                  <a:schemeClr val="tx1"/>
+                </a:solidFill>
+              </a:rPr>
+              <a:t>technologies</a:t>
+            </a:r>
+            <a:endParaRPr lang="en-US" dirty="0" smtClean="0">
+              <a:solidFill>
+                <a:schemeClr val="tx1"/>
+              </a:solidFill>
+            </a:endParaRPr>
           </a:p>
           <a:p>
             <a:pPr marL="457200" lvl="1" indent="0">
@@ -6288,15 +6351,7 @@
                   <a:schemeClr val="tx1"/>
                 </a:solidFill>
               </a:rPr>
-              <a:t>12/10</a:t>
-            </a:r>
-            <a:r>
-              <a:rPr lang="en-US" dirty="0" smtClean="0">
-                <a:solidFill>
-                  <a:schemeClr val="tx1"/>
-                </a:solidFill>
-              </a:rPr>
-              <a:t>/2018</a:t>
+              <a:t>12/10/2018 (December 10, 2018)</a:t>
             </a:r>
             <a:endParaRPr lang="en-US" dirty="0" smtClean="0">
               <a:solidFill>
@@ -6336,7 +6391,26 @@
                   <a:schemeClr val="tx1"/>
                 </a:solidFill>
               </a:rPr>
-              <a:t>/2019</a:t>
+              <a:t>/2019 (April 26, 2019)</a:t>
+            </a:r>
+          </a:p>
+          <a:p>
+            <a:pPr lvl="0"/>
+            <a:endParaRPr lang="en-US" dirty="0">
+              <a:solidFill>
+                <a:schemeClr val="tx1"/>
+              </a:solidFill>
+            </a:endParaRPr>
+          </a:p>
+          <a:p>
+            <a:pPr lvl="0"/>
+            <a:r>
+              <a:rPr lang="en-US" sz="2000" dirty="0" smtClean="0">
+                <a:solidFill>
+                  <a:schemeClr val="tx1"/>
+                </a:solidFill>
+              </a:rPr>
+              <a:t>Project Duration: 4.5 months</a:t>
             </a:r>
             <a:endParaRPr lang="en-US" sz="2000" dirty="0">
               <a:solidFill>
@@ -6401,6 +6475,170 @@
         </p:nvSpPr>
         <p:spPr>
           <a:xfrm>
+            <a:off x="684212" y="685800"/>
+            <a:ext cx="8534400" cy="1507067"/>
+          </a:xfrm>
+        </p:spPr>
+        <p:txBody>
+          <a:bodyPr/>
+          <a:lstStyle/>
+          <a:p>
+            <a:r>
+              <a:rPr lang="en-US" dirty="0" smtClean="0"/>
+              <a:t>Why us?</a:t>
+            </a:r>
+            <a:endParaRPr lang="en-US" dirty="0"/>
+          </a:p>
+        </p:txBody>
+      </p:sp>
+      <p:sp>
+        <p:nvSpPr>
+          <p:cNvPr id="3" name="Content Placeholder 2"/>
+          <p:cNvSpPr>
+            <a:spLocks noGrp="1"/>
+          </p:cNvSpPr>
+          <p:nvPr>
+            <p:ph idx="1"/>
+          </p:nvPr>
+        </p:nvSpPr>
+        <p:spPr>
+          <a:xfrm>
+            <a:off x="684212" y="1907177"/>
+            <a:ext cx="11189925" cy="4274941"/>
+          </a:xfrm>
+        </p:spPr>
+        <p:txBody>
+          <a:bodyPr>
+            <a:normAutofit/>
+          </a:bodyPr>
+          <a:lstStyle/>
+          <a:p>
+            <a:pPr marL="0" lvl="0" indent="0">
+              <a:buNone/>
+            </a:pPr>
+            <a:endParaRPr lang="en-US" dirty="0" smtClean="0">
+              <a:solidFill>
+                <a:schemeClr val="tx1"/>
+              </a:solidFill>
+            </a:endParaRPr>
+          </a:p>
+          <a:p>
+            <a:r>
+              <a:rPr lang="en-US" dirty="0" smtClean="0">
+                <a:solidFill>
+                  <a:schemeClr val="tx1"/>
+                </a:solidFill>
+              </a:rPr>
+              <a:t>Small and personal team of innovative developers</a:t>
+            </a:r>
+          </a:p>
+          <a:p>
+            <a:r>
+              <a:rPr lang="en-US" dirty="0" smtClean="0">
+                <a:solidFill>
+                  <a:schemeClr val="tx1"/>
+                </a:solidFill>
+              </a:rPr>
+              <a:t>Competitive pricing </a:t>
+            </a:r>
+          </a:p>
+          <a:p>
+            <a:r>
+              <a:rPr lang="en-US" dirty="0" smtClean="0">
+                <a:solidFill>
+                  <a:schemeClr val="tx1"/>
+                </a:solidFill>
+              </a:rPr>
+              <a:t>Focus on collaboration and communication</a:t>
+            </a:r>
+          </a:p>
+          <a:p>
+            <a:r>
+              <a:rPr lang="en-US" dirty="0" smtClean="0">
+                <a:solidFill>
+                  <a:schemeClr val="tx1"/>
+                </a:solidFill>
+              </a:rPr>
+              <a:t>Were not happy until you are</a:t>
+            </a:r>
+          </a:p>
+          <a:p>
+            <a:r>
+              <a:rPr lang="en-US" sz="2800" dirty="0" smtClean="0">
+                <a:solidFill>
+                  <a:schemeClr val="tx1"/>
+                </a:solidFill>
+              </a:rPr>
+              <a:t>FUN TO WORK WITH!</a:t>
+            </a:r>
+            <a:endParaRPr lang="en-US" sz="2800" dirty="0">
+              <a:solidFill>
+                <a:schemeClr val="tx1"/>
+              </a:solidFill>
+            </a:endParaRPr>
+          </a:p>
+          <a:p>
+            <a:pPr lvl="0"/>
+            <a:endParaRPr lang="en-US" dirty="0">
+              <a:solidFill>
+                <a:schemeClr val="tx1"/>
+              </a:solidFill>
+            </a:endParaRPr>
+          </a:p>
+          <a:p>
+            <a:endParaRPr lang="en-US" dirty="0"/>
+          </a:p>
+        </p:txBody>
+      </p:sp>
+    </p:spTree>
+    <p:extLst>
+      <p:ext uri="{BB962C8B-B14F-4D97-AF65-F5344CB8AC3E}">
+        <p14:creationId xmlns:p14="http://schemas.microsoft.com/office/powerpoint/2010/main" val="3460001716"/>
+      </p:ext>
+    </p:extLst>
+  </p:cSld>
+  <p:clrMapOvr>
+    <a:masterClrMapping/>
+  </p:clrMapOvr>
+  <p:timing>
+    <p:tnLst>
+      <p:par>
+        <p:cTn id="1" dur="indefinite" restart="never" nodeType="tmRoot"/>
+      </p:par>
+    </p:tnLst>
+  </p:timing>
+</p:sld>
+</file>
+
+<file path=ppt/slides/slide14.xml><?xml version="1.0" encoding="utf-8"?>
+<p:sld xmlns:a="http://schemas.openxmlformats.org/drawingml/2006/main" xmlns:r="http://schemas.openxmlformats.org/officeDocument/2006/relationships" xmlns:p="http://schemas.openxmlformats.org/presentationml/2006/main">
+  <p:cSld>
+    <p:spTree>
+      <p:nvGrpSpPr>
+        <p:cNvPr id="1" name=""/>
+        <p:cNvGrpSpPr/>
+        <p:nvPr/>
+      </p:nvGrpSpPr>
+      <p:grpSpPr>
+        <a:xfrm>
+          <a:off x="0" y="0"/>
+          <a:ext cx="0" cy="0"/>
+          <a:chOff x="0" y="0"/>
+          <a:chExt cx="0" cy="0"/>
+        </a:xfrm>
+      </p:grpSpPr>
+      <p:sp>
+        <p:nvSpPr>
+          <p:cNvPr id="2" name="Title 1"/>
+          <p:cNvSpPr>
+            <a:spLocks noGrp="1"/>
+          </p:cNvSpPr>
+          <p:nvPr>
+            <p:ph type="title"/>
+          </p:nvPr>
+        </p:nvSpPr>
+        <p:spPr>
+          <a:xfrm>
             <a:off x="1076098" y="2201332"/>
             <a:ext cx="8534400" cy="1507067"/>
           </a:xfrm>
@@ -6477,8 +6715,12 @@
           <a:lstStyle/>
           <a:p>
             <a:r>
+              <a:rPr lang="en-US" sz="5400" dirty="0" err="1" smtClean="0"/>
+              <a:t>RockIt</a:t>
+            </a:r>
+            <a:r>
               <a:rPr lang="en-US" sz="5400" dirty="0" smtClean="0"/>
-              <a:t>Our team</a:t>
+              <a:t> Solutions</a:t>
             </a:r>
             <a:endParaRPr lang="en-US" sz="5400" dirty="0"/>
           </a:p>
@@ -6496,8 +6738,8 @@
         </p:nvSpPr>
         <p:spPr>
           <a:xfrm>
-            <a:off x="540521" y="1593668"/>
-            <a:ext cx="9779136" cy="3827416"/>
+            <a:off x="540521" y="1357085"/>
+            <a:ext cx="9779136" cy="2299064"/>
           </a:xfrm>
         </p:spPr>
         <p:txBody>
@@ -6539,12 +6781,6 @@
               </a:rPr>
               <a:t>Based in Calgary, AB (Founded in 2018)</a:t>
             </a:r>
-            <a:endParaRPr lang="en-US" dirty="0" smtClean="0">
-              <a:solidFill>
-                <a:schemeClr val="tx1"/>
-              </a:solidFill>
-              <a:cs typeface="Calibri" panose="020F0502020204030204" pitchFamily="34" charset="0"/>
-            </a:endParaRPr>
           </a:p>
           <a:p>
             <a:r>
@@ -6567,207 +6803,6 @@
               </a:rPr>
               <a:t>Driven by customer satisfaction</a:t>
             </a:r>
-            <a:endParaRPr lang="en-US" dirty="0" smtClean="0">
-              <a:solidFill>
-                <a:schemeClr val="tx1"/>
-              </a:solidFill>
-              <a:cs typeface="Calibri" panose="020F0502020204030204" pitchFamily="34" charset="0"/>
-            </a:endParaRPr>
-          </a:p>
-          <a:p>
-            <a:pPr lvl="1"/>
-            <a:r>
-              <a:rPr lang="en-US" u="sng" dirty="0" smtClean="0">
-                <a:solidFill>
-                  <a:schemeClr val="tx1"/>
-                </a:solidFill>
-                <a:cs typeface="Calibri" panose="020F0502020204030204" pitchFamily="34" charset="0"/>
-              </a:rPr>
-              <a:t>Garrett </a:t>
-            </a:r>
-            <a:r>
-              <a:rPr lang="en-US" u="sng" dirty="0" err="1" smtClean="0">
-                <a:solidFill>
-                  <a:schemeClr val="tx1"/>
-                </a:solidFill>
-                <a:cs typeface="Calibri" panose="020F0502020204030204" pitchFamily="34" charset="0"/>
-              </a:rPr>
-              <a:t>Cepka</a:t>
-            </a:r>
-            <a:endParaRPr lang="en-US" u="sng" dirty="0" smtClean="0">
-              <a:solidFill>
-                <a:schemeClr val="tx1"/>
-              </a:solidFill>
-              <a:cs typeface="Calibri" panose="020F0502020204030204" pitchFamily="34" charset="0"/>
-            </a:endParaRPr>
-          </a:p>
-          <a:p>
-            <a:pPr lvl="2">
-              <a:buFont typeface="Arial" panose="020B0604020202020204" pitchFamily="34" charset="0"/>
-              <a:buChar char="•"/>
-            </a:pPr>
-            <a:r>
-              <a:rPr lang="en-US" sz="1800" dirty="0" smtClean="0">
-                <a:solidFill>
-                  <a:schemeClr val="tx1"/>
-                </a:solidFill>
-                <a:cs typeface="Calibri" panose="020F0502020204030204" pitchFamily="34" charset="0"/>
-              </a:rPr>
-              <a:t>Software </a:t>
-            </a:r>
-            <a:r>
-              <a:rPr lang="en-US" sz="1800" dirty="0" smtClean="0">
-                <a:solidFill>
-                  <a:schemeClr val="tx1"/>
-                </a:solidFill>
-                <a:cs typeface="Calibri" panose="020F0502020204030204" pitchFamily="34" charset="0"/>
-              </a:rPr>
-              <a:t>structure and backend </a:t>
-            </a:r>
-            <a:r>
-              <a:rPr lang="en-US" sz="1800" dirty="0" smtClean="0">
-                <a:solidFill>
-                  <a:schemeClr val="tx1"/>
-                </a:solidFill>
-                <a:cs typeface="Calibri" panose="020F0502020204030204" pitchFamily="34" charset="0"/>
-              </a:rPr>
-              <a:t>developer</a:t>
-            </a:r>
-          </a:p>
-          <a:p>
-            <a:pPr lvl="1"/>
-            <a:r>
-              <a:rPr lang="en-US" u="sng" dirty="0" smtClean="0">
-                <a:solidFill>
-                  <a:schemeClr val="tx1"/>
-                </a:solidFill>
-                <a:cs typeface="Calibri" panose="020F0502020204030204" pitchFamily="34" charset="0"/>
-              </a:rPr>
-              <a:t>James </a:t>
-            </a:r>
-            <a:r>
-              <a:rPr lang="en-US" u="sng" dirty="0" err="1" smtClean="0">
-                <a:solidFill>
-                  <a:schemeClr val="tx1"/>
-                </a:solidFill>
-                <a:cs typeface="Calibri" panose="020F0502020204030204" pitchFamily="34" charset="0"/>
-              </a:rPr>
-              <a:t>Cockriell</a:t>
-            </a:r>
-            <a:endParaRPr lang="en-US" u="sng" dirty="0" smtClean="0">
-              <a:solidFill>
-                <a:schemeClr val="tx1"/>
-              </a:solidFill>
-              <a:cs typeface="Calibri" panose="020F0502020204030204" pitchFamily="34" charset="0"/>
-            </a:endParaRPr>
-          </a:p>
-          <a:p>
-            <a:pPr lvl="2">
-              <a:buFont typeface="Arial" panose="020B0604020202020204" pitchFamily="34" charset="0"/>
-              <a:buChar char="•"/>
-            </a:pPr>
-            <a:r>
-              <a:rPr lang="en-US" sz="1800" dirty="0" smtClean="0">
-                <a:solidFill>
-                  <a:schemeClr val="tx1"/>
-                </a:solidFill>
-                <a:cs typeface="Calibri" panose="020F0502020204030204" pitchFamily="34" charset="0"/>
-              </a:rPr>
-              <a:t>Database </a:t>
-            </a:r>
-            <a:r>
-              <a:rPr lang="en-US" sz="1800" dirty="0" smtClean="0">
-                <a:solidFill>
-                  <a:schemeClr val="tx1"/>
-                </a:solidFill>
-                <a:cs typeface="Calibri" panose="020F0502020204030204" pitchFamily="34" charset="0"/>
-              </a:rPr>
-              <a:t>and backend developer</a:t>
-            </a:r>
-            <a:endParaRPr lang="en-US" u="sng" dirty="0" smtClean="0">
-              <a:solidFill>
-                <a:schemeClr val="tx1"/>
-              </a:solidFill>
-              <a:cs typeface="Calibri" panose="020F0502020204030204" pitchFamily="34" charset="0"/>
-            </a:endParaRPr>
-          </a:p>
-          <a:p>
-            <a:pPr lvl="1"/>
-            <a:r>
-              <a:rPr lang="en-US" u="sng" dirty="0" smtClean="0">
-                <a:solidFill>
-                  <a:schemeClr val="tx1"/>
-                </a:solidFill>
-                <a:cs typeface="Calibri" panose="020F0502020204030204" pitchFamily="34" charset="0"/>
-              </a:rPr>
-              <a:t>Eugenia Chiu</a:t>
-            </a:r>
-          </a:p>
-          <a:p>
-            <a:pPr lvl="2">
-              <a:buFont typeface="Arial" panose="020B0604020202020204" pitchFamily="34" charset="0"/>
-              <a:buChar char="•"/>
-            </a:pPr>
-            <a:r>
-              <a:rPr lang="en-US" sz="1800" dirty="0" smtClean="0">
-                <a:solidFill>
-                  <a:schemeClr val="tx1"/>
-                </a:solidFill>
-                <a:cs typeface="Calibri" panose="020F0502020204030204" pitchFamily="34" charset="0"/>
-              </a:rPr>
-              <a:t>Front </a:t>
-            </a:r>
-            <a:r>
-              <a:rPr lang="en-US" sz="1800" dirty="0" smtClean="0">
-                <a:solidFill>
-                  <a:schemeClr val="tx1"/>
-                </a:solidFill>
-                <a:cs typeface="Calibri" panose="020F0502020204030204" pitchFamily="34" charset="0"/>
-              </a:rPr>
-              <a:t>end developer and User Experience </a:t>
-            </a:r>
-            <a:r>
-              <a:rPr lang="en-US" sz="1800" dirty="0" smtClean="0">
-                <a:solidFill>
-                  <a:schemeClr val="tx1"/>
-                </a:solidFill>
-                <a:cs typeface="Calibri" panose="020F0502020204030204" pitchFamily="34" charset="0"/>
-              </a:rPr>
-              <a:t>specialist</a:t>
-            </a:r>
-          </a:p>
-          <a:p>
-            <a:pPr lvl="1"/>
-            <a:r>
-              <a:rPr lang="en-US" u="sng" dirty="0">
-                <a:solidFill>
-                  <a:schemeClr val="tx1"/>
-                </a:solidFill>
-                <a:cs typeface="Calibri" panose="020F0502020204030204" pitchFamily="34" charset="0"/>
-              </a:rPr>
-              <a:t>Chad Dundas-Smith</a:t>
-            </a:r>
-          </a:p>
-          <a:p>
-            <a:pPr lvl="2">
-              <a:buFont typeface="Arial" panose="020B0604020202020204" pitchFamily="34" charset="0"/>
-              <a:buChar char="•"/>
-            </a:pPr>
-            <a:r>
-              <a:rPr lang="en-US" sz="1800" dirty="0">
-                <a:solidFill>
-                  <a:schemeClr val="tx1"/>
-                </a:solidFill>
-                <a:cs typeface="Calibri" panose="020F0502020204030204" pitchFamily="34" charset="0"/>
-              </a:rPr>
-              <a:t>Keeper of code and Project Manager</a:t>
-            </a:r>
-            <a:endParaRPr lang="en-US" dirty="0">
-              <a:solidFill>
-                <a:schemeClr val="tx1"/>
-              </a:solidFill>
-              <a:cs typeface="Calibri" panose="020F0502020204030204" pitchFamily="34" charset="0"/>
-            </a:endParaRPr>
           </a:p>
           <a:p>
             <a:pPr lvl="1">
@@ -6786,7 +6821,7 @@
     </p:spTree>
     <p:extLst>
       <p:ext uri="{BB962C8B-B14F-4D97-AF65-F5344CB8AC3E}">
-        <p14:creationId xmlns:p14="http://schemas.microsoft.com/office/powerpoint/2010/main" val="2828294630"/>
+        <p14:creationId xmlns:p14="http://schemas.microsoft.com/office/powerpoint/2010/main" val="584822899"/>
       </p:ext>
     </p:extLst>
   </p:cSld>
@@ -6832,19 +6867,21 @@
         </p:nvSpPr>
         <p:spPr>
           <a:xfrm>
-            <a:off x="684212" y="685800"/>
-            <a:ext cx="9583194" cy="1507067"/>
+            <a:off x="540521" y="268029"/>
+            <a:ext cx="8534400" cy="1507067"/>
           </a:xfrm>
         </p:spPr>
         <p:txBody>
-          <a:bodyPr/>
-          <a:lstStyle/>
-          <a:p>
-            <a:r>
-              <a:rPr lang="en-US" dirty="0" smtClean="0"/>
-              <a:t>Travel experts project Requirements</a:t>
-            </a:r>
-            <a:endParaRPr lang="en-US" dirty="0"/>
+          <a:bodyPr>
+            <a:normAutofit/>
+          </a:bodyPr>
+          <a:lstStyle/>
+          <a:p>
+            <a:r>
+              <a:rPr lang="en-US" sz="5400" dirty="0" smtClean="0"/>
+              <a:t>Our team</a:t>
+            </a:r>
+            <a:endParaRPr lang="en-US" sz="5400" dirty="0"/>
           </a:p>
         </p:txBody>
       </p:sp>
@@ -6860,52 +6897,240 @@
         </p:nvSpPr>
         <p:spPr>
           <a:xfrm>
-            <a:off x="684212" y="2057400"/>
-            <a:ext cx="8534400" cy="3615267"/>
+            <a:off x="540521" y="1021562"/>
+            <a:ext cx="9779136" cy="4153990"/>
           </a:xfrm>
         </p:spPr>
         <p:txBody>
-          <a:bodyPr/>
-          <a:lstStyle/>
-          <a:p>
-            <a:r>
-              <a:rPr lang="en-US" sz="2400" dirty="0" smtClean="0">
-                <a:solidFill>
-                  <a:schemeClr val="tx1"/>
-                </a:solidFill>
-              </a:rPr>
-              <a:t>Flexible database to absorb old and new information that is easily implemented and managed. </a:t>
-            </a:r>
-          </a:p>
-          <a:p>
-            <a:r>
-              <a:rPr lang="en-US" sz="2400" dirty="0" smtClean="0">
-                <a:solidFill>
-                  <a:schemeClr val="tx1"/>
-                </a:solidFill>
-              </a:rPr>
-              <a:t>Easy to manage user interface for Travel Agents to administer data.</a:t>
-            </a:r>
-          </a:p>
-          <a:p>
-            <a:r>
-              <a:rPr lang="en-US" sz="2400" dirty="0" smtClean="0">
-                <a:solidFill>
-                  <a:schemeClr val="tx1"/>
-                </a:solidFill>
-              </a:rPr>
-              <a:t> Responsive website with quick load times for customers to browse travel packages and book through website and mobile devices.</a:t>
-            </a:r>
-          </a:p>
-          <a:p>
-            <a:endParaRPr lang="en-US" dirty="0"/>
+          <a:bodyPr>
+            <a:noAutofit/>
+          </a:bodyPr>
+          <a:lstStyle/>
+          <a:p>
+            <a:endParaRPr lang="en-US" dirty="0" smtClean="0">
+              <a:solidFill>
+                <a:schemeClr val="tx1"/>
+              </a:solidFill>
+              <a:cs typeface="Calibri" panose="020F0502020204030204" pitchFamily="34" charset="0"/>
+            </a:endParaRPr>
+          </a:p>
+          <a:p>
+            <a:endParaRPr lang="en-US" dirty="0">
+              <a:solidFill>
+                <a:schemeClr val="tx1"/>
+              </a:solidFill>
+              <a:cs typeface="Calibri" panose="020F0502020204030204" pitchFamily="34" charset="0"/>
+            </a:endParaRPr>
+          </a:p>
+          <a:p>
+            <a:endParaRPr lang="en-US" dirty="0" smtClean="0">
+              <a:solidFill>
+                <a:schemeClr val="tx1"/>
+              </a:solidFill>
+              <a:cs typeface="Calibri" panose="020F0502020204030204" pitchFamily="34" charset="0"/>
+            </a:endParaRPr>
+          </a:p>
+          <a:p>
+            <a:pPr lvl="1"/>
+            <a:r>
+              <a:rPr lang="en-US" u="sng" dirty="0" smtClean="0">
+                <a:solidFill>
+                  <a:schemeClr val="tx1"/>
+                </a:solidFill>
+                <a:cs typeface="Calibri" panose="020F0502020204030204" pitchFamily="34" charset="0"/>
+              </a:rPr>
+              <a:t>Garrett </a:t>
+            </a:r>
+            <a:r>
+              <a:rPr lang="en-US" u="sng" dirty="0" err="1" smtClean="0">
+                <a:solidFill>
+                  <a:schemeClr val="tx1"/>
+                </a:solidFill>
+                <a:cs typeface="Calibri" panose="020F0502020204030204" pitchFamily="34" charset="0"/>
+              </a:rPr>
+              <a:t>Cepka</a:t>
+            </a:r>
+            <a:endParaRPr lang="en-US" u="sng" dirty="0" smtClean="0">
+              <a:solidFill>
+                <a:schemeClr val="tx1"/>
+              </a:solidFill>
+              <a:cs typeface="Calibri" panose="020F0502020204030204" pitchFamily="34" charset="0"/>
+            </a:endParaRPr>
+          </a:p>
+          <a:p>
+            <a:pPr lvl="2">
+              <a:buFont typeface="Arial" panose="020B0604020202020204" pitchFamily="34" charset="0"/>
+              <a:buChar char="•"/>
+            </a:pPr>
+            <a:r>
+              <a:rPr lang="en-US" sz="1800" dirty="0" smtClean="0">
+                <a:solidFill>
+                  <a:schemeClr val="tx1"/>
+                </a:solidFill>
+                <a:cs typeface="Calibri" panose="020F0502020204030204" pitchFamily="34" charset="0"/>
+              </a:rPr>
+              <a:t>Software security and </a:t>
+            </a:r>
+            <a:r>
+              <a:rPr lang="en-US" sz="1800" dirty="0" smtClean="0">
+                <a:solidFill>
+                  <a:schemeClr val="tx1"/>
+                </a:solidFill>
+                <a:cs typeface="Calibri" panose="020F0502020204030204" pitchFamily="34" charset="0"/>
+              </a:rPr>
+              <a:t>backend developer</a:t>
+            </a:r>
+          </a:p>
+          <a:p>
+            <a:pPr lvl="1"/>
+            <a:r>
+              <a:rPr lang="en-US" u="sng" dirty="0" smtClean="0">
+                <a:solidFill>
+                  <a:schemeClr val="tx1"/>
+                </a:solidFill>
+                <a:cs typeface="Calibri" panose="020F0502020204030204" pitchFamily="34" charset="0"/>
+              </a:rPr>
+              <a:t>James </a:t>
+            </a:r>
+            <a:r>
+              <a:rPr lang="en-US" u="sng" dirty="0" err="1" smtClean="0">
+                <a:solidFill>
+                  <a:schemeClr val="tx1"/>
+                </a:solidFill>
+                <a:cs typeface="Calibri" panose="020F0502020204030204" pitchFamily="34" charset="0"/>
+              </a:rPr>
+              <a:t>Cockriell</a:t>
+            </a:r>
+            <a:endParaRPr lang="en-US" u="sng" dirty="0" smtClean="0">
+              <a:solidFill>
+                <a:schemeClr val="tx1"/>
+              </a:solidFill>
+              <a:cs typeface="Calibri" panose="020F0502020204030204" pitchFamily="34" charset="0"/>
+            </a:endParaRPr>
+          </a:p>
+          <a:p>
+            <a:pPr lvl="2">
+              <a:buFont typeface="Arial" panose="020B0604020202020204" pitchFamily="34" charset="0"/>
+              <a:buChar char="•"/>
+            </a:pPr>
+            <a:r>
+              <a:rPr lang="en-US" sz="1800" dirty="0" smtClean="0">
+                <a:solidFill>
+                  <a:schemeClr val="tx1"/>
+                </a:solidFill>
+                <a:cs typeface="Calibri" panose="020F0502020204030204" pitchFamily="34" charset="0"/>
+              </a:rPr>
+              <a:t>Database and backend developer</a:t>
+            </a:r>
+            <a:endParaRPr lang="en-US" u="sng" dirty="0" smtClean="0">
+              <a:solidFill>
+                <a:schemeClr val="tx1"/>
+              </a:solidFill>
+              <a:cs typeface="Calibri" panose="020F0502020204030204" pitchFamily="34" charset="0"/>
+            </a:endParaRPr>
+          </a:p>
+          <a:p>
+            <a:pPr lvl="1"/>
+            <a:r>
+              <a:rPr lang="en-US" u="sng" dirty="0" smtClean="0">
+                <a:solidFill>
+                  <a:schemeClr val="tx1"/>
+                </a:solidFill>
+                <a:cs typeface="Calibri" panose="020F0502020204030204" pitchFamily="34" charset="0"/>
+              </a:rPr>
+              <a:t>Eugenia Chiu</a:t>
+            </a:r>
+          </a:p>
+          <a:p>
+            <a:pPr lvl="2">
+              <a:buFont typeface="Arial" panose="020B0604020202020204" pitchFamily="34" charset="0"/>
+              <a:buChar char="•"/>
+            </a:pPr>
+            <a:r>
+              <a:rPr lang="en-US" sz="1800" dirty="0" smtClean="0">
+                <a:solidFill>
+                  <a:schemeClr val="tx1"/>
+                </a:solidFill>
+                <a:cs typeface="Calibri" panose="020F0502020204030204" pitchFamily="34" charset="0"/>
+              </a:rPr>
+              <a:t>Front end developer and User Experience specialist</a:t>
+            </a:r>
+          </a:p>
+          <a:p>
+            <a:pPr lvl="1"/>
+            <a:r>
+              <a:rPr lang="en-US" u="sng" dirty="0">
+                <a:solidFill>
+                  <a:schemeClr val="tx1"/>
+                </a:solidFill>
+                <a:cs typeface="Calibri" panose="020F0502020204030204" pitchFamily="34" charset="0"/>
+              </a:rPr>
+              <a:t>Chad </a:t>
+            </a:r>
+            <a:r>
+              <a:rPr lang="en-US" u="sng" dirty="0" smtClean="0">
+                <a:solidFill>
+                  <a:schemeClr val="tx1"/>
+                </a:solidFill>
+                <a:cs typeface="Calibri" panose="020F0502020204030204" pitchFamily="34" charset="0"/>
+              </a:rPr>
+              <a:t>Dundas Smith</a:t>
+            </a:r>
+            <a:endParaRPr lang="en-US" u="sng" dirty="0">
+              <a:solidFill>
+                <a:schemeClr val="tx1"/>
+              </a:solidFill>
+              <a:cs typeface="Calibri" panose="020F0502020204030204" pitchFamily="34" charset="0"/>
+            </a:endParaRPr>
+          </a:p>
+          <a:p>
+            <a:pPr lvl="2">
+              <a:buFont typeface="Arial" panose="020B0604020202020204" pitchFamily="34" charset="0"/>
+              <a:buChar char="•"/>
+            </a:pPr>
+            <a:r>
+              <a:rPr lang="en-US" sz="1800" dirty="0" smtClean="0">
+                <a:solidFill>
+                  <a:schemeClr val="tx1"/>
+                </a:solidFill>
+                <a:cs typeface="Calibri" panose="020F0502020204030204" pitchFamily="34" charset="0"/>
+              </a:rPr>
+              <a:t>Code integrity manager and </a:t>
+            </a:r>
+            <a:r>
+              <a:rPr lang="en-US" sz="1800" dirty="0">
+                <a:solidFill>
+                  <a:schemeClr val="tx1"/>
+                </a:solidFill>
+                <a:cs typeface="Calibri" panose="020F0502020204030204" pitchFamily="34" charset="0"/>
+              </a:rPr>
+              <a:t>Project Manager</a:t>
+            </a:r>
+            <a:endParaRPr lang="en-US" dirty="0">
+              <a:solidFill>
+                <a:schemeClr val="tx1"/>
+              </a:solidFill>
+              <a:cs typeface="Calibri" panose="020F0502020204030204" pitchFamily="34" charset="0"/>
+            </a:endParaRPr>
+          </a:p>
+          <a:p>
+            <a:pPr lvl="1">
+              <a:buFont typeface="Arial" panose="020B0604020202020204" pitchFamily="34" charset="0"/>
+              <a:buChar char="•"/>
+            </a:pPr>
+            <a:endParaRPr lang="en-US" sz="2000" dirty="0">
+              <a:solidFill>
+                <a:schemeClr val="tx1"/>
+              </a:solidFill>
+              <a:cs typeface="Calibri" panose="020F0502020204030204" pitchFamily="34" charset="0"/>
+            </a:endParaRPr>
           </a:p>
         </p:txBody>
       </p:sp>
     </p:spTree>
     <p:extLst>
       <p:ext uri="{BB962C8B-B14F-4D97-AF65-F5344CB8AC3E}">
-        <p14:creationId xmlns:p14="http://schemas.microsoft.com/office/powerpoint/2010/main" val="113067708"/>
+        <p14:creationId xmlns:p14="http://schemas.microsoft.com/office/powerpoint/2010/main" val="2828294630"/>
       </p:ext>
     </p:extLst>
   </p:cSld>
@@ -6961,7 +7186,7 @@
           <a:p>
             <a:r>
               <a:rPr lang="en-US" dirty="0" smtClean="0"/>
-              <a:t>Goals</a:t>
+              <a:t>Scope </a:t>
             </a:r>
             <a:endParaRPr lang="en-US" dirty="0"/>
           </a:p>
@@ -6979,8 +7204,8 @@
         </p:nvSpPr>
         <p:spPr>
           <a:xfrm>
-            <a:off x="684211" y="1698171"/>
-            <a:ext cx="10549845" cy="4663440"/>
+            <a:off x="684211" y="1449977"/>
+            <a:ext cx="10549845" cy="4820194"/>
           </a:xfrm>
         </p:spPr>
         <p:txBody>
@@ -6990,21 +7215,65 @@
           <a:lstStyle/>
           <a:p>
             <a:r>
-              <a:rPr lang="en-US" dirty="0">
-                <a:solidFill>
-                  <a:schemeClr val="tx1"/>
-                </a:solidFill>
-              </a:rPr>
-              <a:t>Make a dynamic, responsive, and </a:t>
-            </a:r>
-            <a:r>
               <a:rPr lang="en-US" dirty="0" smtClean="0">
                 <a:solidFill>
                   <a:schemeClr val="tx1"/>
                 </a:solidFill>
               </a:rPr>
-              <a:t>user-friendly website</a:t>
-            </a:r>
+              <a:t>Create secure:</a:t>
+            </a:r>
+          </a:p>
+          <a:p>
+            <a:pPr lvl="1"/>
+            <a:r>
+              <a:rPr lang="en-US" dirty="0" smtClean="0">
+                <a:solidFill>
+                  <a:schemeClr val="tx1"/>
+                </a:solidFill>
+              </a:rPr>
+              <a:t>Web application</a:t>
+            </a:r>
+          </a:p>
+          <a:p>
+            <a:pPr lvl="1"/>
+            <a:endParaRPr lang="en-US" dirty="0" smtClean="0">
+              <a:solidFill>
+                <a:schemeClr val="tx1"/>
+              </a:solidFill>
+            </a:endParaRPr>
+          </a:p>
+          <a:p>
+            <a:pPr lvl="1"/>
+            <a:r>
+              <a:rPr lang="en-US" dirty="0" smtClean="0">
+                <a:solidFill>
+                  <a:schemeClr val="tx1"/>
+                </a:solidFill>
+              </a:rPr>
+              <a:t>Internal application </a:t>
+            </a:r>
+          </a:p>
+          <a:p>
+            <a:pPr lvl="1"/>
+            <a:endParaRPr lang="en-US" dirty="0" smtClean="0">
+              <a:solidFill>
+                <a:schemeClr val="tx1"/>
+              </a:solidFill>
+            </a:endParaRPr>
+          </a:p>
+          <a:p>
+            <a:pPr lvl="1"/>
+            <a:r>
+              <a:rPr lang="en-US" dirty="0" smtClean="0">
+                <a:solidFill>
+                  <a:schemeClr val="tx1"/>
+                </a:solidFill>
+              </a:rPr>
+              <a:t>Mobile app</a:t>
+            </a:r>
+          </a:p>
+          <a:p>
+            <a:pPr lvl="1"/>
             <a:endParaRPr lang="en-US" dirty="0">
               <a:solidFill>
                 <a:schemeClr val="tx1"/>
@@ -7012,173 +7281,53 @@
             </a:endParaRPr>
           </a:p>
           <a:p>
-            <a:pPr lvl="0"/>
+            <a:pPr lvl="1"/>
+            <a:r>
+              <a:rPr lang="en-US" dirty="0" smtClean="0">
+                <a:solidFill>
+                  <a:schemeClr val="tx1"/>
+                </a:solidFill>
+              </a:rPr>
+              <a:t>Optimize software components to work with various hardware capabilities</a:t>
+            </a:r>
+          </a:p>
+          <a:p>
+            <a:pPr lvl="1"/>
+            <a:endParaRPr lang="en-US" dirty="0">
+              <a:solidFill>
+                <a:schemeClr val="tx1"/>
+              </a:solidFill>
+            </a:endParaRPr>
+          </a:p>
+          <a:p>
+            <a:pPr lvl="1"/>
+            <a:r>
+              <a:rPr lang="en-US" dirty="0" smtClean="0">
+                <a:solidFill>
+                  <a:schemeClr val="tx1"/>
+                </a:solidFill>
+              </a:rPr>
+              <a:t>Prototype database</a:t>
+            </a:r>
+            <a:endParaRPr lang="en-US" dirty="0">
+              <a:solidFill>
+                <a:schemeClr val="tx1"/>
+              </a:solidFill>
+            </a:endParaRPr>
+          </a:p>
+          <a:p>
             <a:endParaRPr lang="en-US" dirty="0" smtClean="0">
               <a:solidFill>
                 <a:schemeClr val="tx1"/>
               </a:solidFill>
             </a:endParaRPr>
           </a:p>
-          <a:p>
-            <a:pPr lvl="0"/>
-            <a:r>
-              <a:rPr lang="en-US" dirty="0" smtClean="0">
-                <a:solidFill>
-                  <a:schemeClr val="tx1"/>
-                </a:solidFill>
-              </a:rPr>
-              <a:t>Website </a:t>
-            </a:r>
-            <a:r>
-              <a:rPr lang="en-US" dirty="0">
-                <a:solidFill>
-                  <a:schemeClr val="tx1"/>
-                </a:solidFill>
-              </a:rPr>
-              <a:t>that increases sales and customer base by making it easier to view packages and book with Travel Experts. </a:t>
-            </a:r>
-            <a:endParaRPr lang="en-US" dirty="0" smtClean="0">
-              <a:solidFill>
-                <a:schemeClr val="tx1"/>
-              </a:solidFill>
-            </a:endParaRPr>
-          </a:p>
-          <a:p>
-            <a:pPr lvl="0"/>
-            <a:endParaRPr lang="en-US" dirty="0" smtClean="0">
-              <a:solidFill>
-                <a:schemeClr val="tx1"/>
-              </a:solidFill>
-            </a:endParaRPr>
-          </a:p>
-          <a:p>
-            <a:pPr lvl="0"/>
-            <a:r>
-              <a:rPr lang="en-US" dirty="0" smtClean="0">
-                <a:solidFill>
-                  <a:schemeClr val="tx1"/>
-                </a:solidFill>
-              </a:rPr>
-              <a:t>Accurately </a:t>
-            </a:r>
-            <a:r>
-              <a:rPr lang="en-US" dirty="0">
-                <a:solidFill>
-                  <a:schemeClr val="tx1"/>
-                </a:solidFill>
-              </a:rPr>
-              <a:t>represents the company’s uniqueness and </a:t>
-            </a:r>
-            <a:r>
-              <a:rPr lang="en-US" dirty="0" smtClean="0">
-                <a:solidFill>
-                  <a:schemeClr val="tx1"/>
-                </a:solidFill>
-              </a:rPr>
-              <a:t>vision </a:t>
-            </a:r>
-            <a:r>
-              <a:rPr lang="en-US" dirty="0">
-                <a:solidFill>
-                  <a:schemeClr val="tx1"/>
-                </a:solidFill>
-              </a:rPr>
-              <a:t>as travel </a:t>
-            </a:r>
-            <a:r>
-              <a:rPr lang="en-US" dirty="0" smtClean="0">
-                <a:solidFill>
-                  <a:schemeClr val="tx1"/>
-                </a:solidFill>
-              </a:rPr>
-              <a:t>agents.</a:t>
-            </a:r>
-            <a:endParaRPr lang="en-US" dirty="0">
-              <a:solidFill>
-                <a:schemeClr val="tx1"/>
-              </a:solidFill>
-            </a:endParaRPr>
-          </a:p>
-          <a:p>
-            <a:pPr lvl="0"/>
-            <a:endParaRPr lang="en-US" dirty="0" smtClean="0">
-              <a:solidFill>
-                <a:schemeClr val="tx1"/>
-              </a:solidFill>
-            </a:endParaRPr>
-          </a:p>
-          <a:p>
-            <a:pPr lvl="0"/>
-            <a:r>
-              <a:rPr lang="en-US" dirty="0" smtClean="0">
-                <a:solidFill>
-                  <a:schemeClr val="tx1"/>
-                </a:solidFill>
-              </a:rPr>
-              <a:t>System scalability to expand into different travel agency locations</a:t>
-            </a:r>
-            <a:endParaRPr lang="en-US" dirty="0">
-              <a:solidFill>
-                <a:schemeClr val="tx1"/>
-              </a:solidFill>
-            </a:endParaRPr>
-          </a:p>
-          <a:p>
-            <a:pPr lvl="0"/>
-            <a:endParaRPr lang="en-US" dirty="0" smtClean="0">
-              <a:solidFill>
-                <a:schemeClr val="tx1"/>
-              </a:solidFill>
-            </a:endParaRPr>
-          </a:p>
-          <a:p>
-            <a:pPr lvl="0"/>
-            <a:r>
-              <a:rPr lang="en-US" dirty="0" smtClean="0">
-                <a:solidFill>
-                  <a:schemeClr val="tx1"/>
-                </a:solidFill>
-              </a:rPr>
-              <a:t>Make </a:t>
-            </a:r>
-            <a:r>
-              <a:rPr lang="en-US" dirty="0">
-                <a:solidFill>
-                  <a:schemeClr val="tx1"/>
-                </a:solidFill>
-              </a:rPr>
-              <a:t>it </a:t>
-            </a:r>
-            <a:r>
-              <a:rPr lang="en-US" dirty="0" smtClean="0">
-                <a:solidFill>
-                  <a:schemeClr val="tx1"/>
-                </a:solidFill>
-              </a:rPr>
-              <a:t>straightforward </a:t>
-            </a:r>
-            <a:r>
-              <a:rPr lang="en-US" dirty="0">
-                <a:solidFill>
-                  <a:schemeClr val="tx1"/>
-                </a:solidFill>
-              </a:rPr>
-              <a:t>to view packages and book with travel experts</a:t>
-            </a:r>
-          </a:p>
-          <a:p>
-            <a:endParaRPr lang="en-US" dirty="0">
-              <a:solidFill>
-                <a:schemeClr val="tx1"/>
-              </a:solidFill>
-            </a:endParaRPr>
-          </a:p>
         </p:txBody>
       </p:sp>
     </p:spTree>
     <p:extLst>
       <p:ext uri="{BB962C8B-B14F-4D97-AF65-F5344CB8AC3E}">
-        <p14:creationId xmlns:p14="http://schemas.microsoft.com/office/powerpoint/2010/main" val="395204173"/>
+        <p14:creationId xmlns:p14="http://schemas.microsoft.com/office/powerpoint/2010/main" val="2857655907"/>
       </p:ext>
     </p:extLst>
   </p:cSld>
@@ -7225,7 +7374,7 @@
         <p:spPr>
           <a:xfrm>
             <a:off x="684212" y="685800"/>
-            <a:ext cx="8534400" cy="1507067"/>
+            <a:ext cx="9583194" cy="1507067"/>
           </a:xfrm>
         </p:spPr>
         <p:txBody>
@@ -7234,7 +7383,11 @@
           <a:p>
             <a:r>
               <a:rPr lang="en-US" dirty="0" smtClean="0"/>
-              <a:t>Objectives</a:t>
+              <a:t>****Travel </a:t>
+            </a:r>
+            <a:r>
+              <a:rPr lang="en-US" dirty="0" smtClean="0"/>
+              <a:t>experts project Requirements</a:t>
             </a:r>
             <a:endParaRPr lang="en-US" dirty="0"/>
           </a:p>
@@ -7252,8 +7405,8 @@
         </p:nvSpPr>
         <p:spPr>
           <a:xfrm>
-            <a:off x="684212" y="1907177"/>
-            <a:ext cx="11189925" cy="4274941"/>
+            <a:off x="684212" y="2057400"/>
+            <a:ext cx="8890862" cy="4434840"/>
           </a:xfrm>
         </p:spPr>
         <p:txBody>
@@ -7262,99 +7415,188 @@
           </a:bodyPr>
           <a:lstStyle/>
           <a:p>
-            <a:pPr lvl="0"/>
-            <a:r>
-              <a:rPr lang="en-US" dirty="0" smtClean="0">
-                <a:solidFill>
-                  <a:schemeClr val="tx1"/>
-                </a:solidFill>
-              </a:rPr>
-              <a:t>Customer oriented</a:t>
-            </a:r>
-            <a:endParaRPr lang="en-US" dirty="0">
+            <a:r>
+              <a:rPr lang="en-US" sz="2400" dirty="0" smtClean="0">
+                <a:solidFill>
+                  <a:schemeClr val="tx1"/>
+                </a:solidFill>
+              </a:rPr>
+              <a:t>Flexible database </a:t>
+            </a:r>
+            <a:endParaRPr lang="en-US" sz="2400" dirty="0" smtClean="0">
               <a:solidFill>
                 <a:schemeClr val="tx1"/>
               </a:solidFill>
             </a:endParaRPr>
           </a:p>
           <a:p>
-            <a:pPr lvl="0"/>
-            <a:r>
-              <a:rPr lang="en-US" dirty="0">
-                <a:solidFill>
-                  <a:schemeClr val="tx1"/>
-                </a:solidFill>
-              </a:rPr>
-              <a:t>Dynamic, responsive, </a:t>
-            </a:r>
-            <a:r>
-              <a:rPr lang="en-US" dirty="0" smtClean="0">
-                <a:solidFill>
-                  <a:schemeClr val="tx1"/>
-                </a:solidFill>
-              </a:rPr>
-              <a:t>user-friendly website</a:t>
-            </a:r>
-            <a:endParaRPr lang="en-US" dirty="0">
+            <a:pPr lvl="1"/>
+            <a:r>
+              <a:rPr lang="en-US" sz="2200" dirty="0" smtClean="0">
+                <a:solidFill>
+                  <a:schemeClr val="tx1"/>
+                </a:solidFill>
+              </a:rPr>
+              <a:t>A</a:t>
+            </a:r>
+            <a:r>
+              <a:rPr lang="en-US" sz="2200" dirty="0" smtClean="0">
+                <a:solidFill>
+                  <a:schemeClr val="tx1"/>
+                </a:solidFill>
+              </a:rPr>
+              <a:t>bsorbs </a:t>
+            </a:r>
+            <a:r>
+              <a:rPr lang="en-US" sz="2200" dirty="0" smtClean="0">
+                <a:solidFill>
+                  <a:schemeClr val="tx1"/>
+                </a:solidFill>
+              </a:rPr>
+              <a:t>old and new information </a:t>
+            </a:r>
+            <a:endParaRPr lang="en-US" sz="2200" dirty="0" smtClean="0">
               <a:solidFill>
                 <a:schemeClr val="tx1"/>
               </a:solidFill>
             </a:endParaRPr>
           </a:p>
           <a:p>
-            <a:pPr lvl="0"/>
-            <a:r>
-              <a:rPr lang="en-US" dirty="0">
-                <a:solidFill>
-                  <a:schemeClr val="tx1"/>
-                </a:solidFill>
-              </a:rPr>
-              <a:t>Secure login system </a:t>
-            </a:r>
-            <a:endParaRPr lang="en-US" dirty="0" smtClean="0">
+            <a:pPr lvl="1"/>
+            <a:r>
+              <a:rPr lang="en-US" sz="2200" dirty="0" smtClean="0">
+                <a:solidFill>
+                  <a:schemeClr val="tx1"/>
+                </a:solidFill>
+              </a:rPr>
+              <a:t>Easily implemented </a:t>
+            </a:r>
+            <a:r>
+              <a:rPr lang="en-US" sz="2200" dirty="0" smtClean="0">
+                <a:solidFill>
+                  <a:schemeClr val="tx1"/>
+                </a:solidFill>
+              </a:rPr>
+              <a:t>and managed. </a:t>
+            </a:r>
+            <a:endParaRPr lang="en-US" sz="2400" dirty="0" smtClean="0">
               <a:solidFill>
                 <a:schemeClr val="tx1"/>
               </a:solidFill>
             </a:endParaRPr>
           </a:p>
           <a:p>
-            <a:pPr lvl="0"/>
-            <a:r>
-              <a:rPr lang="en-US" dirty="0" smtClean="0">
-                <a:solidFill>
-                  <a:schemeClr val="tx1"/>
-                </a:solidFill>
-              </a:rPr>
-              <a:t>Prototype: </a:t>
-            </a:r>
-            <a:r>
-              <a:rPr lang="en-US" dirty="0" smtClean="0">
-                <a:solidFill>
-                  <a:schemeClr val="tx1"/>
-                </a:solidFill>
-              </a:rPr>
-              <a:t>Landing page, Travel Packages page and pages that are composed as a part of our demo</a:t>
-            </a:r>
-          </a:p>
-          <a:p>
-            <a:r>
-              <a:rPr lang="en-US" dirty="0">
-                <a:solidFill>
-                  <a:schemeClr val="tx1"/>
-                </a:solidFill>
-              </a:rPr>
-              <a:t>Focus on scalability (Reaching out to a new/larger client base)</a:t>
-            </a:r>
-          </a:p>
-          <a:p>
-            <a:pPr lvl="0"/>
-            <a:endParaRPr lang="en-US" dirty="0">
+            <a:r>
+              <a:rPr lang="en-US" sz="2400" dirty="0" smtClean="0">
+                <a:solidFill>
+                  <a:schemeClr val="tx1"/>
+                </a:solidFill>
+              </a:rPr>
+              <a:t> Responsive website </a:t>
+            </a:r>
+            <a:endParaRPr lang="en-US" sz="2400" dirty="0" smtClean="0">
               <a:solidFill>
                 <a:schemeClr val="tx1"/>
               </a:solidFill>
             </a:endParaRPr>
           </a:p>
           <a:p>
+            <a:pPr lvl="1"/>
+            <a:r>
+              <a:rPr lang="en-US" sz="2200" dirty="0">
+                <a:solidFill>
+                  <a:schemeClr val="tx1"/>
+                </a:solidFill>
+              </a:rPr>
+              <a:t>Q</a:t>
+            </a:r>
+            <a:r>
+              <a:rPr lang="en-US" sz="2200" dirty="0" smtClean="0">
+                <a:solidFill>
+                  <a:schemeClr val="tx1"/>
+                </a:solidFill>
+              </a:rPr>
+              <a:t>uick </a:t>
+            </a:r>
+            <a:r>
+              <a:rPr lang="en-US" sz="2200" dirty="0" smtClean="0">
+                <a:solidFill>
+                  <a:schemeClr val="tx1"/>
+                </a:solidFill>
+              </a:rPr>
+              <a:t>load times for customers </a:t>
+            </a:r>
+            <a:endParaRPr lang="en-US" sz="2200" dirty="0" smtClean="0">
+              <a:solidFill>
+                <a:schemeClr val="tx1"/>
+              </a:solidFill>
+            </a:endParaRPr>
+          </a:p>
+          <a:p>
+            <a:pPr lvl="2"/>
+            <a:r>
+              <a:rPr lang="en-US" sz="2000" dirty="0">
+                <a:solidFill>
+                  <a:schemeClr val="tx1"/>
+                </a:solidFill>
+              </a:rPr>
+              <a:t>B</a:t>
+            </a:r>
+            <a:r>
+              <a:rPr lang="en-US" sz="2000" dirty="0" smtClean="0">
+                <a:solidFill>
+                  <a:schemeClr val="tx1"/>
+                </a:solidFill>
+              </a:rPr>
+              <a:t>rowse </a:t>
+            </a:r>
+            <a:r>
+              <a:rPr lang="en-US" sz="2000" dirty="0" smtClean="0">
+                <a:solidFill>
+                  <a:schemeClr val="tx1"/>
+                </a:solidFill>
+              </a:rPr>
+              <a:t>travel packages </a:t>
+            </a:r>
+            <a:endParaRPr lang="en-US" sz="2000" dirty="0">
+              <a:solidFill>
+                <a:schemeClr val="tx1"/>
+              </a:solidFill>
+            </a:endParaRPr>
+          </a:p>
+          <a:p>
+            <a:pPr lvl="2"/>
+            <a:r>
+              <a:rPr lang="en-US" sz="2000" dirty="0" smtClean="0">
+                <a:solidFill>
+                  <a:schemeClr val="tx1"/>
+                </a:solidFill>
+              </a:rPr>
+              <a:t> </a:t>
+            </a:r>
+            <a:r>
+              <a:rPr lang="en-US" sz="2000" dirty="0">
+                <a:solidFill>
+                  <a:schemeClr val="tx1"/>
+                </a:solidFill>
+              </a:rPr>
+              <a:t>B</a:t>
+            </a:r>
+            <a:r>
+              <a:rPr lang="en-US" sz="2000" dirty="0" smtClean="0">
+                <a:solidFill>
+                  <a:schemeClr val="tx1"/>
+                </a:solidFill>
+              </a:rPr>
+              <a:t>ook at customer’s convenience</a:t>
+            </a:r>
+            <a:endParaRPr lang="en-US" sz="2000" dirty="0" smtClean="0">
+              <a:solidFill>
+                <a:schemeClr val="tx1"/>
+              </a:solidFill>
+            </a:endParaRPr>
+          </a:p>
+          <a:p>
             <a:endParaRPr lang="en-US" dirty="0"/>
           </a:p>
         </p:txBody>
@@ -7362,7 +7604,7 @@
     </p:spTree>
     <p:extLst>
       <p:ext uri="{BB962C8B-B14F-4D97-AF65-F5344CB8AC3E}">
-        <p14:creationId xmlns:p14="http://schemas.microsoft.com/office/powerpoint/2010/main" val="3522636525"/>
+        <p14:creationId xmlns:p14="http://schemas.microsoft.com/office/powerpoint/2010/main" val="113067708"/>
       </p:ext>
     </p:extLst>
   </p:cSld>
@@ -7406,14 +7648,19 @@
             <p:ph type="title"/>
           </p:nvPr>
         </p:nvSpPr>
-        <p:spPr/>
+        <p:spPr>
+          <a:xfrm>
+            <a:off x="684211" y="191104"/>
+            <a:ext cx="8534400" cy="1507067"/>
+          </a:xfrm>
+        </p:spPr>
         <p:txBody>
           <a:bodyPr/>
           <a:lstStyle/>
           <a:p>
             <a:r>
               <a:rPr lang="en-US" dirty="0" smtClean="0"/>
-              <a:t>Why Us?</a:t>
+              <a:t>Goals</a:t>
             </a:r>
             <a:endParaRPr lang="en-US" dirty="0"/>
           </a:p>
@@ -7429,19 +7676,147 @@
             <p:ph idx="1"/>
           </p:nvPr>
         </p:nvSpPr>
-        <p:spPr/>
-        <p:txBody>
-          <a:bodyPr/>
-          <a:lstStyle/>
-          <a:p>
-            <a:endParaRPr lang="en-US"/>
+        <p:spPr>
+          <a:xfrm>
+            <a:off x="684211" y="1698171"/>
+            <a:ext cx="10549845" cy="4663440"/>
+          </a:xfrm>
+        </p:spPr>
+        <p:txBody>
+          <a:bodyPr>
+            <a:normAutofit/>
+          </a:bodyPr>
+          <a:lstStyle/>
+          <a:p>
+            <a:r>
+              <a:rPr lang="en-US" dirty="0">
+                <a:solidFill>
+                  <a:schemeClr val="tx1"/>
+                </a:solidFill>
+              </a:rPr>
+              <a:t>Make a dynamic, responsive, and </a:t>
+            </a:r>
+            <a:r>
+              <a:rPr lang="en-US" dirty="0" smtClean="0">
+                <a:solidFill>
+                  <a:schemeClr val="tx1"/>
+                </a:solidFill>
+              </a:rPr>
+              <a:t>user-friendly </a:t>
+            </a:r>
+            <a:r>
+              <a:rPr lang="en-US" dirty="0" smtClean="0">
+                <a:solidFill>
+                  <a:schemeClr val="tx1"/>
+                </a:solidFill>
+              </a:rPr>
+              <a:t>website (DRU)</a:t>
+            </a:r>
+            <a:endParaRPr lang="en-US" dirty="0">
+              <a:solidFill>
+                <a:schemeClr val="tx1"/>
+              </a:solidFill>
+            </a:endParaRPr>
+          </a:p>
+          <a:p>
+            <a:endParaRPr lang="en-US" dirty="0" smtClean="0">
+              <a:solidFill>
+                <a:schemeClr val="tx1"/>
+              </a:solidFill>
+            </a:endParaRPr>
+          </a:p>
+          <a:p>
+            <a:pPr lvl="0"/>
+            <a:r>
+              <a:rPr lang="en-US" dirty="0" smtClean="0">
+                <a:solidFill>
+                  <a:schemeClr val="tx1"/>
+                </a:solidFill>
+              </a:rPr>
+              <a:t>Website </a:t>
+            </a:r>
+            <a:r>
+              <a:rPr lang="en-US" dirty="0">
+                <a:solidFill>
+                  <a:schemeClr val="tx1"/>
+                </a:solidFill>
+              </a:rPr>
+              <a:t>that increases sales and customer </a:t>
+            </a:r>
+            <a:r>
+              <a:rPr lang="en-US" dirty="0" smtClean="0">
+                <a:solidFill>
+                  <a:schemeClr val="tx1"/>
+                </a:solidFill>
+              </a:rPr>
+              <a:t>base</a:t>
+            </a:r>
+          </a:p>
+          <a:p>
+            <a:pPr marL="0" lvl="0" indent="0">
+              <a:buNone/>
+            </a:pPr>
+            <a:endParaRPr lang="en-US" dirty="0" smtClean="0">
+              <a:solidFill>
+                <a:schemeClr val="tx1"/>
+              </a:solidFill>
+            </a:endParaRPr>
+          </a:p>
+          <a:p>
+            <a:pPr lvl="0"/>
+            <a:r>
+              <a:rPr lang="en-US" dirty="0" smtClean="0">
+                <a:solidFill>
+                  <a:schemeClr val="tx1"/>
+                </a:solidFill>
+              </a:rPr>
+              <a:t>Scalability</a:t>
+            </a:r>
+            <a:endParaRPr lang="en-US" dirty="0">
+              <a:solidFill>
+                <a:schemeClr val="tx1"/>
+              </a:solidFill>
+            </a:endParaRPr>
+          </a:p>
+          <a:p>
+            <a:pPr marL="0" lvl="0" indent="0">
+              <a:buNone/>
+            </a:pPr>
+            <a:endParaRPr lang="en-US" dirty="0" smtClean="0">
+              <a:solidFill>
+                <a:schemeClr val="tx1"/>
+              </a:solidFill>
+            </a:endParaRPr>
+          </a:p>
+          <a:p>
+            <a:pPr lvl="0"/>
+            <a:r>
+              <a:rPr lang="en-US" dirty="0" smtClean="0">
+                <a:solidFill>
+                  <a:schemeClr val="tx1"/>
+                </a:solidFill>
+              </a:rPr>
+              <a:t>Intuitive navigation (GUI)</a:t>
+            </a:r>
+            <a:endParaRPr lang="en-US" dirty="0">
+              <a:solidFill>
+                <a:schemeClr val="tx1"/>
+              </a:solidFill>
+            </a:endParaRPr>
+          </a:p>
+          <a:p>
+            <a:endParaRPr lang="en-US" dirty="0">
+              <a:solidFill>
+                <a:schemeClr val="tx1"/>
+              </a:solidFill>
+            </a:endParaRPr>
           </a:p>
         </p:txBody>
       </p:sp>
     </p:spTree>
     <p:extLst>
       <p:ext uri="{BB962C8B-B14F-4D97-AF65-F5344CB8AC3E}">
-        <p14:creationId xmlns:p14="http://schemas.microsoft.com/office/powerpoint/2010/main" val="2668837153"/>
+        <p14:creationId xmlns:p14="http://schemas.microsoft.com/office/powerpoint/2010/main" val="395204173"/>
       </p:ext>
     </p:extLst>
   </p:cSld>
@@ -7499,6 +7874,47 @@
               <a:rPr lang="en-US" dirty="0" smtClean="0"/>
               <a:t>Website Demo</a:t>
             </a:r>
+            <a:endParaRPr lang="en-US" dirty="0"/>
+          </a:p>
+        </p:txBody>
+      </p:sp>
+      <p:sp>
+        <p:nvSpPr>
+          <p:cNvPr id="3" name="TextBox 2"/>
+          <p:cNvSpPr txBox="1"/>
+          <p:nvPr/>
+        </p:nvSpPr>
+        <p:spPr>
+          <a:xfrm>
+            <a:off x="1102224" y="5839097"/>
+            <a:ext cx="6382793" cy="923330"/>
+          </a:xfrm>
+          <a:prstGeom prst="rect">
+            <a:avLst/>
+          </a:prstGeom>
+          <a:noFill/>
+        </p:spPr>
+        <p:txBody>
+          <a:bodyPr wrap="square" rtlCol="0">
+            <a:spAutoFit/>
+          </a:bodyPr>
+          <a:lstStyle/>
+          <a:p>
+            <a:r>
+              <a:rPr lang="en-US" dirty="0">
+                <a:hlinkClick r:id="rId2"/>
+              </a:rPr>
+              <a:t>http://</a:t>
+            </a:r>
+            <a:r>
+              <a:rPr lang="en-US" dirty="0" smtClean="0">
+                <a:hlinkClick r:id="rId2"/>
+              </a:rPr>
+              <a:t>localhost/Stuff/group/OOD2018Team2pro/landingPage.php</a:t>
+            </a:r>
+            <a:endParaRPr lang="en-US" dirty="0" smtClean="0"/>
+          </a:p>
+          <a:p>
             <a:endParaRPr lang="en-US" dirty="0"/>
           </a:p>
         </p:txBody>
@@ -7562,7 +7978,11 @@
           <a:p>
             <a:r>
               <a:rPr lang="en-US" dirty="0" smtClean="0"/>
-              <a:t>Special Feature </a:t>
+              <a:t>******Special </a:t>
+            </a:r>
+            <a:r>
+              <a:rPr lang="en-US" dirty="0" smtClean="0"/>
+              <a:t>Feature </a:t>
             </a:r>
             <a:endParaRPr lang="en-US" dirty="0"/>
           </a:p>
@@ -7590,20 +8010,21 @@
           </a:bodyPr>
           <a:lstStyle/>
           <a:p>
-            <a:pPr marL="0" indent="0">
-              <a:buNone/>
-            </a:pPr>
-            <a:r>
-              <a:rPr lang="en-US" dirty="0" smtClean="0"/>
-              <a:t>-</a:t>
-            </a:r>
             <a:r>
               <a:rPr lang="en-US" dirty="0" smtClean="0">
                 <a:solidFill>
                   <a:schemeClr val="tx1"/>
                 </a:solidFill>
               </a:rPr>
-              <a:t>Special feature: customers can send messages VIA the website to contact Travel Agents.</a:t>
+              <a:t>Customers can </a:t>
+            </a:r>
+            <a:r>
+              <a:rPr lang="en-US" dirty="0" smtClean="0">
+                <a:solidFill>
+                  <a:schemeClr val="tx1"/>
+                </a:solidFill>
+              </a:rPr>
+              <a:t>send messages VIA the website to contact Travel Agents.</a:t>
             </a:r>
           </a:p>
           <a:p>
@@ -7617,16 +8038,21 @@
             </a:endParaRPr>
           </a:p>
           <a:p>
-            <a:pPr marL="0" indent="0">
-              <a:buNone/>
-            </a:pPr>
             <a:r>
               <a:rPr lang="en-US" dirty="0" smtClean="0">
                 <a:solidFill>
                   <a:schemeClr val="tx1"/>
                 </a:solidFill>
               </a:rPr>
-              <a:t>-Our special feature addresses slow network load times with obsolete and old hardware. This setup allows Travel Agents to be connected to the main network to receive information and messages from customers. Travel Agents can then call and get into contact with the customers versus waiting for computers to load and send emails through slow network.</a:t>
+              <a:t>addresses </a:t>
+            </a:r>
+            <a:r>
+              <a:rPr lang="en-US" dirty="0" smtClean="0">
+                <a:solidFill>
+                  <a:schemeClr val="tx1"/>
+                </a:solidFill>
+              </a:rPr>
+              <a:t>slow network load times with obsolete and old hardware. This setup allows Travel Agents to be connected to the main network to receive information and messages from customers. Travel Agents can then call and get into contact with the customers versus waiting for computers to load and send emails through slow network.</a:t>
             </a:r>
           </a:p>
           <a:p>
@@ -7734,23 +8160,63 @@
                   <a:schemeClr val="tx1"/>
                 </a:solidFill>
               </a:rPr>
-              <a:t>To Prevent malicious registrations from spam bots and such, </a:t>
-            </a:r>
+              <a:t>Prevent </a:t>
+            </a:r>
+            <a:r>
+              <a:rPr lang="en-US" dirty="0" smtClean="0">
+                <a:solidFill>
+                  <a:schemeClr val="tx1"/>
+                </a:solidFill>
+              </a:rPr>
+              <a:t>malicious </a:t>
+            </a:r>
+            <a:r>
+              <a:rPr lang="en-US" dirty="0" smtClean="0">
+                <a:solidFill>
+                  <a:schemeClr val="tx1"/>
+                </a:solidFill>
+              </a:rPr>
+              <a:t>registrations</a:t>
+            </a:r>
+          </a:p>
+          <a:p>
+            <a:r>
+              <a:rPr lang="en-US" dirty="0" smtClean="0">
+                <a:solidFill>
+                  <a:schemeClr val="tx1"/>
+                </a:solidFill>
+              </a:rPr>
+              <a:t>We Recommend:</a:t>
+            </a:r>
+          </a:p>
+          <a:p>
+            <a:pPr lvl="1"/>
             <a:r>
               <a:rPr lang="en-US" dirty="0" err="1" smtClean="0">
                 <a:solidFill>
                   <a:schemeClr val="tx1"/>
                 </a:solidFill>
               </a:rPr>
-              <a:t>RockIT</a:t>
-            </a:r>
+              <a:t>reCAPTCHA</a:t>
+            </a:r>
+            <a:r>
+              <a:rPr lang="en-US" dirty="0" smtClean="0">
+                <a:solidFill>
+                  <a:schemeClr val="tx1"/>
+                </a:solidFill>
+              </a:rPr>
+              <a:t> technology (form submission)</a:t>
+            </a:r>
+          </a:p>
+          <a:p>
+            <a:pPr lvl="1"/>
             <a:r>
               <a:rPr lang="en-US" dirty="0">
                 <a:solidFill>
                   <a:schemeClr val="tx1"/>
                 </a:solidFill>
               </a:rPr>
-              <a:t> </a:t>
+              <a:t>U</a:t>
             </a:r>
             <a:r>
               <a:rPr lang="en-US" dirty="0" smtClean="0">
@@ -7758,7 +8224,33 @@
                   <a:schemeClr val="tx1"/>
                 </a:solidFill>
               </a:rPr>
-              <a:t>Solutions recommends using CAPTCHA technology, and utilizing an email activation for user registration.</a:t>
+              <a:t>tilizing </a:t>
+            </a:r>
+            <a:r>
+              <a:rPr lang="en-US" dirty="0" smtClean="0">
+                <a:solidFill>
+                  <a:schemeClr val="tx1"/>
+                </a:solidFill>
+              </a:rPr>
+              <a:t>an email activation for user registration</a:t>
+            </a:r>
+            <a:r>
+              <a:rPr lang="en-US" dirty="0" smtClean="0">
+                <a:solidFill>
+                  <a:schemeClr val="tx1"/>
+                </a:solidFill>
+              </a:rPr>
+              <a:t>.</a:t>
+            </a:r>
+          </a:p>
+          <a:p>
+            <a:r>
+              <a:rPr lang="en-US" dirty="0" smtClean="0">
+                <a:solidFill>
+                  <a:schemeClr val="tx1"/>
+                </a:solidFill>
+              </a:rPr>
+              <a:t>Protect customer’s financial data using encryption</a:t>
             </a:r>
             <a:endParaRPr lang="en-US" dirty="0">
               <a:solidFill>

--- a/Presentation Powerpoint.pptx
+++ b/Presentation Powerpoint.pptx
@@ -123,6 +123,924 @@
     </p:ext>
   </p:extLst>
 </p:presentation>
+</file>
+
+<file path=ppt/charts/chart1.xml><?xml version="1.0" encoding="utf-8"?>
+<c:chartSpace xmlns:c="http://schemas.openxmlformats.org/drawingml/2006/chart" xmlns:a="http://schemas.openxmlformats.org/drawingml/2006/main" xmlns:r="http://schemas.openxmlformats.org/officeDocument/2006/relationships" xmlns:c16r2="http://schemas.microsoft.com/office/drawing/2015/06/chart">
+  <c:date1904 val="0"/>
+  <c:lang val="en-US"/>
+  <c:roundedCorners val="0"/>
+  <mc:AlternateContent xmlns:mc="http://schemas.openxmlformats.org/markup-compatibility/2006">
+    <mc:Choice xmlns:c14="http://schemas.microsoft.com/office/drawing/2007/8/2/chart" Requires="c14">
+      <c14:style val="102"/>
+    </mc:Choice>
+    <mc:Fallback>
+      <c:style val="2"/>
+    </mc:Fallback>
+  </mc:AlternateContent>
+  <c:chart>
+    <c:title>
+      <c:layout>
+        <c:manualLayout>
+          <c:xMode val="edge"/>
+          <c:yMode val="edge"/>
+          <c:x val="0.43740276376834714"/>
+          <c:y val="6.3550407027392175E-2"/>
+        </c:manualLayout>
+      </c:layout>
+      <c:overlay val="0"/>
+      <c:spPr>
+        <a:noFill/>
+        <a:ln>
+          <a:noFill/>
+        </a:ln>
+        <a:effectLst/>
+      </c:spPr>
+      <c:txPr>
+        <a:bodyPr rot="0" spcFirstLastPara="1" vertOverflow="ellipsis" vert="horz" wrap="square" anchor="ctr" anchorCtr="1"/>
+        <a:lstStyle/>
+        <a:p>
+          <a:pPr>
+            <a:defRPr sz="1862" b="0" i="0" u="none" strike="noStrike" kern="1200" spc="0" baseline="0">
+              <a:solidFill>
+                <a:schemeClr val="tx1"/>
+              </a:solidFill>
+              <a:latin typeface="+mn-lt"/>
+              <a:ea typeface="+mn-ea"/>
+              <a:cs typeface="+mn-cs"/>
+            </a:defRPr>
+          </a:pPr>
+          <a:endParaRPr lang="en-US"/>
+        </a:p>
+      </c:txPr>
+    </c:title>
+    <c:autoTitleDeleted val="0"/>
+    <c:plotArea>
+      <c:layout/>
+      <c:pieChart>
+        <c:varyColors val="1"/>
+        <c:ser>
+          <c:idx val="0"/>
+          <c:order val="0"/>
+          <c:tx>
+            <c:strRef>
+              <c:f>Sheet1!$B$1</c:f>
+              <c:strCache>
+                <c:ptCount val="1"/>
+                <c:pt idx="0">
+                  <c:v>$CAN</c:v>
+                </c:pt>
+              </c:strCache>
+            </c:strRef>
+          </c:tx>
+          <c:dPt>
+            <c:idx val="0"/>
+            <c:bubble3D val="0"/>
+            <c:spPr>
+              <a:solidFill>
+                <a:schemeClr val="accent1"/>
+              </a:solidFill>
+              <a:ln w="19050">
+                <a:solidFill>
+                  <a:schemeClr val="lt1"/>
+                </a:solidFill>
+              </a:ln>
+              <a:effectLst/>
+            </c:spPr>
+            <c:extLst>
+              <c:ext xmlns:c16="http://schemas.microsoft.com/office/drawing/2014/chart" uri="{C3380CC4-5D6E-409C-BE32-E72D297353CC}">
+                <c16:uniqueId val="{00000003-6A17-46C5-928D-20C3A23E6D18}"/>
+              </c:ext>
+            </c:extLst>
+          </c:dPt>
+          <c:dPt>
+            <c:idx val="1"/>
+            <c:bubble3D val="0"/>
+            <c:spPr>
+              <a:solidFill>
+                <a:schemeClr val="accent2"/>
+              </a:solidFill>
+              <a:ln w="19050">
+                <a:solidFill>
+                  <a:schemeClr val="lt1"/>
+                </a:solidFill>
+              </a:ln>
+              <a:effectLst/>
+            </c:spPr>
+            <c:extLst>
+              <c:ext xmlns:c16="http://schemas.microsoft.com/office/drawing/2014/chart" uri="{C3380CC4-5D6E-409C-BE32-E72D297353CC}">
+                <c16:uniqueId val="{00000001-6A17-46C5-928D-20C3A23E6D18}"/>
+              </c:ext>
+            </c:extLst>
+          </c:dPt>
+          <c:dPt>
+            <c:idx val="2"/>
+            <c:bubble3D val="0"/>
+            <c:spPr>
+              <a:solidFill>
+                <a:schemeClr val="accent3"/>
+              </a:solidFill>
+              <a:ln w="19050">
+                <a:solidFill>
+                  <a:schemeClr val="lt1"/>
+                </a:solidFill>
+              </a:ln>
+              <a:effectLst/>
+            </c:spPr>
+            <c:extLst>
+              <c:ext xmlns:c16="http://schemas.microsoft.com/office/drawing/2014/chart" uri="{C3380CC4-5D6E-409C-BE32-E72D297353CC}">
+                <c16:uniqueId val="{00000002-6A17-46C5-928D-20C3A23E6D18}"/>
+              </c:ext>
+            </c:extLst>
+          </c:dPt>
+          <c:dPt>
+            <c:idx val="3"/>
+            <c:bubble3D val="0"/>
+            <c:spPr>
+              <a:solidFill>
+                <a:schemeClr val="accent4"/>
+              </a:solidFill>
+              <a:ln w="19050">
+                <a:solidFill>
+                  <a:schemeClr val="lt1"/>
+                </a:solidFill>
+              </a:ln>
+              <a:effectLst/>
+            </c:spPr>
+          </c:dPt>
+          <c:dLbls>
+            <c:dLbl>
+              <c:idx val="0"/>
+              <c:layout>
+                <c:manualLayout>
+                  <c:x val="-0.13552175635094757"/>
+                  <c:y val="0.102629585739598"/>
+                </c:manualLayout>
+              </c:layout>
+              <c:showLegendKey val="0"/>
+              <c:showVal val="1"/>
+              <c:showCatName val="1"/>
+              <c:showSerName val="0"/>
+              <c:showPercent val="0"/>
+              <c:showBubbleSize val="0"/>
+              <c:separator>
+</c:separator>
+              <c:extLst>
+                <c:ext xmlns:c15="http://schemas.microsoft.com/office/drawing/2012/chart" uri="{CE6537A1-D6FC-4f65-9D91-7224C49458BB}">
+                  <c15:layout/>
+                </c:ext>
+                <c:ext xmlns:c16="http://schemas.microsoft.com/office/drawing/2014/chart" uri="{C3380CC4-5D6E-409C-BE32-E72D297353CC}">
+                  <c16:uniqueId val="{00000003-6A17-46C5-928D-20C3A23E6D18}"/>
+                </c:ext>
+              </c:extLst>
+            </c:dLbl>
+            <c:dLbl>
+              <c:idx val="1"/>
+              <c:layout>
+                <c:manualLayout>
+                  <c:x val="-4.0892289701344887E-3"/>
+                  <c:y val="-0.17644904708507431"/>
+                </c:manualLayout>
+              </c:layout>
+              <c:showLegendKey val="0"/>
+              <c:showVal val="1"/>
+              <c:showCatName val="1"/>
+              <c:showSerName val="0"/>
+              <c:showPercent val="0"/>
+              <c:showBubbleSize val="0"/>
+              <c:separator>
+</c:separator>
+              <c:extLst>
+                <c:ext xmlns:c15="http://schemas.microsoft.com/office/drawing/2012/chart" uri="{CE6537A1-D6FC-4f65-9D91-7224C49458BB}">
+                  <c15:layout/>
+                </c:ext>
+                <c:ext xmlns:c16="http://schemas.microsoft.com/office/drawing/2014/chart" uri="{C3380CC4-5D6E-409C-BE32-E72D297353CC}">
+                  <c16:uniqueId val="{00000001-6A17-46C5-928D-20C3A23E6D18}"/>
+                </c:ext>
+              </c:extLst>
+            </c:dLbl>
+            <c:dLbl>
+              <c:idx val="2"/>
+              <c:layout>
+                <c:manualLayout>
+                  <c:x val="0.14968109548726838"/>
+                  <c:y val="8.8724010635708783E-2"/>
+                </c:manualLayout>
+              </c:layout>
+              <c:showLegendKey val="0"/>
+              <c:showVal val="1"/>
+              <c:showCatName val="1"/>
+              <c:showSerName val="0"/>
+              <c:showPercent val="0"/>
+              <c:showBubbleSize val="0"/>
+              <c:separator>
+</c:separator>
+              <c:extLst>
+                <c:ext xmlns:c15="http://schemas.microsoft.com/office/drawing/2012/chart" uri="{CE6537A1-D6FC-4f65-9D91-7224C49458BB}">
+                  <c15:layout/>
+                </c:ext>
+                <c:ext xmlns:c16="http://schemas.microsoft.com/office/drawing/2014/chart" uri="{C3380CC4-5D6E-409C-BE32-E72D297353CC}">
+                  <c16:uniqueId val="{00000002-6A17-46C5-928D-20C3A23E6D18}"/>
+                </c:ext>
+              </c:extLst>
+            </c:dLbl>
+            <c:spPr>
+              <a:noFill/>
+              <a:ln>
+                <a:noFill/>
+              </a:ln>
+              <a:effectLst/>
+            </c:spPr>
+            <c:txPr>
+              <a:bodyPr rot="0" spcFirstLastPara="1" vertOverflow="ellipsis" vert="horz" wrap="square" lIns="38100" tIns="19050" rIns="38100" bIns="19050" anchor="ctr" anchorCtr="1">
+                <a:spAutoFit/>
+              </a:bodyPr>
+              <a:lstStyle/>
+              <a:p>
+                <a:pPr>
+                  <a:defRPr sz="1220" b="1" i="0" u="none" strike="noStrike" kern="1200" baseline="0">
+                    <a:solidFill>
+                      <a:schemeClr val="bg1"/>
+                    </a:solidFill>
+                    <a:latin typeface="+mn-lt"/>
+                    <a:ea typeface="+mn-ea"/>
+                    <a:cs typeface="+mn-cs"/>
+                  </a:defRPr>
+                </a:pPr>
+                <a:endParaRPr lang="en-US"/>
+              </a:p>
+            </c:txPr>
+            <c:showLegendKey val="0"/>
+            <c:showVal val="0"/>
+            <c:showCatName val="1"/>
+            <c:showSerName val="0"/>
+            <c:showPercent val="0"/>
+            <c:showBubbleSize val="0"/>
+            <c:separator>
+</c:separator>
+            <c:showLeaderLines val="1"/>
+            <c:leaderLines>
+              <c:spPr>
+                <a:ln w="9525" cap="flat" cmpd="sng" algn="ctr">
+                  <a:solidFill>
+                    <a:schemeClr val="tx1">
+                      <a:lumMod val="35000"/>
+                      <a:lumOff val="65000"/>
+                    </a:schemeClr>
+                  </a:solidFill>
+                  <a:round/>
+                </a:ln>
+                <a:effectLst/>
+              </c:spPr>
+            </c:leaderLines>
+            <c:extLst>
+              <c:ext xmlns:c15="http://schemas.microsoft.com/office/drawing/2012/chart" uri="{CE6537A1-D6FC-4f65-9D91-7224C49458BB}"/>
+            </c:extLst>
+          </c:dLbls>
+          <c:cat>
+            <c:strRef>
+              <c:f>Sheet1!$A$2:$A$5</c:f>
+              <c:strCache>
+                <c:ptCount val="3"/>
+                <c:pt idx="0">
+                  <c:v>Phase 1</c:v>
+                </c:pt>
+                <c:pt idx="1">
+                  <c:v>Phase 2</c:v>
+                </c:pt>
+                <c:pt idx="2">
+                  <c:v>Phase 3</c:v>
+                </c:pt>
+              </c:strCache>
+            </c:strRef>
+          </c:cat>
+          <c:val>
+            <c:numRef>
+              <c:f>Sheet1!$B$2:$B$5</c:f>
+              <c:numCache>
+                <c:formatCode>#,##0</c:formatCode>
+                <c:ptCount val="4"/>
+                <c:pt idx="0">
+                  <c:v>83000</c:v>
+                </c:pt>
+                <c:pt idx="1">
+                  <c:v>83000</c:v>
+                </c:pt>
+                <c:pt idx="2">
+                  <c:v>84000</c:v>
+                </c:pt>
+              </c:numCache>
+            </c:numRef>
+          </c:val>
+          <c:extLst>
+            <c:ext xmlns:c16="http://schemas.microsoft.com/office/drawing/2014/chart" uri="{C3380CC4-5D6E-409C-BE32-E72D297353CC}">
+              <c16:uniqueId val="{00000000-6A17-46C5-928D-20C3A23E6D18}"/>
+            </c:ext>
+          </c:extLst>
+        </c:ser>
+        <c:dLbls>
+          <c:showLegendKey val="0"/>
+          <c:showVal val="0"/>
+          <c:showCatName val="0"/>
+          <c:showSerName val="0"/>
+          <c:showPercent val="0"/>
+          <c:showBubbleSize val="0"/>
+          <c:showLeaderLines val="1"/>
+        </c:dLbls>
+        <c:firstSliceAng val="0"/>
+      </c:pieChart>
+      <c:spPr>
+        <a:noFill/>
+        <a:ln>
+          <a:noFill/>
+        </a:ln>
+        <a:effectLst/>
+      </c:spPr>
+    </c:plotArea>
+    <c:plotVisOnly val="1"/>
+    <c:dispBlanksAs val="gap"/>
+    <c:showDLblsOverMax val="0"/>
+  </c:chart>
+  <c:spPr>
+    <a:noFill/>
+    <a:ln>
+      <a:noFill/>
+    </a:ln>
+    <a:effectLst/>
+  </c:spPr>
+  <c:txPr>
+    <a:bodyPr/>
+    <a:lstStyle/>
+    <a:p>
+      <a:pPr>
+        <a:defRPr/>
+      </a:pPr>
+      <a:endParaRPr lang="en-US"/>
+    </a:p>
+  </c:txPr>
+  <c:externalData r:id="rId3">
+    <c:autoUpdate val="0"/>
+  </c:externalData>
+</c:chartSpace>
+</file>
+
+<file path=ppt/charts/colors1.xml><?xml version="1.0" encoding="utf-8"?>
+<cs:colorStyle xmlns:cs="http://schemas.microsoft.com/office/drawing/2012/chartStyle" xmlns:a="http://schemas.openxmlformats.org/drawingml/2006/main" meth="cycle" id="10">
+  <a:schemeClr val="accent1"/>
+  <a:schemeClr val="accent2"/>
+  <a:schemeClr val="accent3"/>
+  <a:schemeClr val="accent4"/>
+  <a:schemeClr val="accent5"/>
+  <a:schemeClr val="accent6"/>
+  <cs:variation/>
+  <cs:variation>
+    <a:lumMod val="60000"/>
+  </cs:variation>
+  <cs:variation>
+    <a:lumMod val="80000"/>
+    <a:lumOff val="20000"/>
+  </cs:variation>
+  <cs:variation>
+    <a:lumMod val="80000"/>
+  </cs:variation>
+  <cs:variation>
+    <a:lumMod val="60000"/>
+    <a:lumOff val="40000"/>
+  </cs:variation>
+  <cs:variation>
+    <a:lumMod val="50000"/>
+  </cs:variation>
+  <cs:variation>
+    <a:lumMod val="70000"/>
+    <a:lumOff val="30000"/>
+  </cs:variation>
+  <cs:variation>
+    <a:lumMod val="70000"/>
+  </cs:variation>
+  <cs:variation>
+    <a:lumMod val="50000"/>
+    <a:lumOff val="50000"/>
+  </cs:variation>
+</cs:colorStyle>
+</file>
+
+<file path=ppt/charts/style1.xml><?xml version="1.0" encoding="utf-8"?>
+<cs:chartStyle xmlns:cs="http://schemas.microsoft.com/office/drawing/2012/chartStyle" xmlns:a="http://schemas.openxmlformats.org/drawingml/2006/main" id="251">
+  <cs:axisTitle>
+    <cs:lnRef idx="0"/>
+    <cs:fillRef idx="0"/>
+    <cs:effectRef idx="0"/>
+    <cs:fontRef idx="minor">
+      <a:schemeClr val="tx1">
+        <a:lumMod val="65000"/>
+        <a:lumOff val="35000"/>
+      </a:schemeClr>
+    </cs:fontRef>
+    <cs:defRPr sz="1330" kern="1200"/>
+  </cs:axisTitle>
+  <cs:categoryAxis>
+    <cs:lnRef idx="0"/>
+    <cs:fillRef idx="0"/>
+    <cs:effectRef idx="0"/>
+    <cs:fontRef idx="minor">
+      <a:schemeClr val="tx1">
+        <a:lumMod val="65000"/>
+        <a:lumOff val="35000"/>
+      </a:schemeClr>
+    </cs:fontRef>
+    <cs:spPr>
+      <a:ln w="9525" cap="flat" cmpd="sng" algn="ctr">
+        <a:solidFill>
+          <a:schemeClr val="tx1">
+            <a:lumMod val="15000"/>
+            <a:lumOff val="85000"/>
+          </a:schemeClr>
+        </a:solidFill>
+        <a:round/>
+      </a:ln>
+    </cs:spPr>
+    <cs:defRPr sz="1197" kern="1200"/>
+  </cs:categoryAxis>
+  <cs:chartArea mods="allowNoFillOverride allowNoLineOverride">
+    <cs:lnRef idx="0"/>
+    <cs:fillRef idx="0"/>
+    <cs:effectRef idx="0"/>
+    <cs:fontRef idx="minor">
+      <a:schemeClr val="tx1"/>
+    </cs:fontRef>
+    <cs:spPr>
+      <a:solidFill>
+        <a:schemeClr val="bg1"/>
+      </a:solidFill>
+      <a:ln w="9525" cap="flat" cmpd="sng" algn="ctr">
+        <a:solidFill>
+          <a:schemeClr val="tx1">
+            <a:lumMod val="15000"/>
+            <a:lumOff val="85000"/>
+          </a:schemeClr>
+        </a:solidFill>
+        <a:round/>
+      </a:ln>
+    </cs:spPr>
+    <cs:defRPr sz="1197" kern="1200"/>
+  </cs:chartArea>
+  <cs:dataLabel>
+    <cs:lnRef idx="0"/>
+    <cs:fillRef idx="0"/>
+    <cs:effectRef idx="0"/>
+    <cs:fontRef idx="minor">
+      <a:schemeClr val="tx1">
+        <a:lumMod val="75000"/>
+        <a:lumOff val="25000"/>
+      </a:schemeClr>
+    </cs:fontRef>
+    <cs:defRPr sz="1197" kern="1200"/>
+  </cs:dataLabel>
+  <cs:dataLabelCallout>
+    <cs:lnRef idx="0"/>
+    <cs:fillRef idx="0"/>
+    <cs:effectRef idx="0"/>
+    <cs:fontRef idx="minor">
+      <a:schemeClr val="dk1">
+        <a:lumMod val="65000"/>
+        <a:lumOff val="35000"/>
+      </a:schemeClr>
+    </cs:fontRef>
+    <cs:spPr>
+      <a:solidFill>
+        <a:schemeClr val="lt1"/>
+      </a:solidFill>
+      <a:ln>
+        <a:solidFill>
+          <a:schemeClr val="dk1">
+            <a:lumMod val="25000"/>
+            <a:lumOff val="75000"/>
+          </a:schemeClr>
+        </a:solidFill>
+      </a:ln>
+    </cs:spPr>
+    <cs:defRPr sz="1197" kern="1200"/>
+    <cs:bodyPr rot="0" spcFirstLastPara="1" vertOverflow="clip" horzOverflow="clip" vert="horz" wrap="square" lIns="36576" tIns="18288" rIns="36576" bIns="18288" anchor="ctr" anchorCtr="1">
+      <a:spAutoFit/>
+    </cs:bodyPr>
+  </cs:dataLabelCallout>
+  <cs:dataPoint>
+    <cs:lnRef idx="0"/>
+    <cs:fillRef idx="1">
+      <cs:styleClr val="auto"/>
+    </cs:fillRef>
+    <cs:effectRef idx="0"/>
+    <cs:fontRef idx="minor">
+      <a:schemeClr val="tx1"/>
+    </cs:fontRef>
+    <cs:spPr>
+      <a:ln w="19050">
+        <a:solidFill>
+          <a:schemeClr val="lt1"/>
+        </a:solidFill>
+      </a:ln>
+    </cs:spPr>
+  </cs:dataPoint>
+  <cs:dataPoint3D>
+    <cs:lnRef idx="0"/>
+    <cs:fillRef idx="1">
+      <cs:styleClr val="auto"/>
+    </cs:fillRef>
+    <cs:effectRef idx="0"/>
+    <cs:fontRef idx="minor">
+      <a:schemeClr val="tx1"/>
+    </cs:fontRef>
+    <cs:spPr>
+      <a:ln w="25400">
+        <a:solidFill>
+          <a:schemeClr val="lt1"/>
+        </a:solidFill>
+      </a:ln>
+    </cs:spPr>
+  </cs:dataPoint3D>
+  <cs:dataPointLine>
+    <cs:lnRef idx="0">
+      <cs:styleClr val="auto"/>
+    </cs:lnRef>
+    <cs:fillRef idx="0"/>
+    <cs:effectRef idx="0"/>
+    <cs:fontRef idx="minor">
+      <a:schemeClr val="tx1"/>
+    </cs:fontRef>
+    <cs:spPr>
+      <a:ln w="28575" cap="rnd">
+        <a:solidFill>
+          <a:schemeClr val="phClr"/>
+        </a:solidFill>
+        <a:round/>
+      </a:ln>
+    </cs:spPr>
+  </cs:dataPointLine>
+  <cs:dataPointMarker>
+    <cs:lnRef idx="0">
+      <cs:styleClr val="auto"/>
+    </cs:lnRef>
+    <cs:fillRef idx="1">
+      <cs:styleClr val="auto"/>
+    </cs:fillRef>
+    <cs:effectRef idx="0"/>
+    <cs:fontRef idx="minor">
+      <a:schemeClr val="tx1"/>
+    </cs:fontRef>
+    <cs:spPr>
+      <a:ln w="9525">
+        <a:solidFill>
+          <a:schemeClr val="phClr"/>
+        </a:solidFill>
+      </a:ln>
+    </cs:spPr>
+  </cs:dataPointMarker>
+  <cs:dataPointMarkerLayout symbol="circle" size="5"/>
+  <cs:dataPointWireframe>
+    <cs:lnRef idx="0">
+      <cs:styleClr val="auto"/>
+    </cs:lnRef>
+    <cs:fillRef idx="0"/>
+    <cs:effectRef idx="0"/>
+    <cs:fontRef idx="minor">
+      <a:schemeClr val="tx1"/>
+    </cs:fontRef>
+    <cs:spPr>
+      <a:ln w="9525" cap="rnd">
+        <a:solidFill>
+          <a:schemeClr val="phClr"/>
+        </a:solidFill>
+        <a:round/>
+      </a:ln>
+    </cs:spPr>
+  </cs:dataPointWireframe>
+  <cs:dataTable>
+    <cs:lnRef idx="0"/>
+    <cs:fillRef idx="0"/>
+    <cs:effectRef idx="0"/>
+    <cs:fontRef idx="minor">
+      <a:schemeClr val="tx1">
+        <a:lumMod val="65000"/>
+        <a:lumOff val="35000"/>
+      </a:schemeClr>
+    </cs:fontRef>
+    <cs:spPr>
+      <a:noFill/>
+      <a:ln w="9525" cap="flat" cmpd="sng" algn="ctr">
+        <a:solidFill>
+          <a:schemeClr val="tx1">
+            <a:lumMod val="15000"/>
+            <a:lumOff val="85000"/>
+          </a:schemeClr>
+        </a:solidFill>
+        <a:round/>
+      </a:ln>
+    </cs:spPr>
+    <cs:defRPr sz="1197" kern="1200"/>
+  </cs:dataTable>
+  <cs:downBar>
+    <cs:lnRef idx="0"/>
+    <cs:fillRef idx="0"/>
+    <cs:effectRef idx="0"/>
+    <cs:fontRef idx="minor">
+      <a:schemeClr val="tx1"/>
+    </cs:fontRef>
+    <cs:spPr>
+      <a:solidFill>
+        <a:schemeClr val="dk1">
+          <a:lumMod val="75000"/>
+          <a:lumOff val="25000"/>
+        </a:schemeClr>
+      </a:solidFill>
+      <a:ln w="9525" cap="flat" cmpd="sng" algn="ctr">
+        <a:solidFill>
+          <a:schemeClr val="tx1">
+            <a:lumMod val="65000"/>
+            <a:lumOff val="35000"/>
+          </a:schemeClr>
+        </a:solidFill>
+        <a:round/>
+      </a:ln>
+    </cs:spPr>
+  </cs:downBar>
+  <cs:dropLine>
+    <cs:lnRef idx="0"/>
+    <cs:fillRef idx="0"/>
+    <cs:effectRef idx="0"/>
+    <cs:fontRef idx="minor">
+      <a:schemeClr val="tx1"/>
+    </cs:fontRef>
+    <cs:spPr>
+      <a:ln w="9525" cap="flat" cmpd="sng" algn="ctr">
+        <a:solidFill>
+          <a:schemeClr val="tx1">
+            <a:lumMod val="35000"/>
+            <a:lumOff val="65000"/>
+          </a:schemeClr>
+        </a:solidFill>
+        <a:round/>
+      </a:ln>
+    </cs:spPr>
+  </cs:dropLine>
+  <cs:errorBar>
+    <cs:lnRef idx="0"/>
+    <cs:fillRef idx="0"/>
+    <cs:effectRef idx="0"/>
+    <cs:fontRef idx="minor">
+      <a:schemeClr val="tx1"/>
+    </cs:fontRef>
+    <cs:spPr>
+      <a:ln w="9525" cap="flat" cmpd="sng" algn="ctr">
+        <a:solidFill>
+          <a:schemeClr val="tx1">
+            <a:lumMod val="65000"/>
+            <a:lumOff val="35000"/>
+          </a:schemeClr>
+        </a:solidFill>
+        <a:round/>
+      </a:ln>
+    </cs:spPr>
+  </cs:errorBar>
+  <cs:floor>
+    <cs:lnRef idx="0"/>
+    <cs:fillRef idx="0"/>
+    <cs:effectRef idx="0"/>
+    <cs:fontRef idx="minor">
+      <a:schemeClr val="tx1"/>
+    </cs:fontRef>
+    <cs:spPr>
+      <a:noFill/>
+      <a:ln>
+        <a:noFill/>
+      </a:ln>
+    </cs:spPr>
+  </cs:floor>
+  <cs:gridlineMajor>
+    <cs:lnRef idx="0"/>
+    <cs:fillRef idx="0"/>
+    <cs:effectRef idx="0"/>
+    <cs:fontRef idx="minor">
+      <a:schemeClr val="tx1"/>
+    </cs:fontRef>
+    <cs:spPr>
+      <a:ln w="9525" cap="flat" cmpd="sng" algn="ctr">
+        <a:solidFill>
+          <a:schemeClr val="tx1">
+            <a:lumMod val="15000"/>
+            <a:lumOff val="85000"/>
+          </a:schemeClr>
+        </a:solidFill>
+        <a:round/>
+      </a:ln>
+    </cs:spPr>
+  </cs:gridlineMajor>
+  <cs:gridlineMinor>
+    <cs:lnRef idx="0"/>
+    <cs:fillRef idx="0"/>
+    <cs:effectRef idx="0"/>
+    <cs:fontRef idx="minor">
+      <a:schemeClr val="tx1"/>
+    </cs:fontRef>
+    <cs:spPr>
+      <a:ln w="9525" cap="flat" cmpd="sng" algn="ctr">
+        <a:solidFill>
+          <a:schemeClr val="tx1">
+            <a:lumMod val="5000"/>
+            <a:lumOff val="95000"/>
+          </a:schemeClr>
+        </a:solidFill>
+        <a:round/>
+      </a:ln>
+    </cs:spPr>
+  </cs:gridlineMinor>
+  <cs:hiLoLine>
+    <cs:lnRef idx="0"/>
+    <cs:fillRef idx="0"/>
+    <cs:effectRef idx="0"/>
+    <cs:fontRef idx="minor">
+      <a:schemeClr val="tx1"/>
+    </cs:fontRef>
+    <cs:spPr>
+      <a:ln w="9525" cap="flat" cmpd="sng" algn="ctr">
+        <a:solidFill>
+          <a:schemeClr val="tx1">
+            <a:lumMod val="50000"/>
+            <a:lumOff val="50000"/>
+          </a:schemeClr>
+        </a:solidFill>
+        <a:round/>
+      </a:ln>
+    </cs:spPr>
+  </cs:hiLoLine>
+  <cs:leaderLine>
+    <cs:lnRef idx="0"/>
+    <cs:fillRef idx="0"/>
+    <cs:effectRef idx="0"/>
+    <cs:fontRef idx="minor">
+      <a:schemeClr val="tx1"/>
+    </cs:fontRef>
+    <cs:spPr>
+      <a:ln w="9525" cap="flat" cmpd="sng" algn="ctr">
+        <a:solidFill>
+          <a:schemeClr val="tx1">
+            <a:lumMod val="35000"/>
+            <a:lumOff val="65000"/>
+          </a:schemeClr>
+        </a:solidFill>
+        <a:round/>
+      </a:ln>
+    </cs:spPr>
+  </cs:leaderLine>
+  <cs:legend>
+    <cs:lnRef idx="0"/>
+    <cs:fillRef idx="0"/>
+    <cs:effectRef idx="0"/>
+    <cs:fontRef idx="minor">
+      <a:schemeClr val="tx1">
+        <a:lumMod val="65000"/>
+        <a:lumOff val="35000"/>
+      </a:schemeClr>
+    </cs:fontRef>
+    <cs:defRPr sz="1197" kern="1200"/>
+  </cs:legend>
+  <cs:plotArea mods="allowNoFillOverride allowNoLineOverride">
+    <cs:lnRef idx="0"/>
+    <cs:fillRef idx="0"/>
+    <cs:effectRef idx="0"/>
+    <cs:fontRef idx="minor">
+      <a:schemeClr val="tx1"/>
+    </cs:fontRef>
+  </cs:plotArea>
+  <cs:plotArea3D mods="allowNoFillOverride allowNoLineOverride">
+    <cs:lnRef idx="0"/>
+    <cs:fillRef idx="0"/>
+    <cs:effectRef idx="0"/>
+    <cs:fontRef idx="minor">
+      <a:schemeClr val="tx1"/>
+    </cs:fontRef>
+  </cs:plotArea3D>
+  <cs:seriesAxis>
+    <cs:lnRef idx="0"/>
+    <cs:fillRef idx="0"/>
+    <cs:effectRef idx="0"/>
+    <cs:fontRef idx="minor">
+      <a:schemeClr val="tx1">
+        <a:lumMod val="65000"/>
+        <a:lumOff val="35000"/>
+      </a:schemeClr>
+    </cs:fontRef>
+    <cs:defRPr sz="1197" kern="1200"/>
+  </cs:seriesAxis>
+  <cs:seriesLine>
+    <cs:lnRef idx="0"/>
+    <cs:fillRef idx="0"/>
+    <cs:effectRef idx="0"/>
+    <cs:fontRef idx="minor">
+      <a:schemeClr val="tx1"/>
+    </cs:fontRef>
+    <cs:spPr>
+      <a:ln w="9525" cap="flat" cmpd="sng" algn="ctr">
+        <a:solidFill>
+          <a:schemeClr val="tx1">
+            <a:lumMod val="35000"/>
+            <a:lumOff val="65000"/>
+          </a:schemeClr>
+        </a:solidFill>
+        <a:round/>
+      </a:ln>
+    </cs:spPr>
+  </cs:seriesLine>
+  <cs:title>
+    <cs:lnRef idx="0"/>
+    <cs:fillRef idx="0"/>
+    <cs:effectRef idx="0"/>
+    <cs:fontRef idx="minor">
+      <a:schemeClr val="tx1">
+        <a:lumMod val="65000"/>
+        <a:lumOff val="35000"/>
+      </a:schemeClr>
+    </cs:fontRef>
+    <cs:defRPr sz="1862" b="0" kern="1200" spc="0" baseline="0"/>
+  </cs:title>
+  <cs:trendline>
+    <cs:lnRef idx="0">
+      <cs:styleClr val="auto"/>
+    </cs:lnRef>
+    <cs:fillRef idx="0"/>
+    <cs:effectRef idx="0"/>
+    <cs:fontRef idx="minor">
+      <a:schemeClr val="tx1"/>
+    </cs:fontRef>
+    <cs:spPr>
+      <a:ln w="19050" cap="rnd">
+        <a:solidFill>
+          <a:schemeClr val="phClr"/>
+        </a:solidFill>
+        <a:prstDash val="sysDot"/>
+      </a:ln>
+    </cs:spPr>
+  </cs:trendline>
+  <cs:trendlineLabel>
+    <cs:lnRef idx="0"/>
+    <cs:fillRef idx="0"/>
+    <cs:effectRef idx="0"/>
+    <cs:fontRef idx="minor">
+      <a:schemeClr val="tx1">
+        <a:lumMod val="65000"/>
+        <a:lumOff val="35000"/>
+      </a:schemeClr>
+    </cs:fontRef>
+    <cs:defRPr sz="1197" kern="1200"/>
+  </cs:trendlineLabel>
+  <cs:upBar>
+    <cs:lnRef idx="0"/>
+    <cs:fillRef idx="0"/>
+    <cs:effectRef idx="0"/>
+    <cs:fontRef idx="minor">
+      <a:schemeClr val="tx1"/>
+    </cs:fontRef>
+    <cs:spPr>
+      <a:solidFill>
+        <a:schemeClr val="lt1"/>
+      </a:solidFill>
+      <a:ln w="9525" cap="flat" cmpd="sng" algn="ctr">
+        <a:solidFill>
+          <a:schemeClr val="tx1">
+            <a:lumMod val="65000"/>
+            <a:lumOff val="35000"/>
+          </a:schemeClr>
+        </a:solidFill>
+        <a:round/>
+      </a:ln>
+    </cs:spPr>
+  </cs:upBar>
+  <cs:valueAxis>
+    <cs:lnRef idx="0"/>
+    <cs:fillRef idx="0"/>
+    <cs:effectRef idx="0"/>
+    <cs:fontRef idx="minor">
+      <a:schemeClr val="tx1">
+        <a:lumMod val="65000"/>
+        <a:lumOff val="35000"/>
+      </a:schemeClr>
+    </cs:fontRef>
+    <cs:defRPr sz="1197" kern="1200"/>
+  </cs:valueAxis>
+  <cs:wall>
+    <cs:lnRef idx="0"/>
+    <cs:fillRef idx="0"/>
+    <cs:effectRef idx="0"/>
+    <cs:fontRef idx="minor">
+      <a:schemeClr val="tx1"/>
+    </cs:fontRef>
+    <cs:spPr>
+      <a:noFill/>
+      <a:ln>
+        <a:noFill/>
+      </a:ln>
+    </cs:spPr>
+  </cs:wall>
+</cs:chartStyle>
 </file>
 
 <file path=ppt/slideLayouts/slideLayout1.xml><?xml version="1.0" encoding="utf-8"?>
@@ -5492,15 +6410,7 @@
                   <a:schemeClr val="tx1"/>
                 </a:solidFill>
               </a:rPr>
-              <a:t> </a:t>
-            </a:r>
-            <a:r>
-              <a:rPr lang="en-US" sz="3200" b="1" dirty="0" smtClean="0">
-                <a:solidFill>
-                  <a:schemeClr val="tx1"/>
-                </a:solidFill>
-              </a:rPr>
-              <a:t>Software </a:t>
+              <a:t> Software </a:t>
             </a:r>
             <a:r>
               <a:rPr lang="en-US" sz="3200" b="1" dirty="0">
@@ -5518,11 +6428,6 @@
               </a:rPr>
               <a:t>olutions</a:t>
             </a:r>
-            <a:endParaRPr lang="en-US" sz="3200" b="1" dirty="0" smtClean="0">
-              <a:solidFill>
-                <a:schemeClr val="tx1"/>
-              </a:solidFill>
-            </a:endParaRPr>
           </a:p>
           <a:p>
             <a:endParaRPr lang="en-US" dirty="0"/>
@@ -5591,15 +6496,7 @@
           <a:p>
             <a:r>
               <a:rPr lang="en-US" dirty="0" smtClean="0"/>
-              <a:t>*****System </a:t>
-            </a:r>
-            <a:r>
-              <a:rPr lang="en-US" dirty="0" smtClean="0"/>
-              <a:t>setup for </a:t>
-            </a:r>
-            <a:r>
-              <a:rPr lang="en-US" dirty="0" smtClean="0"/>
-              <a:t>hardware</a:t>
+              <a:t>*****System setup for hardware</a:t>
             </a:r>
             <a:endParaRPr lang="en-US" dirty="0"/>
           </a:p>
@@ -5974,11 +6871,7 @@
             </a:r>
             <a:r>
               <a:rPr lang="en-US" smtClean="0"/>
-              <a:t> </a:t>
-            </a:r>
-            <a:r>
-              <a:rPr lang="en-US" smtClean="0"/>
-              <a:t>- </a:t>
+              <a:t> - </a:t>
             </a:r>
             <a:r>
               <a:rPr lang="en-US" dirty="0" smtClean="0"/>
@@ -6154,21 +7047,8 @@
                   <a:schemeClr val="tx1"/>
                 </a:solidFill>
               </a:rPr>
-              <a:t>Implementation of Microsoft </a:t>
-            </a:r>
-            <a:r>
-              <a:rPr lang="en-US" dirty="0" smtClean="0">
-                <a:solidFill>
-                  <a:schemeClr val="tx1"/>
-                </a:solidFill>
-              </a:rPr>
-              <a:t>technologies</a:t>
-            </a:r>
-            <a:endParaRPr lang="en-US" dirty="0" smtClean="0">
-              <a:solidFill>
-                <a:schemeClr val="tx1"/>
-              </a:solidFill>
-            </a:endParaRPr>
+              <a:t>Implementation of Microsoft technologies</a:t>
+            </a:r>
           </a:p>
           <a:p>
             <a:pPr marL="457200" lvl="1" indent="0">
@@ -6251,6 +7131,28 @@
           </a:p>
         </p:txBody>
       </p:sp>
+      <p:graphicFrame>
+        <p:nvGraphicFramePr>
+          <p:cNvPr id="6" name="Chart 5"/>
+          <p:cNvGraphicFramePr/>
+          <p:nvPr>
+            <p:extLst>
+              <p:ext uri="{D42A27DB-BD31-4B8C-83A1-F6EECF244321}">
+                <p14:modId xmlns:p14="http://schemas.microsoft.com/office/powerpoint/2010/main" val="3487770805"/>
+              </p:ext>
+            </p:extLst>
+          </p:nvPr>
+        </p:nvGraphicFramePr>
+        <p:xfrm>
+          <a:off x="5597236" y="890934"/>
+          <a:ext cx="6594764" cy="4396510"/>
+        </p:xfrm>
+        <a:graphic>
+          <a:graphicData uri="http://schemas.openxmlformats.org/drawingml/2006/chart">
+            <c:chart xmlns:c="http://schemas.openxmlformats.org/drawingml/2006/chart" xmlns:r="http://schemas.openxmlformats.org/officeDocument/2006/relationships" r:id="rId2"/>
+          </a:graphicData>
+        </a:graphic>
+      </p:graphicFrame>
     </p:spTree>
     <p:extLst>
       <p:ext uri="{BB962C8B-B14F-4D97-AF65-F5344CB8AC3E}">
@@ -6343,21 +7245,8 @@
                   <a:schemeClr val="tx1"/>
                 </a:solidFill>
               </a:rPr>
-              <a:t>Start Date:  </a:t>
-            </a:r>
-            <a:r>
-              <a:rPr lang="en-US" dirty="0" smtClean="0">
-                <a:solidFill>
-                  <a:schemeClr val="tx1"/>
-                </a:solidFill>
-              </a:rPr>
-              <a:t>12/10/2018 (December 10, 2018)</a:t>
-            </a:r>
-            <a:endParaRPr lang="en-US" dirty="0" smtClean="0">
-              <a:solidFill>
-                <a:schemeClr val="tx1"/>
-              </a:solidFill>
-            </a:endParaRPr>
+              <a:t>Start Date:  12/10/2018 (December 10, 2018)</a:t>
+            </a:r>
           </a:p>
           <a:p>
             <a:pPr lvl="0"/>
@@ -6423,6 +7312,55 @@
               <a:buNone/>
             </a:pPr>
             <a:endParaRPr lang="en-US" dirty="0"/>
+          </a:p>
+        </p:txBody>
+      </p:sp>
+      <p:sp>
+        <p:nvSpPr>
+          <p:cNvPr id="4" name="Oval 3"/>
+          <p:cNvSpPr/>
+          <p:nvPr/>
+        </p:nvSpPr>
+        <p:spPr>
+          <a:xfrm>
+            <a:off x="8506691" y="312473"/>
+            <a:ext cx="1653309" cy="1653309"/>
+          </a:xfrm>
+          <a:prstGeom prst="ellipse">
+            <a:avLst/>
+          </a:prstGeom>
+          <a:blipFill>
+            <a:blip r:embed="rId2"/>
+            <a:stretch>
+              <a:fillRect/>
+            </a:stretch>
+          </a:blipFill>
+          <a:ln>
+            <a:noFill/>
+          </a:ln>
+        </p:spPr>
+        <p:style>
+          <a:lnRef idx="2">
+            <a:schemeClr val="accent1">
+              <a:shade val="50000"/>
+            </a:schemeClr>
+          </a:lnRef>
+          <a:fillRef idx="1">
+            <a:schemeClr val="accent1"/>
+          </a:fillRef>
+          <a:effectRef idx="0">
+            <a:schemeClr val="accent1"/>
+          </a:effectRef>
+          <a:fontRef idx="minor">
+            <a:schemeClr val="lt1"/>
+          </a:fontRef>
+        </p:style>
+        <p:txBody>
+          <a:bodyPr rtlCol="0" anchor="ctr"/>
+          <a:lstStyle/>
+          <a:p>
+            <a:pPr algn="ctr"/>
+            <a:endParaRPr lang="en-US"/>
           </a:p>
         </p:txBody>
       </p:sp>
@@ -6590,6 +7528,36 @@
           </a:p>
         </p:txBody>
       </p:sp>
+      <p:pic>
+        <p:nvPicPr>
+          <p:cNvPr id="4" name="Picture 3"/>
+          <p:cNvPicPr>
+            <a:picLocks noChangeAspect="1"/>
+          </p:cNvPicPr>
+          <p:nvPr/>
+        </p:nvPicPr>
+        <p:blipFill>
+          <a:blip r:embed="rId2">
+            <a:extLst>
+              <a:ext uri="{28A0092B-C50C-407E-A947-70E740481C1C}">
+                <a14:useLocalDpi xmlns:a14="http://schemas.microsoft.com/office/drawing/2010/main" val="0"/>
+              </a:ext>
+            </a:extLst>
+          </a:blip>
+          <a:stretch>
+            <a:fillRect/>
+          </a:stretch>
+        </p:blipFill>
+        <p:spPr>
+          <a:xfrm>
+            <a:off x="8146472" y="325911"/>
+            <a:ext cx="3629891" cy="2032739"/>
+          </a:xfrm>
+          <a:prstGeom prst="rect">
+            <a:avLst/>
+          </a:prstGeom>
+        </p:spPr>
+      </p:pic>
     </p:spTree>
     <p:extLst>
       <p:ext uri="{BB962C8B-B14F-4D97-AF65-F5344CB8AC3E}">
@@ -6639,8 +7607,8 @@
         </p:nvSpPr>
         <p:spPr>
           <a:xfrm>
-            <a:off x="1076098" y="2201332"/>
-            <a:ext cx="8534400" cy="1507067"/>
+            <a:off x="4352669" y="1906536"/>
+            <a:ext cx="3560556" cy="1507067"/>
           </a:xfrm>
         </p:spPr>
         <p:txBody>
@@ -6648,10 +7616,63 @@
           <a:lstStyle/>
           <a:p>
             <a:r>
+              <a:rPr lang="en-US" sz="4800" dirty="0" smtClean="0"/>
+              <a:t>Questions</a:t>
+            </a:r>
+            <a:r>
               <a:rPr lang="en-US" dirty="0" smtClean="0"/>
-              <a:t>Questions </a:t>
-            </a:r>
-            <a:endParaRPr lang="en-US" dirty="0"/>
+              <a:t> </a:t>
+            </a:r>
+            <a:endParaRPr lang="en-US" dirty="0"/>
+          </a:p>
+        </p:txBody>
+      </p:sp>
+      <p:sp>
+        <p:nvSpPr>
+          <p:cNvPr id="3" name="Oval 2"/>
+          <p:cNvSpPr/>
+          <p:nvPr/>
+        </p:nvSpPr>
+        <p:spPr>
+          <a:xfrm>
+            <a:off x="5444837" y="3722253"/>
+            <a:ext cx="1376219" cy="1376219"/>
+          </a:xfrm>
+          <a:prstGeom prst="ellipse">
+            <a:avLst/>
+          </a:prstGeom>
+          <a:blipFill>
+            <a:blip r:embed="rId2"/>
+            <a:stretch>
+              <a:fillRect/>
+            </a:stretch>
+          </a:blipFill>
+          <a:ln>
+            <a:noFill/>
+          </a:ln>
+        </p:spPr>
+        <p:style>
+          <a:lnRef idx="2">
+            <a:schemeClr val="accent1">
+              <a:shade val="50000"/>
+            </a:schemeClr>
+          </a:lnRef>
+          <a:fillRef idx="1">
+            <a:schemeClr val="accent1"/>
+          </a:fillRef>
+          <a:effectRef idx="0">
+            <a:schemeClr val="accent1"/>
+          </a:effectRef>
+          <a:fontRef idx="minor">
+            <a:schemeClr val="lt1"/>
+          </a:fontRef>
+        </p:style>
+        <p:txBody>
+          <a:bodyPr rtlCol="0" anchor="ctr"/>
+          <a:lstStyle/>
+          <a:p>
+            <a:pPr algn="ctr"/>
+            <a:endParaRPr lang="en-US"/>
           </a:p>
         </p:txBody>
       </p:sp>
@@ -6818,6 +7839,55 @@
           </a:p>
         </p:txBody>
       </p:sp>
+      <p:sp>
+        <p:nvSpPr>
+          <p:cNvPr id="6" name="Oval 5"/>
+          <p:cNvSpPr/>
+          <p:nvPr/>
+        </p:nvSpPr>
+        <p:spPr>
+          <a:xfrm>
+            <a:off x="7973460" y="246492"/>
+            <a:ext cx="1863915" cy="1863915"/>
+          </a:xfrm>
+          <a:prstGeom prst="ellipse">
+            <a:avLst/>
+          </a:prstGeom>
+          <a:blipFill>
+            <a:blip r:embed="rId2"/>
+            <a:stretch>
+              <a:fillRect/>
+            </a:stretch>
+          </a:blipFill>
+          <a:ln>
+            <a:noFill/>
+          </a:ln>
+        </p:spPr>
+        <p:style>
+          <a:lnRef idx="2">
+            <a:schemeClr val="accent1">
+              <a:shade val="50000"/>
+            </a:schemeClr>
+          </a:lnRef>
+          <a:fillRef idx="1">
+            <a:schemeClr val="accent1"/>
+          </a:fillRef>
+          <a:effectRef idx="0">
+            <a:schemeClr val="accent1"/>
+          </a:effectRef>
+          <a:fontRef idx="minor">
+            <a:schemeClr val="lt1"/>
+          </a:fontRef>
+        </p:style>
+        <p:txBody>
+          <a:bodyPr rtlCol="0" anchor="ctr"/>
+          <a:lstStyle/>
+          <a:p>
+            <a:pPr algn="ctr"/>
+            <a:endParaRPr lang="en-US"/>
+          </a:p>
+        </p:txBody>
+      </p:sp>
     </p:spTree>
     <p:extLst>
       <p:ext uri="{BB962C8B-B14F-4D97-AF65-F5344CB8AC3E}">
@@ -6969,16 +8039,7 @@
                 </a:solidFill>
                 <a:cs typeface="Calibri" panose="020F0502020204030204" pitchFamily="34" charset="0"/>
               </a:rPr>
-              <a:t>Software security and </a:t>
-            </a:r>
-            <a:r>
-              <a:rPr lang="en-US" sz="1800" dirty="0" smtClean="0">
-                <a:solidFill>
-                  <a:schemeClr val="tx1"/>
-                </a:solidFill>
-                <a:cs typeface="Calibri" panose="020F0502020204030204" pitchFamily="34" charset="0"/>
-              </a:rPr>
-              <a:t>backend developer</a:t>
+              <a:t>Software security and backend developer</a:t>
             </a:r>
           </a:p>
           <a:p>
@@ -7324,6 +8385,55 @@
           </a:p>
         </p:txBody>
       </p:sp>
+      <p:sp>
+        <p:nvSpPr>
+          <p:cNvPr id="4" name="Oval 3"/>
+          <p:cNvSpPr/>
+          <p:nvPr/>
+        </p:nvSpPr>
+        <p:spPr>
+          <a:xfrm>
+            <a:off x="7288672" y="1191688"/>
+            <a:ext cx="1929939" cy="1929939"/>
+          </a:xfrm>
+          <a:prstGeom prst="ellipse">
+            <a:avLst/>
+          </a:prstGeom>
+          <a:blipFill>
+            <a:blip r:embed="rId2"/>
+            <a:stretch>
+              <a:fillRect/>
+            </a:stretch>
+          </a:blipFill>
+          <a:ln>
+            <a:noFill/>
+          </a:ln>
+        </p:spPr>
+        <p:style>
+          <a:lnRef idx="2">
+            <a:schemeClr val="accent1">
+              <a:shade val="50000"/>
+            </a:schemeClr>
+          </a:lnRef>
+          <a:fillRef idx="1">
+            <a:schemeClr val="accent1"/>
+          </a:fillRef>
+          <a:effectRef idx="0">
+            <a:schemeClr val="accent1"/>
+          </a:effectRef>
+          <a:fontRef idx="minor">
+            <a:schemeClr val="lt1"/>
+          </a:fontRef>
+        </p:style>
+        <p:txBody>
+          <a:bodyPr rtlCol="0" anchor="ctr"/>
+          <a:lstStyle/>
+          <a:p>
+            <a:pPr algn="ctr"/>
+            <a:endParaRPr lang="en-US"/>
+          </a:p>
+        </p:txBody>
+      </p:sp>
     </p:spTree>
     <p:extLst>
       <p:ext uri="{BB962C8B-B14F-4D97-AF65-F5344CB8AC3E}">
@@ -7383,11 +8493,7 @@
           <a:p>
             <a:r>
               <a:rPr lang="en-US" dirty="0" smtClean="0"/>
-              <a:t>****Travel </a:t>
-            </a:r>
-            <a:r>
-              <a:rPr lang="en-US" dirty="0" smtClean="0"/>
-              <a:t>experts project Requirements</a:t>
+              <a:t>****Travel experts project Requirements</a:t>
             </a:r>
             <a:endParaRPr lang="en-US" dirty="0"/>
           </a:p>
@@ -7423,6 +8529,28 @@
               </a:rPr>
               <a:t>Flexible database </a:t>
             </a:r>
+          </a:p>
+          <a:p>
+            <a:pPr lvl="1"/>
+            <a:r>
+              <a:rPr lang="en-US" sz="2200" dirty="0" smtClean="0">
+                <a:solidFill>
+                  <a:schemeClr val="tx1"/>
+                </a:solidFill>
+              </a:rPr>
+              <a:t>Absorbs old and new information </a:t>
+            </a:r>
+          </a:p>
+          <a:p>
+            <a:pPr lvl="1"/>
+            <a:r>
+              <a:rPr lang="en-US" sz="2200" dirty="0" smtClean="0">
+                <a:solidFill>
+                  <a:schemeClr val="tx1"/>
+                </a:solidFill>
+              </a:rPr>
+              <a:t>Easily implemented and managed. </a:t>
+            </a:r>
             <a:endParaRPr lang="en-US" sz="2400" dirty="0" smtClean="0">
               <a:solidFill>
                 <a:schemeClr val="tx1"/>
@@ -7430,62 +8558,6 @@
             </a:endParaRPr>
           </a:p>
           <a:p>
-            <a:pPr lvl="1"/>
-            <a:r>
-              <a:rPr lang="en-US" sz="2200" dirty="0" smtClean="0">
-                <a:solidFill>
-                  <a:schemeClr val="tx1"/>
-                </a:solidFill>
-              </a:rPr>
-              <a:t>A</a:t>
-            </a:r>
-            <a:r>
-              <a:rPr lang="en-US" sz="2200" dirty="0" smtClean="0">
-                <a:solidFill>
-                  <a:schemeClr val="tx1"/>
-                </a:solidFill>
-              </a:rPr>
-              <a:t>bsorbs </a:t>
-            </a:r>
-            <a:r>
-              <a:rPr lang="en-US" sz="2200" dirty="0" smtClean="0">
-                <a:solidFill>
-                  <a:schemeClr val="tx1"/>
-                </a:solidFill>
-              </a:rPr>
-              <a:t>old and new information </a:t>
-            </a:r>
-            <a:endParaRPr lang="en-US" sz="2200" dirty="0" smtClean="0">
-              <a:solidFill>
-                <a:schemeClr val="tx1"/>
-              </a:solidFill>
-            </a:endParaRPr>
-          </a:p>
-          <a:p>
-            <a:pPr lvl="1"/>
-            <a:r>
-              <a:rPr lang="en-US" sz="2200" dirty="0" smtClean="0">
-                <a:solidFill>
-                  <a:schemeClr val="tx1"/>
-                </a:solidFill>
-              </a:rPr>
-              <a:t>Easily implemented </a:t>
-            </a:r>
-            <a:r>
-              <a:rPr lang="en-US" sz="2200" dirty="0" smtClean="0">
-                <a:solidFill>
-                  <a:schemeClr val="tx1"/>
-                </a:solidFill>
-              </a:rPr>
-              <a:t>and managed. </a:t>
-            </a:r>
-            <a:endParaRPr lang="en-US" sz="2400" dirty="0" smtClean="0">
-              <a:solidFill>
-                <a:schemeClr val="tx1"/>
-              </a:solidFill>
-            </a:endParaRPr>
-          </a:p>
-          <a:p>
             <a:r>
               <a:rPr lang="en-US" sz="2400" dirty="0" smtClean="0">
                 <a:solidFill>
@@ -7494,11 +8566,6 @@
               </a:rPr>
               <a:t> Responsive website </a:t>
             </a:r>
-            <a:endParaRPr lang="en-US" sz="2400" dirty="0" smtClean="0">
-              <a:solidFill>
-                <a:schemeClr val="tx1"/>
-              </a:solidFill>
-            </a:endParaRPr>
           </a:p>
           <a:p>
             <a:pPr lvl="1"/>
@@ -7516,21 +8583,8 @@
                   <a:schemeClr val="tx1"/>
                 </a:solidFill>
               </a:rPr>
-              <a:t>uick </a:t>
-            </a:r>
-            <a:r>
-              <a:rPr lang="en-US" sz="2200" dirty="0" smtClean="0">
-                <a:solidFill>
-                  <a:schemeClr val="tx1"/>
-                </a:solidFill>
-              </a:rPr>
-              <a:t>load times for customers </a:t>
-            </a:r>
-            <a:endParaRPr lang="en-US" sz="2200" dirty="0" smtClean="0">
-              <a:solidFill>
-                <a:schemeClr val="tx1"/>
-              </a:solidFill>
-            </a:endParaRPr>
+              <a:t>uick load times for customers </a:t>
+            </a:r>
           </a:p>
           <a:p>
             <a:pPr lvl="2"/>
@@ -7548,15 +8602,7 @@
                   <a:schemeClr val="tx1"/>
                 </a:solidFill>
               </a:rPr>
-              <a:t>rowse </a:t>
-            </a:r>
-            <a:r>
-              <a:rPr lang="en-US" sz="2000" dirty="0" smtClean="0">
-                <a:solidFill>
-                  <a:schemeClr val="tx1"/>
-                </a:solidFill>
-              </a:rPr>
-              <a:t>travel packages </a:t>
+              <a:t>rowse travel packages </a:t>
             </a:r>
             <a:endParaRPr lang="en-US" sz="2000" dirty="0">
               <a:solidFill>
@@ -7590,11 +8636,6 @@
               </a:rPr>
               <a:t>ook at customer’s convenience</a:t>
             </a:r>
-            <a:endParaRPr lang="en-US" sz="2000" dirty="0" smtClean="0">
-              <a:solidFill>
-                <a:schemeClr val="tx1"/>
-              </a:solidFill>
-            </a:endParaRPr>
           </a:p>
           <a:p>
             <a:endParaRPr lang="en-US" dirty="0"/>
@@ -7702,15 +8743,7 @@
                   <a:schemeClr val="tx1"/>
                 </a:solidFill>
               </a:rPr>
-              <a:t>user-friendly </a:t>
-            </a:r>
-            <a:r>
-              <a:rPr lang="en-US" dirty="0" smtClean="0">
-                <a:solidFill>
-                  <a:schemeClr val="tx1"/>
-                </a:solidFill>
-              </a:rPr>
-              <a:t>website (DRU)</a:t>
+              <a:t>user-friendly website (DRU)</a:t>
             </a:r>
             <a:endParaRPr lang="en-US" dirty="0">
               <a:solidFill>
@@ -7813,6 +8846,47 @@
           </a:p>
         </p:txBody>
       </p:sp>
+      <p:pic>
+        <p:nvPicPr>
+          <p:cNvPr id="3074" name="Picture 2" descr="Smart goals"/>
+          <p:cNvPicPr>
+            <a:picLocks noChangeAspect="1" noChangeArrowheads="1"/>
+          </p:cNvPicPr>
+          <p:nvPr/>
+        </p:nvPicPr>
+        <p:blipFill>
+          <a:blip r:embed="rId2">
+            <a:extLst>
+              <a:ext uri="{28A0092B-C50C-407E-A947-70E740481C1C}">
+                <a14:useLocalDpi xmlns:a14="http://schemas.microsoft.com/office/drawing/2010/main" val="0"/>
+              </a:ext>
+            </a:extLst>
+          </a:blip>
+          <a:srcRect/>
+          <a:stretch>
+            <a:fillRect/>
+          </a:stretch>
+        </p:blipFill>
+        <p:spPr bwMode="auto">
+          <a:xfrm>
+            <a:off x="7703126" y="3775266"/>
+            <a:ext cx="4118408" cy="2745605"/>
+          </a:xfrm>
+          <a:prstGeom prst="rect">
+            <a:avLst/>
+          </a:prstGeom>
+          <a:noFill/>
+          <a:extLst>
+            <a:ext uri="{909E8E84-426E-40DD-AFC4-6F175D3DCCD1}">
+              <a14:hiddenFill xmlns:a14="http://schemas.microsoft.com/office/drawing/2010/main">
+                <a:solidFill>
+                  <a:srgbClr val="FFFFFF"/>
+                </a:solidFill>
+              </a14:hiddenFill>
+            </a:ext>
+          </a:extLst>
+        </p:spPr>
+      </p:pic>
     </p:spTree>
     <p:extLst>
       <p:ext uri="{BB962C8B-B14F-4D97-AF65-F5344CB8AC3E}">
@@ -7978,11 +9052,7 @@
           <a:p>
             <a:r>
               <a:rPr lang="en-US" dirty="0" smtClean="0"/>
-              <a:t>******Special </a:t>
-            </a:r>
-            <a:r>
-              <a:rPr lang="en-US" dirty="0" smtClean="0"/>
-              <a:t>Feature </a:t>
+              <a:t>******Special Feature </a:t>
             </a:r>
             <a:endParaRPr lang="en-US" dirty="0"/>
           </a:p>
@@ -8016,15 +9086,7 @@
                   <a:schemeClr val="tx1"/>
                 </a:solidFill>
               </a:rPr>
-              <a:t>Customers can </a:t>
-            </a:r>
-            <a:r>
-              <a:rPr lang="en-US" dirty="0" smtClean="0">
-                <a:solidFill>
-                  <a:schemeClr val="tx1"/>
-                </a:solidFill>
-              </a:rPr>
-              <a:t>send messages VIA the website to contact Travel Agents.</a:t>
+              <a:t>Customers can send messages VIA the website to contact Travel Agents.</a:t>
             </a:r>
           </a:p>
           <a:p>
@@ -8044,15 +9106,7 @@
                   <a:schemeClr val="tx1"/>
                 </a:solidFill>
               </a:rPr>
-              <a:t>addresses </a:t>
-            </a:r>
-            <a:r>
-              <a:rPr lang="en-US" dirty="0" smtClean="0">
-                <a:solidFill>
-                  <a:schemeClr val="tx1"/>
-                </a:solidFill>
-              </a:rPr>
-              <a:t>slow network load times with obsolete and old hardware. This setup allows Travel Agents to be connected to the main network to receive information and messages from customers. Travel Agents can then call and get into contact with the customers versus waiting for computers to load and send emails through slow network.</a:t>
+              <a:t>addresses slow network load times with obsolete and old hardware. This setup allows Travel Agents to be connected to the main network to receive information and messages from customers. Travel Agents can then call and get into contact with the customers versus waiting for computers to load and send emails through slow network.</a:t>
             </a:r>
           </a:p>
           <a:p>
@@ -8160,23 +9214,7 @@
                   <a:schemeClr val="tx1"/>
                 </a:solidFill>
               </a:rPr>
-              <a:t>Prevent </a:t>
-            </a:r>
-            <a:r>
-              <a:rPr lang="en-US" dirty="0" smtClean="0">
-                <a:solidFill>
-                  <a:schemeClr val="tx1"/>
-                </a:solidFill>
-              </a:rPr>
-              <a:t>malicious </a:t>
-            </a:r>
-            <a:r>
-              <a:rPr lang="en-US" dirty="0" smtClean="0">
-                <a:solidFill>
-                  <a:schemeClr val="tx1"/>
-                </a:solidFill>
-              </a:rPr>
-              <a:t>registrations</a:t>
+              <a:t>Prevent malicious registrations</a:t>
             </a:r>
           </a:p>
           <a:p>
@@ -8224,23 +9262,7 @@
                   <a:schemeClr val="tx1"/>
                 </a:solidFill>
               </a:rPr>
-              <a:t>tilizing </a:t>
-            </a:r>
-            <a:r>
-              <a:rPr lang="en-US" dirty="0" smtClean="0">
-                <a:solidFill>
-                  <a:schemeClr val="tx1"/>
-                </a:solidFill>
-              </a:rPr>
-              <a:t>an email activation for user registration</a:t>
-            </a:r>
-            <a:r>
-              <a:rPr lang="en-US" dirty="0" smtClean="0">
-                <a:solidFill>
-                  <a:schemeClr val="tx1"/>
-                </a:solidFill>
-              </a:rPr>
-              <a:t>.</a:t>
+              <a:t>tilizing an email activation for user registration.</a:t>
             </a:r>
           </a:p>
           <a:p>
@@ -8260,6 +9282,55 @@
           </a:p>
           <a:p>
             <a:endParaRPr lang="en-US" dirty="0" smtClean="0"/>
+          </a:p>
+        </p:txBody>
+      </p:sp>
+      <p:sp>
+        <p:nvSpPr>
+          <p:cNvPr id="5" name="Oval 4"/>
+          <p:cNvSpPr/>
+          <p:nvPr/>
+        </p:nvSpPr>
+        <p:spPr>
+          <a:xfrm>
+            <a:off x="9217891" y="646852"/>
+            <a:ext cx="1607127" cy="1607127"/>
+          </a:xfrm>
+          <a:prstGeom prst="ellipse">
+            <a:avLst/>
+          </a:prstGeom>
+          <a:blipFill>
+            <a:blip r:embed="rId2"/>
+            <a:stretch>
+              <a:fillRect/>
+            </a:stretch>
+          </a:blipFill>
+          <a:ln>
+            <a:noFill/>
+          </a:ln>
+        </p:spPr>
+        <p:style>
+          <a:lnRef idx="2">
+            <a:schemeClr val="accent1">
+              <a:shade val="50000"/>
+            </a:schemeClr>
+          </a:lnRef>
+          <a:fillRef idx="1">
+            <a:schemeClr val="accent1"/>
+          </a:fillRef>
+          <a:effectRef idx="0">
+            <a:schemeClr val="accent1"/>
+          </a:effectRef>
+          <a:fontRef idx="minor">
+            <a:schemeClr val="lt1"/>
+          </a:fontRef>
+        </p:style>
+        <p:txBody>
+          <a:bodyPr rtlCol="0" anchor="ctr"/>
+          <a:lstStyle/>
+          <a:p>
+            <a:pPr algn="ctr"/>
+            <a:endParaRPr lang="en-US"/>
           </a:p>
         </p:txBody>
       </p:sp>

--- a/Presentation Powerpoint.pptx
+++ b/Presentation Powerpoint.pptx
@@ -6870,12 +6870,12 @@
               <a:t>Breakdow</a:t>
             </a:r>
             <a:r>
-              <a:rPr lang="en-US" smtClean="0"/>
-              <a:t> - </a:t>
-            </a:r>
-            <a:r>
               <a:rPr lang="en-US" dirty="0" smtClean="0"/>
-              <a:t>$250,000</a:t>
+              <a:t> - $</a:t>
+            </a:r>
+            <a:r>
+              <a:rPr lang="en-US" dirty="0" smtClean="0"/>
+              <a:t>250,000 CAN</a:t>
             </a:r>
             <a:endParaRPr lang="en-US" dirty="0"/>
           </a:p>
@@ -6931,8 +6931,21 @@
                   <a:schemeClr val="tx1"/>
                 </a:solidFill>
               </a:rPr>
-              <a:t> phase $83,000</a:t>
-            </a:r>
+              <a:t> phase $</a:t>
+            </a:r>
+            <a:r>
+              <a:rPr lang="en-US" dirty="0" smtClean="0">
+                <a:solidFill>
+                  <a:schemeClr val="tx1"/>
+                </a:solidFill>
+              </a:rPr>
+              <a:t>83,000 CAN</a:t>
+            </a:r>
+            <a:endParaRPr lang="en-US" dirty="0" smtClean="0">
+              <a:solidFill>
+                <a:schemeClr val="tx1"/>
+              </a:solidFill>
+            </a:endParaRPr>
           </a:p>
           <a:p>
             <a:pPr lvl="1">
@@ -7033,8 +7046,21 @@
                   <a:schemeClr val="tx1"/>
                 </a:solidFill>
               </a:rPr>
-              <a:t>phase $83,000</a:t>
-            </a:r>
+              <a:t>phase $</a:t>
+            </a:r>
+            <a:r>
+              <a:rPr lang="en-US" dirty="0" smtClean="0">
+                <a:solidFill>
+                  <a:schemeClr val="tx1"/>
+                </a:solidFill>
+              </a:rPr>
+              <a:t>83,000 CAN</a:t>
+            </a:r>
+            <a:endParaRPr lang="en-US" dirty="0" smtClean="0">
+              <a:solidFill>
+                <a:schemeClr val="tx1"/>
+              </a:solidFill>
+            </a:endParaRPr>
           </a:p>
           <a:p>
             <a:pPr lvl="1">
@@ -7093,6 +7119,19 @@
               </a:rPr>
               <a:t>phase $84,000 </a:t>
             </a:r>
+            <a:r>
+              <a:rPr lang="en-US" dirty="0" smtClean="0">
+                <a:solidFill>
+                  <a:schemeClr val="tx1"/>
+                </a:solidFill>
+              </a:rPr>
+              <a:t>CAN</a:t>
+            </a:r>
+            <a:endParaRPr lang="en-US" dirty="0" smtClean="0">
+              <a:solidFill>
+                <a:schemeClr val="tx1"/>
+              </a:solidFill>
+            </a:endParaRPr>
           </a:p>
           <a:p>
             <a:pPr lvl="1">

--- a/Presentation Powerpoint.pptx
+++ b/Presentation Powerpoint.pptx
@@ -267,6 +267,11 @@
               </a:ln>
               <a:effectLst/>
             </c:spPr>
+            <c:extLst>
+              <c:ext xmlns:c16="http://schemas.microsoft.com/office/drawing/2014/chart" uri="{C3380CC4-5D6E-409C-BE32-E72D297353CC}">
+                <c16:uniqueId val="{00000007-18EA-4F96-99FC-A7CA6E92CB6F}"/>
+              </c:ext>
+            </c:extLst>
           </c:dPt>
           <c:dLbls>
             <c:dLbl>
@@ -1235,7 +1240,7 @@
             <a:fld id="{B61BEF0D-F0BB-DE4B-95CE-6DB70DBA9567}" type="datetimeFigureOut">
               <a:rPr lang="en-US" smtClean="0"/>
               <a:pPr/>
-              <a:t>11/29/2018</a:t>
+              <a:t>11/30/2018</a:t>
             </a:fld>
             <a:endParaRPr lang="en-US" dirty="0"/>
           </a:p>
@@ -1673,7 +1678,7 @@
             <a:fld id="{B61BEF0D-F0BB-DE4B-95CE-6DB70DBA9567}" type="datetimeFigureOut">
               <a:rPr lang="en-US" smtClean="0"/>
               <a:pPr/>
-              <a:t>11/29/2018</a:t>
+              <a:t>11/30/2018</a:t>
             </a:fld>
             <a:endParaRPr lang="en-US" dirty="0"/>
           </a:p>
@@ -1925,7 +1930,7 @@
             <a:fld id="{B61BEF0D-F0BB-DE4B-95CE-6DB70DBA9567}" type="datetimeFigureOut">
               <a:rPr lang="en-US" smtClean="0"/>
               <a:pPr/>
-              <a:t>11/29/2018</a:t>
+              <a:t>11/30/2018</a:t>
             </a:fld>
             <a:endParaRPr lang="en-US" dirty="0"/>
           </a:p>
@@ -2235,7 +2240,7 @@
             <a:fld id="{B61BEF0D-F0BB-DE4B-95CE-6DB70DBA9567}" type="datetimeFigureOut">
               <a:rPr lang="en-US" smtClean="0"/>
               <a:pPr/>
-              <a:t>11/29/2018</a:t>
+              <a:t>11/30/2018</a:t>
             </a:fld>
             <a:endParaRPr lang="en-US" dirty="0"/>
           </a:p>
@@ -2555,7 +2560,7 @@
             <a:fld id="{B61BEF0D-F0BB-DE4B-95CE-6DB70DBA9567}" type="datetimeFigureOut">
               <a:rPr lang="en-US" smtClean="0"/>
               <a:pPr/>
-              <a:t>11/29/2018</a:t>
+              <a:t>11/30/2018</a:t>
             </a:fld>
             <a:endParaRPr lang="en-US" dirty="0"/>
           </a:p>
@@ -2859,7 +2864,7 @@
             <a:fld id="{B61BEF0D-F0BB-DE4B-95CE-6DB70DBA9567}" type="datetimeFigureOut">
               <a:rPr lang="en-US" smtClean="0"/>
               <a:pPr/>
-              <a:t>11/29/2018</a:t>
+              <a:t>11/30/2018</a:t>
             </a:fld>
             <a:endParaRPr lang="en-US" dirty="0"/>
           </a:p>
@@ -3228,7 +3233,7 @@
             <a:fld id="{B61BEF0D-F0BB-DE4B-95CE-6DB70DBA9567}" type="datetimeFigureOut">
               <a:rPr lang="en-US" smtClean="0"/>
               <a:pPr/>
-              <a:t>11/29/2018</a:t>
+              <a:t>11/30/2018</a:t>
             </a:fld>
             <a:endParaRPr lang="en-US" dirty="0"/>
           </a:p>
@@ -3404,7 +3409,7 @@
             <a:fld id="{B61BEF0D-F0BB-DE4B-95CE-6DB70DBA9567}" type="datetimeFigureOut">
               <a:rPr lang="en-US" smtClean="0"/>
               <a:pPr/>
-              <a:t>11/29/2018</a:t>
+              <a:t>11/30/2018</a:t>
             </a:fld>
             <a:endParaRPr lang="en-US" dirty="0"/>
           </a:p>
@@ -3586,7 +3591,7 @@
             <a:fld id="{B61BEF0D-F0BB-DE4B-95CE-6DB70DBA9567}" type="datetimeFigureOut">
               <a:rPr lang="en-US" smtClean="0"/>
               <a:pPr/>
-              <a:t>11/29/2018</a:t>
+              <a:t>11/30/2018</a:t>
             </a:fld>
             <a:endParaRPr lang="en-US" dirty="0"/>
           </a:p>
@@ -3758,7 +3763,7 @@
             <a:fld id="{B61BEF0D-F0BB-DE4B-95CE-6DB70DBA9567}" type="datetimeFigureOut">
               <a:rPr lang="en-US" smtClean="0"/>
               <a:pPr/>
-              <a:t>11/29/2018</a:t>
+              <a:t>11/30/2018</a:t>
             </a:fld>
             <a:endParaRPr lang="en-US" dirty="0"/>
           </a:p>
@@ -4010,7 +4015,7 @@
             <a:fld id="{B61BEF0D-F0BB-DE4B-95CE-6DB70DBA9567}" type="datetimeFigureOut">
               <a:rPr lang="en-US" smtClean="0"/>
               <a:pPr/>
-              <a:t>11/29/2018</a:t>
+              <a:t>11/30/2018</a:t>
             </a:fld>
             <a:endParaRPr lang="en-US" dirty="0"/>
           </a:p>
@@ -4248,7 +4253,7 @@
             <a:fld id="{B61BEF0D-F0BB-DE4B-95CE-6DB70DBA9567}" type="datetimeFigureOut">
               <a:rPr lang="en-US" smtClean="0"/>
               <a:pPr/>
-              <a:t>11/29/2018</a:t>
+              <a:t>11/30/2018</a:t>
             </a:fld>
             <a:endParaRPr lang="en-US" dirty="0"/>
           </a:p>
@@ -4632,7 +4637,7 @@
             <a:fld id="{B61BEF0D-F0BB-DE4B-95CE-6DB70DBA9567}" type="datetimeFigureOut">
               <a:rPr lang="en-US" smtClean="0"/>
               <a:pPr/>
-              <a:t>11/29/2018</a:t>
+              <a:t>11/30/2018</a:t>
             </a:fld>
             <a:endParaRPr lang="en-US" dirty="0"/>
           </a:p>
@@ -4752,7 +4757,7 @@
             <a:fld id="{B61BEF0D-F0BB-DE4B-95CE-6DB70DBA9567}" type="datetimeFigureOut">
               <a:rPr lang="en-US" smtClean="0"/>
               <a:pPr/>
-              <a:t>11/29/2018</a:t>
+              <a:t>11/30/2018</a:t>
             </a:fld>
             <a:endParaRPr lang="en-US" dirty="0"/>
           </a:p>
@@ -4849,7 +4854,7 @@
             <a:fld id="{B61BEF0D-F0BB-DE4B-95CE-6DB70DBA9567}" type="datetimeFigureOut">
               <a:rPr lang="en-US" smtClean="0"/>
               <a:pPr/>
-              <a:t>11/29/2018</a:t>
+              <a:t>11/30/2018</a:t>
             </a:fld>
             <a:endParaRPr lang="en-US" dirty="0"/>
           </a:p>
@@ -5106,7 +5111,7 @@
             <a:fld id="{B61BEF0D-F0BB-DE4B-95CE-6DB70DBA9567}" type="datetimeFigureOut">
               <a:rPr lang="en-US" smtClean="0"/>
               <a:pPr/>
-              <a:t>11/29/2018</a:t>
+              <a:t>11/30/2018</a:t>
             </a:fld>
             <a:endParaRPr lang="en-US" dirty="0"/>
           </a:p>
@@ -5391,7 +5396,7 @@
             <a:fld id="{B61BEF0D-F0BB-DE4B-95CE-6DB70DBA9567}" type="datetimeFigureOut">
               <a:rPr lang="en-US" smtClean="0"/>
               <a:pPr/>
-              <a:t>11/29/2018</a:t>
+              <a:t>11/30/2018</a:t>
             </a:fld>
             <a:endParaRPr lang="en-US" dirty="0"/>
           </a:p>
@@ -5799,7 +5804,7 @@
             <a:fld id="{B61BEF0D-F0BB-DE4B-95CE-6DB70DBA9567}" type="datetimeFigureOut">
               <a:rPr lang="en-US" smtClean="0"/>
               <a:pPr/>
-              <a:t>11/29/2018</a:t>
+              <a:t>11/30/2018</a:t>
             </a:fld>
             <a:endParaRPr lang="en-US" dirty="0"/>
           </a:p>
@@ -6871,11 +6876,7 @@
             </a:r>
             <a:r>
               <a:rPr lang="en-US" dirty="0" smtClean="0"/>
-              <a:t> - $</a:t>
-            </a:r>
-            <a:r>
-              <a:rPr lang="en-US" dirty="0" smtClean="0"/>
-              <a:t>250,000 CAN</a:t>
+              <a:t> - $250,000 CAN</a:t>
             </a:r>
             <a:endParaRPr lang="en-US" dirty="0"/>
           </a:p>
@@ -6931,21 +6932,8 @@
                   <a:schemeClr val="tx1"/>
                 </a:solidFill>
               </a:rPr>
-              <a:t> phase $</a:t>
-            </a:r>
-            <a:r>
-              <a:rPr lang="en-US" dirty="0" smtClean="0">
-                <a:solidFill>
-                  <a:schemeClr val="tx1"/>
-                </a:solidFill>
-              </a:rPr>
-              <a:t>83,000 CAN</a:t>
-            </a:r>
-            <a:endParaRPr lang="en-US" dirty="0" smtClean="0">
-              <a:solidFill>
-                <a:schemeClr val="tx1"/>
-              </a:solidFill>
-            </a:endParaRPr>
+              <a:t> phase $83,000 CAN</a:t>
+            </a:r>
           </a:p>
           <a:p>
             <a:pPr lvl="1">
@@ -7046,21 +7034,8 @@
                   <a:schemeClr val="tx1"/>
                 </a:solidFill>
               </a:rPr>
-              <a:t>phase $</a:t>
-            </a:r>
-            <a:r>
-              <a:rPr lang="en-US" dirty="0" smtClean="0">
-                <a:solidFill>
-                  <a:schemeClr val="tx1"/>
-                </a:solidFill>
-              </a:rPr>
-              <a:t>83,000 CAN</a:t>
-            </a:r>
-            <a:endParaRPr lang="en-US" dirty="0" smtClean="0">
-              <a:solidFill>
-                <a:schemeClr val="tx1"/>
-              </a:solidFill>
-            </a:endParaRPr>
+              <a:t>phase $83,000 CAN</a:t>
+            </a:r>
           </a:p>
           <a:p>
             <a:pPr lvl="1">
@@ -7117,21 +7092,8 @@
                   <a:schemeClr val="tx1"/>
                 </a:solidFill>
               </a:rPr>
-              <a:t>phase $84,000 </a:t>
-            </a:r>
-            <a:r>
-              <a:rPr lang="en-US" dirty="0" smtClean="0">
-                <a:solidFill>
-                  <a:schemeClr val="tx1"/>
-                </a:solidFill>
-              </a:rPr>
-              <a:t>CAN</a:t>
-            </a:r>
-            <a:endParaRPr lang="en-US" dirty="0" smtClean="0">
-              <a:solidFill>
-                <a:schemeClr val="tx1"/>
-              </a:solidFill>
-            </a:endParaRPr>
+              <a:t>phase $84,000 CAN</a:t>
+            </a:r>
           </a:p>
           <a:p>
             <a:pPr lvl="1">
@@ -7536,7 +7498,15 @@
                   <a:schemeClr val="tx1"/>
                 </a:solidFill>
               </a:rPr>
-              <a:t>Were not happy until you are</a:t>
+              <a:t>We’re </a:t>
+            </a:r>
+            <a:r>
+              <a:rPr lang="en-US" dirty="0" smtClean="0">
+                <a:solidFill>
+                  <a:schemeClr val="tx1"/>
+                </a:solidFill>
+              </a:rPr>
+              <a:t>not happy until you are</a:t>
             </a:r>
           </a:p>
           <a:p>

--- a/Presentation Powerpoint.pptx
+++ b/Presentation Powerpoint.pptx
@@ -9,16 +9,13 @@
     <p:sldId id="269" r:id="rId3"/>
     <p:sldId id="257" r:id="rId4"/>
     <p:sldId id="271" r:id="rId5"/>
-    <p:sldId id="258" r:id="rId6"/>
-    <p:sldId id="265" r:id="rId7"/>
-    <p:sldId id="259" r:id="rId8"/>
-    <p:sldId id="260" r:id="rId9"/>
-    <p:sldId id="262" r:id="rId10"/>
-    <p:sldId id="261" r:id="rId11"/>
-    <p:sldId id="263" r:id="rId12"/>
-    <p:sldId id="264" r:id="rId13"/>
-    <p:sldId id="270" r:id="rId14"/>
-    <p:sldId id="267" r:id="rId15"/>
+    <p:sldId id="265" r:id="rId6"/>
+    <p:sldId id="259" r:id="rId7"/>
+    <p:sldId id="262" r:id="rId8"/>
+    <p:sldId id="263" r:id="rId9"/>
+    <p:sldId id="264" r:id="rId10"/>
+    <p:sldId id="270" r:id="rId11"/>
+    <p:sldId id="267" r:id="rId12"/>
   </p:sldIdLst>
   <p:sldSz cx="12192000" cy="6858000"/>
   <p:notesSz cx="6858000" cy="9144000"/>
@@ -6491,374 +6488,7 @@
         </p:nvSpPr>
         <p:spPr>
           <a:xfrm>
-            <a:off x="517337" y="435184"/>
-            <a:ext cx="6930867" cy="1507067"/>
-          </a:xfrm>
-        </p:spPr>
-        <p:txBody>
-          <a:bodyPr/>
-          <a:lstStyle/>
-          <a:p>
-            <a:r>
-              <a:rPr lang="en-US" dirty="0" smtClean="0"/>
-              <a:t>*****System setup for hardware</a:t>
-            </a:r>
-            <a:endParaRPr lang="en-US" dirty="0"/>
-          </a:p>
-        </p:txBody>
-      </p:sp>
-      <p:sp>
-        <p:nvSpPr>
-          <p:cNvPr id="7" name="Rounded Rectangle 6"/>
-          <p:cNvSpPr/>
-          <p:nvPr/>
-        </p:nvSpPr>
-        <p:spPr>
-          <a:xfrm>
-            <a:off x="7722617" y="2192861"/>
-            <a:ext cx="2403566" cy="2011681"/>
-          </a:xfrm>
-          <a:prstGeom prst="roundRect">
-            <a:avLst/>
-          </a:prstGeom>
-        </p:spPr>
-        <p:style>
-          <a:lnRef idx="2">
-            <a:schemeClr val="accent1">
-              <a:shade val="50000"/>
-            </a:schemeClr>
-          </a:lnRef>
-          <a:fillRef idx="1">
-            <a:schemeClr val="accent1"/>
-          </a:fillRef>
-          <a:effectRef idx="0">
-            <a:schemeClr val="accent1"/>
-          </a:effectRef>
-          <a:fontRef idx="minor">
-            <a:schemeClr val="lt1"/>
-          </a:fontRef>
-        </p:style>
-        <p:txBody>
-          <a:bodyPr rtlCol="0" anchor="ctr"/>
-          <a:lstStyle/>
-          <a:p>
-            <a:pPr algn="ctr"/>
-            <a:r>
-              <a:rPr lang="en-US" dirty="0" smtClean="0"/>
-              <a:t>Internal Application</a:t>
-            </a:r>
-          </a:p>
-          <a:p>
-            <a:pPr algn="ctr"/>
-            <a:r>
-              <a:rPr lang="en-US" dirty="0" smtClean="0"/>
-              <a:t>(Webpage UI)</a:t>
-            </a:r>
-            <a:endParaRPr lang="en-US" dirty="0"/>
-          </a:p>
-        </p:txBody>
-      </p:sp>
-      <p:sp>
-        <p:nvSpPr>
-          <p:cNvPr id="8" name="Rounded Rectangle 7"/>
-          <p:cNvSpPr/>
-          <p:nvPr/>
-        </p:nvSpPr>
-        <p:spPr>
-          <a:xfrm>
-            <a:off x="4164461" y="2192861"/>
-            <a:ext cx="2573383" cy="2011681"/>
-          </a:xfrm>
-          <a:prstGeom prst="roundRect">
-            <a:avLst/>
-          </a:prstGeom>
-        </p:spPr>
-        <p:style>
-          <a:lnRef idx="2">
-            <a:schemeClr val="accent1">
-              <a:shade val="50000"/>
-            </a:schemeClr>
-          </a:lnRef>
-          <a:fillRef idx="1">
-            <a:schemeClr val="accent1"/>
-          </a:fillRef>
-          <a:effectRef idx="0">
-            <a:schemeClr val="accent1"/>
-          </a:effectRef>
-          <a:fontRef idx="minor">
-            <a:schemeClr val="lt1"/>
-          </a:fontRef>
-        </p:style>
-        <p:txBody>
-          <a:bodyPr rtlCol="0" anchor="ctr"/>
-          <a:lstStyle/>
-          <a:p>
-            <a:pPr algn="ctr"/>
-            <a:r>
-              <a:rPr lang="en-US" dirty="0" smtClean="0"/>
-              <a:t>Database</a:t>
-            </a:r>
-            <a:endParaRPr lang="en-US" dirty="0"/>
-          </a:p>
-        </p:txBody>
-      </p:sp>
-      <p:sp>
-        <p:nvSpPr>
-          <p:cNvPr id="9" name="Rounded Rectangle 8"/>
-          <p:cNvSpPr/>
-          <p:nvPr/>
-        </p:nvSpPr>
-        <p:spPr>
-          <a:xfrm>
-            <a:off x="606305" y="2192862"/>
-            <a:ext cx="2573383" cy="2011681"/>
-          </a:xfrm>
-          <a:prstGeom prst="roundRect">
-            <a:avLst/>
-          </a:prstGeom>
-        </p:spPr>
-        <p:style>
-          <a:lnRef idx="2">
-            <a:schemeClr val="accent1">
-              <a:shade val="50000"/>
-            </a:schemeClr>
-          </a:lnRef>
-          <a:fillRef idx="1">
-            <a:schemeClr val="accent1"/>
-          </a:fillRef>
-          <a:effectRef idx="0">
-            <a:schemeClr val="accent1"/>
-          </a:effectRef>
-          <a:fontRef idx="minor">
-            <a:schemeClr val="lt1"/>
-          </a:fontRef>
-        </p:style>
-        <p:txBody>
-          <a:bodyPr rtlCol="0" anchor="ctr"/>
-          <a:lstStyle/>
-          <a:p>
-            <a:pPr algn="ctr"/>
-            <a:r>
-              <a:rPr lang="en-US" dirty="0" smtClean="0"/>
-              <a:t>Front end UI</a:t>
-            </a:r>
-          </a:p>
-          <a:p>
-            <a:pPr algn="ctr"/>
-            <a:r>
-              <a:rPr lang="en-US" dirty="0" smtClean="0"/>
-              <a:t>(Website)</a:t>
-            </a:r>
-            <a:endParaRPr lang="en-US" dirty="0"/>
-          </a:p>
-        </p:txBody>
-      </p:sp>
-      <p:sp>
-        <p:nvSpPr>
-          <p:cNvPr id="24" name="TextBox 23"/>
-          <p:cNvSpPr txBox="1"/>
-          <p:nvPr/>
-        </p:nvSpPr>
-        <p:spPr>
-          <a:xfrm>
-            <a:off x="4017918" y="4463437"/>
-            <a:ext cx="2842759" cy="369332"/>
-          </a:xfrm>
-          <a:prstGeom prst="rect">
-            <a:avLst/>
-          </a:prstGeom>
-          <a:noFill/>
-        </p:spPr>
-        <p:txBody>
-          <a:bodyPr wrap="square" rtlCol="0">
-            <a:spAutoFit/>
-          </a:bodyPr>
-          <a:lstStyle/>
-          <a:p>
-            <a:r>
-              <a:rPr lang="en-US" dirty="0" smtClean="0"/>
-              <a:t>Encapsulation of Data</a:t>
-            </a:r>
-            <a:endParaRPr lang="en-US" dirty="0"/>
-          </a:p>
-        </p:txBody>
-      </p:sp>
-      <p:sp>
-        <p:nvSpPr>
-          <p:cNvPr id="25" name="TextBox 24"/>
-          <p:cNvSpPr txBox="1"/>
-          <p:nvPr/>
-        </p:nvSpPr>
-        <p:spPr>
-          <a:xfrm>
-            <a:off x="7633651" y="4455154"/>
-            <a:ext cx="2751319" cy="369332"/>
-          </a:xfrm>
-          <a:prstGeom prst="rect">
-            <a:avLst/>
-          </a:prstGeom>
-          <a:noFill/>
-        </p:spPr>
-        <p:txBody>
-          <a:bodyPr wrap="square" rtlCol="0">
-            <a:spAutoFit/>
-          </a:bodyPr>
-          <a:lstStyle/>
-          <a:p>
-            <a:r>
-              <a:rPr lang="en-US" dirty="0" smtClean="0"/>
-              <a:t>Login Authentication</a:t>
-            </a:r>
-            <a:endParaRPr lang="en-US" dirty="0"/>
-          </a:p>
-        </p:txBody>
-      </p:sp>
-      <p:sp>
-        <p:nvSpPr>
-          <p:cNvPr id="28" name="TextBox 27"/>
-          <p:cNvSpPr txBox="1"/>
-          <p:nvPr/>
-        </p:nvSpPr>
-        <p:spPr>
-          <a:xfrm>
-            <a:off x="606305" y="4455154"/>
-            <a:ext cx="2834640" cy="369332"/>
-          </a:xfrm>
-          <a:prstGeom prst="rect">
-            <a:avLst/>
-          </a:prstGeom>
-          <a:noFill/>
-        </p:spPr>
-        <p:txBody>
-          <a:bodyPr wrap="square" rtlCol="0">
-            <a:spAutoFit/>
-          </a:bodyPr>
-          <a:lstStyle/>
-          <a:p>
-            <a:r>
-              <a:rPr lang="en-US" dirty="0" smtClean="0"/>
-              <a:t>Easy to use UI format</a:t>
-            </a:r>
-            <a:endParaRPr lang="en-US" dirty="0"/>
-          </a:p>
-        </p:txBody>
-      </p:sp>
-      <p:cxnSp>
-        <p:nvCxnSpPr>
-          <p:cNvPr id="10" name="Straight Connector 9"/>
-          <p:cNvCxnSpPr>
-            <a:stCxn id="9" idx="3"/>
-            <a:endCxn id="8" idx="1"/>
-          </p:cNvCxnSpPr>
-          <p:nvPr/>
-        </p:nvCxnSpPr>
-        <p:spPr>
-          <a:xfrm flipV="1">
-            <a:off x="3179688" y="3198702"/>
-            <a:ext cx="984773" cy="1"/>
-          </a:xfrm>
-          <a:prstGeom prst="line">
-            <a:avLst/>
-          </a:prstGeom>
-        </p:spPr>
-        <p:style>
-          <a:lnRef idx="3">
-            <a:schemeClr val="dk1"/>
-          </a:lnRef>
-          <a:fillRef idx="0">
-            <a:schemeClr val="dk1"/>
-          </a:fillRef>
-          <a:effectRef idx="2">
-            <a:schemeClr val="dk1"/>
-          </a:effectRef>
-          <a:fontRef idx="minor">
-            <a:schemeClr val="tx1"/>
-          </a:fontRef>
-        </p:style>
-      </p:cxnSp>
-      <p:cxnSp>
-        <p:nvCxnSpPr>
-          <p:cNvPr id="13" name="Straight Connector 12"/>
-          <p:cNvCxnSpPr>
-            <a:stCxn id="8" idx="3"/>
-            <a:endCxn id="7" idx="1"/>
-          </p:cNvCxnSpPr>
-          <p:nvPr/>
-        </p:nvCxnSpPr>
-        <p:spPr>
-          <a:xfrm>
-            <a:off x="6737844" y="3198702"/>
-            <a:ext cx="984773" cy="0"/>
-          </a:xfrm>
-          <a:prstGeom prst="line">
-            <a:avLst/>
-          </a:prstGeom>
-        </p:spPr>
-        <p:style>
-          <a:lnRef idx="3">
-            <a:schemeClr val="dk1"/>
-          </a:lnRef>
-          <a:fillRef idx="0">
-            <a:schemeClr val="dk1"/>
-          </a:fillRef>
-          <a:effectRef idx="2">
-            <a:schemeClr val="dk1"/>
-          </a:effectRef>
-          <a:fontRef idx="minor">
-            <a:schemeClr val="tx1"/>
-          </a:fontRef>
-        </p:style>
-      </p:cxnSp>
-    </p:spTree>
-    <p:extLst>
-      <p:ext uri="{BB962C8B-B14F-4D97-AF65-F5344CB8AC3E}">
-        <p14:creationId xmlns:p14="http://schemas.microsoft.com/office/powerpoint/2010/main" val="582655099"/>
-      </p:ext>
-    </p:extLst>
-  </p:cSld>
-  <p:clrMapOvr>
-    <a:masterClrMapping/>
-  </p:clrMapOvr>
-  <p:timing>
-    <p:tnLst>
-      <p:par>
-        <p:cTn id="1" dur="indefinite" restart="never" nodeType="tmRoot"/>
-      </p:par>
-    </p:tnLst>
-  </p:timing>
-</p:sld>
-</file>
-
-<file path=ppt/slides/slide11.xml><?xml version="1.0" encoding="utf-8"?>
-<p:sld xmlns:a="http://schemas.openxmlformats.org/drawingml/2006/main" xmlns:r="http://schemas.openxmlformats.org/officeDocument/2006/relationships" xmlns:p="http://schemas.openxmlformats.org/presentationml/2006/main">
-  <p:cSld>
-    <p:spTree>
-      <p:nvGrpSpPr>
-        <p:cNvPr id="1" name=""/>
-        <p:cNvGrpSpPr/>
-        <p:nvPr/>
-      </p:nvGrpSpPr>
-      <p:grpSpPr>
-        <a:xfrm>
-          <a:off x="0" y="0"/>
-          <a:ext cx="0" cy="0"/>
-          <a:chOff x="0" y="0"/>
-          <a:chExt cx="0" cy="0"/>
-        </a:xfrm>
-      </p:grpSpPr>
-      <p:sp>
-        <p:nvSpPr>
-          <p:cNvPr id="2" name="Title 1"/>
-          <p:cNvSpPr>
-            <a:spLocks noGrp="1"/>
-          </p:cNvSpPr>
-          <p:nvPr>
-            <p:ph type="title"/>
-          </p:nvPr>
-        </p:nvSpPr>
-        <p:spPr>
-          <a:xfrm>
-            <a:off x="684212" y="137401"/>
+            <a:off x="684212" y="685800"/>
             <a:ext cx="8534400" cy="1507067"/>
           </a:xfrm>
         </p:spPr>
@@ -6868,15 +6498,19 @@
           <a:p>
             <a:r>
               <a:rPr lang="en-US" dirty="0" smtClean="0"/>
-              <a:t>Budget </a:t>
+              <a:t>Why us</a:t>
+            </a:r>
+            <a:r>
+              <a:rPr lang="en-US" dirty="0" smtClean="0"/>
+              <a:t>? – </a:t>
             </a:r>
             <a:r>
               <a:rPr lang="en-US" dirty="0" err="1" smtClean="0"/>
-              <a:t>Breakdow</a:t>
+              <a:t>Rockit</a:t>
             </a:r>
             <a:r>
               <a:rPr lang="en-US" dirty="0" smtClean="0"/>
-              <a:t> - $250,000 CAN</a:t>
+              <a:t> Solutions!</a:t>
             </a:r>
             <a:endParaRPr lang="en-US" dirty="0"/>
           </a:p>
@@ -6894,107 +6528,17 @@
         </p:nvSpPr>
         <p:spPr>
           <a:xfrm>
-            <a:off x="684212" y="1345475"/>
-            <a:ext cx="8534400" cy="4483948"/>
+            <a:off x="684212" y="1907177"/>
+            <a:ext cx="11189925" cy="4274941"/>
           </a:xfrm>
         </p:spPr>
         <p:txBody>
           <a:bodyPr>
-            <a:normAutofit fontScale="92500" lnSpcReduction="20000"/>
+            <a:normAutofit/>
           </a:bodyPr>
           <a:lstStyle/>
           <a:p>
-            <a:pPr marL="0" indent="0">
-              <a:buNone/>
-            </a:pPr>
-            <a:endParaRPr lang="en-US" dirty="0" smtClean="0"/>
-          </a:p>
-          <a:p>
-            <a:r>
-              <a:rPr lang="en-US" dirty="0" smtClean="0">
-                <a:solidFill>
-                  <a:schemeClr val="tx1"/>
-                </a:solidFill>
-              </a:rPr>
-              <a:t>1</a:t>
-            </a:r>
-            <a:r>
-              <a:rPr lang="en-US" baseline="30000" dirty="0" smtClean="0">
-                <a:solidFill>
-                  <a:schemeClr val="tx1"/>
-                </a:solidFill>
-              </a:rPr>
-              <a:t>st</a:t>
-            </a:r>
-            <a:r>
-              <a:rPr lang="en-US" dirty="0" smtClean="0">
-                <a:solidFill>
-                  <a:schemeClr val="tx1"/>
-                </a:solidFill>
-              </a:rPr>
-              <a:t> phase $83,000 CAN</a:t>
-            </a:r>
-          </a:p>
-          <a:p>
-            <a:pPr lvl="1">
-              <a:buFont typeface="Courier New" panose="02070309020205020404" pitchFamily="49" charset="0"/>
-              <a:buChar char="o"/>
-            </a:pPr>
-            <a:r>
-              <a:rPr lang="en-US" dirty="0" smtClean="0">
-                <a:solidFill>
-                  <a:schemeClr val="tx1"/>
-                </a:solidFill>
-              </a:rPr>
-              <a:t>UI website (HTML, </a:t>
-            </a:r>
-            <a:r>
-              <a:rPr lang="en-US" dirty="0" err="1" smtClean="0">
-                <a:solidFill>
-                  <a:schemeClr val="tx1"/>
-                </a:solidFill>
-              </a:rPr>
-              <a:t>Javascript</a:t>
-            </a:r>
-            <a:r>
-              <a:rPr lang="en-US" dirty="0" smtClean="0">
-                <a:solidFill>
-                  <a:schemeClr val="tx1"/>
-                </a:solidFill>
-              </a:rPr>
-              <a:t>, CSS)</a:t>
-            </a:r>
-          </a:p>
-          <a:p>
-            <a:pPr lvl="1">
-              <a:buFont typeface="Courier New" panose="02070309020205020404" pitchFamily="49" charset="0"/>
-              <a:buChar char="o"/>
-            </a:pPr>
-            <a:r>
-              <a:rPr lang="en-US" dirty="0" smtClean="0">
-                <a:solidFill>
-                  <a:schemeClr val="tx1"/>
-                </a:solidFill>
-              </a:rPr>
-              <a:t>Database setup and linked (PHP)</a:t>
-            </a:r>
-          </a:p>
-          <a:p>
-            <a:pPr lvl="1">
-              <a:buFont typeface="Courier New" panose="02070309020205020404" pitchFamily="49" charset="0"/>
-              <a:buChar char="o"/>
-            </a:pPr>
-            <a:r>
-              <a:rPr lang="en-US" dirty="0" smtClean="0">
-                <a:solidFill>
-                  <a:schemeClr val="tx1"/>
-                </a:solidFill>
-              </a:rPr>
-              <a:t>Admin website portal  </a:t>
-            </a:r>
-          </a:p>
-          <a:p>
-            <a:pPr marL="457200" lvl="1" indent="0">
+            <a:pPr marL="0" lvl="0" indent="0">
               <a:buNone/>
             </a:pPr>
             <a:endParaRPr lang="en-US" dirty="0" smtClean="0">
@@ -7010,464 +6554,6 @@
                   <a:schemeClr val="tx1"/>
                 </a:solidFill>
               </a:rPr>
-              <a:t>2</a:t>
-            </a:r>
-            <a:r>
-              <a:rPr lang="en-US" baseline="30000" dirty="0" smtClean="0">
-                <a:solidFill>
-                  <a:schemeClr val="tx1"/>
-                </a:solidFill>
-              </a:rPr>
-              <a:t>nd</a:t>
-            </a:r>
-            <a:r>
-              <a:rPr lang="en-US" dirty="0">
-                <a:solidFill>
-                  <a:schemeClr val="tx1"/>
-                </a:solidFill>
-              </a:rPr>
-              <a:t> </a:t>
-            </a:r>
-            <a:r>
-              <a:rPr lang="en-US" dirty="0" smtClean="0">
-                <a:solidFill>
-                  <a:schemeClr val="tx1"/>
-                </a:solidFill>
-              </a:rPr>
-              <a:t>phase $83,000 CAN</a:t>
-            </a:r>
-          </a:p>
-          <a:p>
-            <a:pPr lvl="1">
-              <a:buFont typeface="Courier New" panose="02070309020205020404" pitchFamily="49" charset="0"/>
-              <a:buChar char="o"/>
-            </a:pPr>
-            <a:r>
-              <a:rPr lang="en-US" dirty="0" smtClean="0">
-                <a:solidFill>
-                  <a:schemeClr val="tx1"/>
-                </a:solidFill>
-              </a:rPr>
-              <a:t>Implementation of Microsoft technologies</a:t>
-            </a:r>
-          </a:p>
-          <a:p>
-            <a:pPr marL="457200" lvl="1" indent="0">
-              <a:buNone/>
-            </a:pPr>
-            <a:endParaRPr lang="en-US" dirty="0" smtClean="0">
-              <a:solidFill>
-                <a:schemeClr val="tx1"/>
-              </a:solidFill>
-            </a:endParaRPr>
-          </a:p>
-          <a:p>
-            <a:r>
-              <a:rPr lang="en-US" dirty="0" smtClean="0">
-                <a:solidFill>
-                  <a:schemeClr val="tx1"/>
-                </a:solidFill>
-              </a:rPr>
-              <a:t>3</a:t>
-            </a:r>
-            <a:r>
-              <a:rPr lang="en-US" baseline="30000" dirty="0" smtClean="0">
-                <a:solidFill>
-                  <a:schemeClr val="tx1"/>
-                </a:solidFill>
-              </a:rPr>
-              <a:t>rd</a:t>
-            </a:r>
-            <a:r>
-              <a:rPr lang="en-US" dirty="0">
-                <a:solidFill>
-                  <a:schemeClr val="tx1"/>
-                </a:solidFill>
-              </a:rPr>
-              <a:t> </a:t>
-            </a:r>
-            <a:r>
-              <a:rPr lang="en-US" dirty="0" smtClean="0">
-                <a:solidFill>
-                  <a:schemeClr val="tx1"/>
-                </a:solidFill>
-              </a:rPr>
-              <a:t>phase $84,000 CAN</a:t>
-            </a:r>
-          </a:p>
-          <a:p>
-            <a:pPr lvl="1">
-              <a:buFont typeface="Courier New" panose="02070309020205020404" pitchFamily="49" charset="0"/>
-              <a:buChar char="o"/>
-            </a:pPr>
-            <a:r>
-              <a:rPr lang="en-US" dirty="0" smtClean="0">
-                <a:solidFill>
-                  <a:schemeClr val="tx1"/>
-                </a:solidFill>
-              </a:rPr>
-              <a:t>Mobile App Design</a:t>
-            </a:r>
-          </a:p>
-          <a:p>
-            <a:pPr lvl="1">
-              <a:buFont typeface="Courier New" panose="02070309020205020404" pitchFamily="49" charset="0"/>
-              <a:buChar char="o"/>
-            </a:pPr>
-            <a:r>
-              <a:rPr lang="en-US" dirty="0" smtClean="0">
-                <a:solidFill>
-                  <a:schemeClr val="tx1"/>
-                </a:solidFill>
-              </a:rPr>
-              <a:t>Database upgrades (Oracle)</a:t>
-            </a:r>
-          </a:p>
-          <a:p>
-            <a:endParaRPr lang="en-US" dirty="0">
-              <a:solidFill>
-                <a:schemeClr val="tx1"/>
-              </a:solidFill>
-            </a:endParaRPr>
-          </a:p>
-        </p:txBody>
-      </p:sp>
-      <p:graphicFrame>
-        <p:nvGraphicFramePr>
-          <p:cNvPr id="6" name="Chart 5"/>
-          <p:cNvGraphicFramePr/>
-          <p:nvPr>
-            <p:extLst>
-              <p:ext uri="{D42A27DB-BD31-4B8C-83A1-F6EECF244321}">
-                <p14:modId xmlns:p14="http://schemas.microsoft.com/office/powerpoint/2010/main" val="3487770805"/>
-              </p:ext>
-            </p:extLst>
-          </p:nvPr>
-        </p:nvGraphicFramePr>
-        <p:xfrm>
-          <a:off x="5597236" y="890934"/>
-          <a:ext cx="6594764" cy="4396510"/>
-        </p:xfrm>
-        <a:graphic>
-          <a:graphicData uri="http://schemas.openxmlformats.org/drawingml/2006/chart">
-            <c:chart xmlns:c="http://schemas.openxmlformats.org/drawingml/2006/chart" xmlns:r="http://schemas.openxmlformats.org/officeDocument/2006/relationships" r:id="rId2"/>
-          </a:graphicData>
-        </a:graphic>
-      </p:graphicFrame>
-    </p:spTree>
-    <p:extLst>
-      <p:ext uri="{BB962C8B-B14F-4D97-AF65-F5344CB8AC3E}">
-        <p14:creationId xmlns:p14="http://schemas.microsoft.com/office/powerpoint/2010/main" val="546623997"/>
-      </p:ext>
-    </p:extLst>
-  </p:cSld>
-  <p:clrMapOvr>
-    <a:masterClrMapping/>
-  </p:clrMapOvr>
-  <p:timing>
-    <p:tnLst>
-      <p:par>
-        <p:cTn id="1" dur="indefinite" restart="never" nodeType="tmRoot"/>
-      </p:par>
-    </p:tnLst>
-  </p:timing>
-</p:sld>
-</file>
-
-<file path=ppt/slides/slide12.xml><?xml version="1.0" encoding="utf-8"?>
-<p:sld xmlns:a="http://schemas.openxmlformats.org/drawingml/2006/main" xmlns:r="http://schemas.openxmlformats.org/officeDocument/2006/relationships" xmlns:p="http://schemas.openxmlformats.org/presentationml/2006/main">
-  <p:cSld>
-    <p:spTree>
-      <p:nvGrpSpPr>
-        <p:cNvPr id="1" name=""/>
-        <p:cNvGrpSpPr/>
-        <p:nvPr/>
-      </p:nvGrpSpPr>
-      <p:grpSpPr>
-        <a:xfrm>
-          <a:off x="0" y="0"/>
-          <a:ext cx="0" cy="0"/>
-          <a:chOff x="0" y="0"/>
-          <a:chExt cx="0" cy="0"/>
-        </a:xfrm>
-      </p:grpSpPr>
-      <p:sp>
-        <p:nvSpPr>
-          <p:cNvPr id="2" name="Title 1"/>
-          <p:cNvSpPr>
-            <a:spLocks noGrp="1"/>
-          </p:cNvSpPr>
-          <p:nvPr>
-            <p:ph type="title"/>
-          </p:nvPr>
-        </p:nvSpPr>
-        <p:spPr>
-          <a:xfrm>
-            <a:off x="684212" y="385595"/>
-            <a:ext cx="8534400" cy="1507067"/>
-          </a:xfrm>
-        </p:spPr>
-        <p:txBody>
-          <a:bodyPr/>
-          <a:lstStyle/>
-          <a:p>
-            <a:r>
-              <a:rPr lang="en-US" dirty="0" smtClean="0"/>
-              <a:t>schedule</a:t>
-            </a:r>
-            <a:endParaRPr lang="en-US" dirty="0"/>
-          </a:p>
-        </p:txBody>
-      </p:sp>
-      <p:sp>
-        <p:nvSpPr>
-          <p:cNvPr id="3" name="Content Placeholder 2"/>
-          <p:cNvSpPr>
-            <a:spLocks noGrp="1"/>
-          </p:cNvSpPr>
-          <p:nvPr>
-            <p:ph idx="1"/>
-          </p:nvPr>
-        </p:nvSpPr>
-        <p:spPr>
-          <a:xfrm>
-            <a:off x="684212" y="2103119"/>
-            <a:ext cx="8534400" cy="2838027"/>
-          </a:xfrm>
-        </p:spPr>
-        <p:txBody>
-          <a:bodyPr/>
-          <a:lstStyle/>
-          <a:p>
-            <a:pPr lvl="0"/>
-            <a:r>
-              <a:rPr lang="en-US" dirty="0" smtClean="0">
-                <a:solidFill>
-                  <a:schemeClr val="tx1"/>
-                </a:solidFill>
-              </a:rPr>
-              <a:t>Start Date:  12/10/2018 (December 10, 2018)</a:t>
-            </a:r>
-          </a:p>
-          <a:p>
-            <a:pPr lvl="0"/>
-            <a:endParaRPr lang="en-US" dirty="0" smtClean="0">
-              <a:solidFill>
-                <a:schemeClr val="tx1"/>
-              </a:solidFill>
-            </a:endParaRPr>
-          </a:p>
-          <a:p>
-            <a:pPr lvl="0"/>
-            <a:r>
-              <a:rPr lang="en-US" sz="2000" dirty="0" smtClean="0">
-                <a:solidFill>
-                  <a:schemeClr val="tx1"/>
-                </a:solidFill>
-              </a:rPr>
-              <a:t>End Date:   </a:t>
-            </a:r>
-            <a:r>
-              <a:rPr lang="en-US" dirty="0" smtClean="0">
-                <a:solidFill>
-                  <a:schemeClr val="tx1"/>
-                </a:solidFill>
-              </a:rPr>
-              <a:t>04/26</a:t>
-            </a:r>
-            <a:r>
-              <a:rPr lang="en-US" sz="2000" dirty="0" smtClean="0">
-                <a:solidFill>
-                  <a:schemeClr val="tx1"/>
-                </a:solidFill>
-              </a:rPr>
-              <a:t>/2019 (April 26, 2019)</a:t>
-            </a:r>
-          </a:p>
-          <a:p>
-            <a:pPr lvl="0"/>
-            <a:endParaRPr lang="en-US" dirty="0">
-              <a:solidFill>
-                <a:schemeClr val="tx1"/>
-              </a:solidFill>
-            </a:endParaRPr>
-          </a:p>
-          <a:p>
-            <a:pPr lvl="0"/>
-            <a:r>
-              <a:rPr lang="en-US" sz="2000" dirty="0" smtClean="0">
-                <a:solidFill>
-                  <a:schemeClr val="tx1"/>
-                </a:solidFill>
-              </a:rPr>
-              <a:t>Project Duration: 4.5 months</a:t>
-            </a:r>
-            <a:endParaRPr lang="en-US" sz="2000" dirty="0">
-              <a:solidFill>
-                <a:schemeClr val="tx1"/>
-              </a:solidFill>
-            </a:endParaRPr>
-          </a:p>
-          <a:p>
-            <a:pPr marL="0" indent="0">
-              <a:buNone/>
-            </a:pPr>
-            <a:endParaRPr lang="en-US" dirty="0"/>
-          </a:p>
-        </p:txBody>
-      </p:sp>
-      <p:sp>
-        <p:nvSpPr>
-          <p:cNvPr id="4" name="Oval 3"/>
-          <p:cNvSpPr/>
-          <p:nvPr/>
-        </p:nvSpPr>
-        <p:spPr>
-          <a:xfrm>
-            <a:off x="8506691" y="312473"/>
-            <a:ext cx="1653309" cy="1653309"/>
-          </a:xfrm>
-          <a:prstGeom prst="ellipse">
-            <a:avLst/>
-          </a:prstGeom>
-          <a:blipFill>
-            <a:blip r:embed="rId2"/>
-            <a:stretch>
-              <a:fillRect/>
-            </a:stretch>
-          </a:blipFill>
-          <a:ln>
-            <a:noFill/>
-          </a:ln>
-        </p:spPr>
-        <p:style>
-          <a:lnRef idx="2">
-            <a:schemeClr val="accent1">
-              <a:shade val="50000"/>
-            </a:schemeClr>
-          </a:lnRef>
-          <a:fillRef idx="1">
-            <a:schemeClr val="accent1"/>
-          </a:fillRef>
-          <a:effectRef idx="0">
-            <a:schemeClr val="accent1"/>
-          </a:effectRef>
-          <a:fontRef idx="minor">
-            <a:schemeClr val="lt1"/>
-          </a:fontRef>
-        </p:style>
-        <p:txBody>
-          <a:bodyPr rtlCol="0" anchor="ctr"/>
-          <a:lstStyle/>
-          <a:p>
-            <a:pPr algn="ctr"/>
-            <a:endParaRPr lang="en-US"/>
-          </a:p>
-        </p:txBody>
-      </p:sp>
-    </p:spTree>
-    <p:extLst>
-      <p:ext uri="{BB962C8B-B14F-4D97-AF65-F5344CB8AC3E}">
-        <p14:creationId xmlns:p14="http://schemas.microsoft.com/office/powerpoint/2010/main" val="1597009996"/>
-      </p:ext>
-    </p:extLst>
-  </p:cSld>
-  <p:clrMapOvr>
-    <a:masterClrMapping/>
-  </p:clrMapOvr>
-  <p:timing>
-    <p:tnLst>
-      <p:par>
-        <p:cTn id="1" dur="indefinite" restart="never" nodeType="tmRoot"/>
-      </p:par>
-    </p:tnLst>
-  </p:timing>
-</p:sld>
-</file>
-
-<file path=ppt/slides/slide13.xml><?xml version="1.0" encoding="utf-8"?>
-<p:sld xmlns:a="http://schemas.openxmlformats.org/drawingml/2006/main" xmlns:r="http://schemas.openxmlformats.org/officeDocument/2006/relationships" xmlns:p="http://schemas.openxmlformats.org/presentationml/2006/main">
-  <p:cSld>
-    <p:spTree>
-      <p:nvGrpSpPr>
-        <p:cNvPr id="1" name=""/>
-        <p:cNvGrpSpPr/>
-        <p:nvPr/>
-      </p:nvGrpSpPr>
-      <p:grpSpPr>
-        <a:xfrm>
-          <a:off x="0" y="0"/>
-          <a:ext cx="0" cy="0"/>
-          <a:chOff x="0" y="0"/>
-          <a:chExt cx="0" cy="0"/>
-        </a:xfrm>
-      </p:grpSpPr>
-      <p:sp>
-        <p:nvSpPr>
-          <p:cNvPr id="2" name="Title 1"/>
-          <p:cNvSpPr>
-            <a:spLocks noGrp="1"/>
-          </p:cNvSpPr>
-          <p:nvPr>
-            <p:ph type="title"/>
-          </p:nvPr>
-        </p:nvSpPr>
-        <p:spPr>
-          <a:xfrm>
-            <a:off x="684212" y="685800"/>
-            <a:ext cx="8534400" cy="1507067"/>
-          </a:xfrm>
-        </p:spPr>
-        <p:txBody>
-          <a:bodyPr/>
-          <a:lstStyle/>
-          <a:p>
-            <a:r>
-              <a:rPr lang="en-US" dirty="0" smtClean="0"/>
-              <a:t>Why us?</a:t>
-            </a:r>
-            <a:endParaRPr lang="en-US" dirty="0"/>
-          </a:p>
-        </p:txBody>
-      </p:sp>
-      <p:sp>
-        <p:nvSpPr>
-          <p:cNvPr id="3" name="Content Placeholder 2"/>
-          <p:cNvSpPr>
-            <a:spLocks noGrp="1"/>
-          </p:cNvSpPr>
-          <p:nvPr>
-            <p:ph idx="1"/>
-          </p:nvPr>
-        </p:nvSpPr>
-        <p:spPr>
-          <a:xfrm>
-            <a:off x="684212" y="1907177"/>
-            <a:ext cx="11189925" cy="4274941"/>
-          </a:xfrm>
-        </p:spPr>
-        <p:txBody>
-          <a:bodyPr>
-            <a:normAutofit/>
-          </a:bodyPr>
-          <a:lstStyle/>
-          <a:p>
-            <a:pPr marL="0" lvl="0" indent="0">
-              <a:buNone/>
-            </a:pPr>
-            <a:endParaRPr lang="en-US" dirty="0" smtClean="0">
-              <a:solidFill>
-                <a:schemeClr val="tx1"/>
-              </a:solidFill>
-            </a:endParaRPr>
-          </a:p>
-          <a:p>
-            <a:r>
-              <a:rPr lang="en-US" dirty="0" smtClean="0">
-                <a:solidFill>
-                  <a:schemeClr val="tx1"/>
-                </a:solidFill>
-              </a:rPr>
               <a:t>Small and personal team of innovative developers</a:t>
             </a:r>
           </a:p>
@@ -7498,15 +6584,7 @@
                   <a:schemeClr val="tx1"/>
                 </a:solidFill>
               </a:rPr>
-              <a:t>We’re </a:t>
-            </a:r>
-            <a:r>
-              <a:rPr lang="en-US" dirty="0" smtClean="0">
-                <a:solidFill>
-                  <a:schemeClr val="tx1"/>
-                </a:solidFill>
-              </a:rPr>
-              <a:t>not happy until you are</a:t>
+              <a:t>We’re not happy until you are</a:t>
             </a:r>
           </a:p>
           <a:p>
@@ -7587,7 +6665,7 @@
 </p:sld>
 </file>
 
-<file path=ppt/slides/slide14.xml><?xml version="1.0" encoding="utf-8"?>
+<file path=ppt/slides/slide11.xml><?xml version="1.0" encoding="utf-8"?>
 <p:sld xmlns:a="http://schemas.openxmlformats.org/drawingml/2006/main" xmlns:r="http://schemas.openxmlformats.org/officeDocument/2006/relationships" xmlns:p="http://schemas.openxmlformats.org/presentationml/2006/main">
   <p:cSld>
     <p:spTree>
@@ -7638,20 +6716,69 @@
       </p:sp>
       <p:sp>
         <p:nvSpPr>
-          <p:cNvPr id="3" name="Oval 2"/>
+          <p:cNvPr id="4" name="Oval 3"/>
           <p:cNvSpPr/>
           <p:nvPr/>
         </p:nvSpPr>
         <p:spPr>
           <a:xfrm>
-            <a:off x="5444837" y="3722253"/>
-            <a:ext cx="1376219" cy="1376219"/>
+            <a:off x="4451290" y="3280782"/>
+            <a:ext cx="3363314" cy="3047966"/>
           </a:xfrm>
           <a:prstGeom prst="ellipse">
             <a:avLst/>
           </a:prstGeom>
           <a:blipFill>
             <a:blip r:embed="rId2"/>
+            <a:stretch>
+              <a:fillRect/>
+            </a:stretch>
+          </a:blipFill>
+          <a:ln>
+            <a:noFill/>
+          </a:ln>
+        </p:spPr>
+        <p:style>
+          <a:lnRef idx="2">
+            <a:schemeClr val="accent1">
+              <a:shade val="50000"/>
+            </a:schemeClr>
+          </a:lnRef>
+          <a:fillRef idx="1">
+            <a:schemeClr val="accent1"/>
+          </a:fillRef>
+          <a:effectRef idx="0">
+            <a:schemeClr val="accent1"/>
+          </a:effectRef>
+          <a:fontRef idx="minor">
+            <a:schemeClr val="lt1"/>
+          </a:fontRef>
+        </p:style>
+        <p:txBody>
+          <a:bodyPr rtlCol="0" anchor="ctr"/>
+          <a:lstStyle/>
+          <a:p>
+            <a:pPr algn="ctr"/>
+            <a:endParaRPr lang="en-US"/>
+          </a:p>
+        </p:txBody>
+      </p:sp>
+      <p:sp>
+        <p:nvSpPr>
+          <p:cNvPr id="5" name="Oval 4"/>
+          <p:cNvSpPr/>
+          <p:nvPr/>
+        </p:nvSpPr>
+        <p:spPr>
+          <a:xfrm>
+            <a:off x="5831314" y="4081102"/>
+            <a:ext cx="603265" cy="603265"/>
+          </a:xfrm>
+          <a:prstGeom prst="ellipse">
+            <a:avLst/>
+          </a:prstGeom>
+          <a:blipFill>
+            <a:blip r:embed="rId3"/>
             <a:stretch>
               <a:fillRect/>
             </a:stretch>
@@ -8492,8 +7619,8 @@
         </p:nvSpPr>
         <p:spPr>
           <a:xfrm>
-            <a:off x="684212" y="685800"/>
-            <a:ext cx="9583194" cy="1507067"/>
+            <a:off x="684211" y="191104"/>
+            <a:ext cx="8534400" cy="1507067"/>
           </a:xfrm>
         </p:spPr>
         <p:txBody>
@@ -8502,7 +7629,7 @@
           <a:p>
             <a:r>
               <a:rPr lang="en-US" dirty="0" smtClean="0"/>
-              <a:t>****Travel experts project Requirements</a:t>
+              <a:t>Goals</a:t>
             </a:r>
             <a:endParaRPr lang="en-US" dirty="0"/>
           </a:p>
@@ -8520,8 +7647,8 @@
         </p:nvSpPr>
         <p:spPr>
           <a:xfrm>
-            <a:off x="684212" y="2057400"/>
-            <a:ext cx="8890862" cy="4434840"/>
+            <a:off x="684211" y="1698171"/>
+            <a:ext cx="10549845" cy="4663440"/>
           </a:xfrm>
         </p:spPr>
         <p:txBody>
@@ -8531,130 +7658,167 @@
           <a:lstStyle/>
           <a:p>
             <a:r>
-              <a:rPr lang="en-US" sz="2400" dirty="0" smtClean="0">
+              <a:rPr lang="en-US" dirty="0">
                 <a:solidFill>
                   <a:schemeClr val="tx1"/>
                 </a:solidFill>
               </a:rPr>
-              <a:t>Flexible database </a:t>
-            </a:r>
-          </a:p>
-          <a:p>
-            <a:pPr lvl="1"/>
-            <a:r>
-              <a:rPr lang="en-US" sz="2200" dirty="0" smtClean="0">
+              <a:t>Make a dynamic, responsive, and </a:t>
+            </a:r>
+            <a:r>
+              <a:rPr lang="en-US" dirty="0" smtClean="0">
                 <a:solidFill>
                   <a:schemeClr val="tx1"/>
                 </a:solidFill>
               </a:rPr>
-              <a:t>Absorbs old and new information </a:t>
-            </a:r>
-          </a:p>
-          <a:p>
-            <a:pPr lvl="1"/>
-            <a:r>
-              <a:rPr lang="en-US" sz="2200" dirty="0" smtClean="0">
-                <a:solidFill>
-                  <a:schemeClr val="tx1"/>
-                </a:solidFill>
-              </a:rPr>
-              <a:t>Easily implemented and managed. </a:t>
-            </a:r>
-            <a:endParaRPr lang="en-US" sz="2400" dirty="0" smtClean="0">
+              <a:t>user-friendly website (DRU)</a:t>
+            </a:r>
+            <a:endParaRPr lang="en-US" dirty="0">
               <a:solidFill>
                 <a:schemeClr val="tx1"/>
               </a:solidFill>
             </a:endParaRPr>
           </a:p>
           <a:p>
-            <a:r>
-              <a:rPr lang="en-US" sz="2400" dirty="0" smtClean="0">
-                <a:solidFill>
-                  <a:schemeClr val="tx1"/>
-                </a:solidFill>
-              </a:rPr>
-              <a:t> Responsive website </a:t>
-            </a:r>
-          </a:p>
-          <a:p>
-            <a:pPr lvl="1"/>
-            <a:r>
-              <a:rPr lang="en-US" sz="2200" dirty="0">
-                <a:solidFill>
-                  <a:schemeClr val="tx1"/>
-                </a:solidFill>
-              </a:rPr>
-              <a:t>Q</a:t>
-            </a:r>
-            <a:r>
-              <a:rPr lang="en-US" sz="2200" dirty="0" smtClean="0">
-                <a:solidFill>
-                  <a:schemeClr val="tx1"/>
-                </a:solidFill>
-              </a:rPr>
-              <a:t>uick load times for customers </a:t>
-            </a:r>
-          </a:p>
-          <a:p>
-            <a:pPr lvl="2"/>
-            <a:r>
-              <a:rPr lang="en-US" sz="2000" dirty="0">
-                <a:solidFill>
-                  <a:schemeClr val="tx1"/>
-                </a:solidFill>
-              </a:rPr>
-              <a:t>B</a:t>
-            </a:r>
-            <a:r>
-              <a:rPr lang="en-US" sz="2000" dirty="0" smtClean="0">
-                <a:solidFill>
-                  <a:schemeClr val="tx1"/>
-                </a:solidFill>
-              </a:rPr>
-              <a:t>rowse travel packages </a:t>
-            </a:r>
-            <a:endParaRPr lang="en-US" sz="2000" dirty="0">
+            <a:endParaRPr lang="en-US" dirty="0" smtClean="0">
               <a:solidFill>
                 <a:schemeClr val="tx1"/>
               </a:solidFill>
             </a:endParaRPr>
           </a:p>
           <a:p>
-            <a:pPr lvl="2"/>
-            <a:r>
-              <a:rPr lang="en-US" sz="2000" dirty="0" smtClean="0">
+            <a:pPr lvl="0"/>
+            <a:r>
+              <a:rPr lang="en-US" dirty="0" smtClean="0">
                 <a:solidFill>
                   <a:schemeClr val="tx1"/>
                 </a:solidFill>
               </a:rPr>
-              <a:t> </a:t>
-            </a:r>
-            <a:r>
-              <a:rPr lang="en-US" sz="2000" dirty="0">
+              <a:t>Website </a:t>
+            </a:r>
+            <a:r>
+              <a:rPr lang="en-US" dirty="0">
                 <a:solidFill>
                   <a:schemeClr val="tx1"/>
                 </a:solidFill>
               </a:rPr>
-              <a:t>B</a:t>
-            </a:r>
-            <a:r>
-              <a:rPr lang="en-US" sz="2000" dirty="0" smtClean="0">
+              <a:t>that increases sales and customer </a:t>
+            </a:r>
+            <a:r>
+              <a:rPr lang="en-US" dirty="0" smtClean="0">
                 <a:solidFill>
                   <a:schemeClr val="tx1"/>
                 </a:solidFill>
               </a:rPr>
-              <a:t>ook at customer’s convenience</a:t>
-            </a:r>
-          </a:p>
-          <a:p>
-            <a:endParaRPr lang="en-US" dirty="0"/>
-          </a:p>
-        </p:txBody>
-      </p:sp>
+              <a:t>base</a:t>
+            </a:r>
+          </a:p>
+          <a:p>
+            <a:pPr marL="0" lvl="0" indent="0">
+              <a:buNone/>
+            </a:pPr>
+            <a:endParaRPr lang="en-US" dirty="0" smtClean="0">
+              <a:solidFill>
+                <a:schemeClr val="tx1"/>
+              </a:solidFill>
+            </a:endParaRPr>
+          </a:p>
+          <a:p>
+            <a:pPr lvl="0"/>
+            <a:r>
+              <a:rPr lang="en-US" dirty="0" smtClean="0">
+                <a:solidFill>
+                  <a:schemeClr val="tx1"/>
+                </a:solidFill>
+              </a:rPr>
+              <a:t>Scalability</a:t>
+            </a:r>
+            <a:endParaRPr lang="en-US" dirty="0">
+              <a:solidFill>
+                <a:schemeClr val="tx1"/>
+              </a:solidFill>
+            </a:endParaRPr>
+          </a:p>
+          <a:p>
+            <a:pPr marL="0" lvl="0" indent="0">
+              <a:buNone/>
+            </a:pPr>
+            <a:endParaRPr lang="en-US" dirty="0" smtClean="0">
+              <a:solidFill>
+                <a:schemeClr val="tx1"/>
+              </a:solidFill>
+            </a:endParaRPr>
+          </a:p>
+          <a:p>
+            <a:pPr lvl="0"/>
+            <a:r>
+              <a:rPr lang="en-US" dirty="0" smtClean="0">
+                <a:solidFill>
+                  <a:schemeClr val="tx1"/>
+                </a:solidFill>
+              </a:rPr>
+              <a:t>Intuitive navigation (GUI)</a:t>
+            </a:r>
+            <a:endParaRPr lang="en-US" dirty="0">
+              <a:solidFill>
+                <a:schemeClr val="tx1"/>
+              </a:solidFill>
+            </a:endParaRPr>
+          </a:p>
+          <a:p>
+            <a:endParaRPr lang="en-US" dirty="0">
+              <a:solidFill>
+                <a:schemeClr val="tx1"/>
+              </a:solidFill>
+            </a:endParaRPr>
+          </a:p>
+        </p:txBody>
+      </p:sp>
+      <p:pic>
+        <p:nvPicPr>
+          <p:cNvPr id="3074" name="Picture 2" descr="Smart goals"/>
+          <p:cNvPicPr>
+            <a:picLocks noChangeAspect="1" noChangeArrowheads="1"/>
+          </p:cNvPicPr>
+          <p:nvPr/>
+        </p:nvPicPr>
+        <p:blipFill>
+          <a:blip r:embed="rId2">
+            <a:extLst>
+              <a:ext uri="{28A0092B-C50C-407E-A947-70E740481C1C}">
+                <a14:useLocalDpi xmlns:a14="http://schemas.microsoft.com/office/drawing/2010/main" val="0"/>
+              </a:ext>
+            </a:extLst>
+          </a:blip>
+          <a:srcRect/>
+          <a:stretch>
+            <a:fillRect/>
+          </a:stretch>
+        </p:blipFill>
+        <p:spPr bwMode="auto">
+          <a:xfrm>
+            <a:off x="7703126" y="3775266"/>
+            <a:ext cx="4118408" cy="2745605"/>
+          </a:xfrm>
+          <a:prstGeom prst="rect">
+            <a:avLst/>
+          </a:prstGeom>
+          <a:noFill/>
+          <a:extLst>
+            <a:ext uri="{909E8E84-426E-40DD-AFC4-6F175D3DCCD1}">
+              <a14:hiddenFill xmlns:a14="http://schemas.microsoft.com/office/drawing/2010/main">
+                <a:solidFill>
+                  <a:srgbClr val="FFFFFF"/>
+                </a:solidFill>
+              </a14:hiddenFill>
+            </a:ext>
+          </a:extLst>
+        </p:spPr>
+      </p:pic>
     </p:spTree>
     <p:extLst>
       <p:ext uri="{BB962C8B-B14F-4D97-AF65-F5344CB8AC3E}">
-        <p14:creationId xmlns:p14="http://schemas.microsoft.com/office/powerpoint/2010/main" val="113067708"/>
+        <p14:creationId xmlns:p14="http://schemas.microsoft.com/office/powerpoint/2010/main" val="395204173"/>
       </p:ext>
     </p:extLst>
   </p:cSld>
@@ -8700,251 +7864,6 @@
         </p:nvSpPr>
         <p:spPr>
           <a:xfrm>
-            <a:off x="684211" y="191104"/>
-            <a:ext cx="8534400" cy="1507067"/>
-          </a:xfrm>
-        </p:spPr>
-        <p:txBody>
-          <a:bodyPr/>
-          <a:lstStyle/>
-          <a:p>
-            <a:r>
-              <a:rPr lang="en-US" dirty="0" smtClean="0"/>
-              <a:t>Goals</a:t>
-            </a:r>
-            <a:endParaRPr lang="en-US" dirty="0"/>
-          </a:p>
-        </p:txBody>
-      </p:sp>
-      <p:sp>
-        <p:nvSpPr>
-          <p:cNvPr id="3" name="Content Placeholder 2"/>
-          <p:cNvSpPr>
-            <a:spLocks noGrp="1"/>
-          </p:cNvSpPr>
-          <p:nvPr>
-            <p:ph idx="1"/>
-          </p:nvPr>
-        </p:nvSpPr>
-        <p:spPr>
-          <a:xfrm>
-            <a:off x="684211" y="1698171"/>
-            <a:ext cx="10549845" cy="4663440"/>
-          </a:xfrm>
-        </p:spPr>
-        <p:txBody>
-          <a:bodyPr>
-            <a:normAutofit/>
-          </a:bodyPr>
-          <a:lstStyle/>
-          <a:p>
-            <a:r>
-              <a:rPr lang="en-US" dirty="0">
-                <a:solidFill>
-                  <a:schemeClr val="tx1"/>
-                </a:solidFill>
-              </a:rPr>
-              <a:t>Make a dynamic, responsive, and </a:t>
-            </a:r>
-            <a:r>
-              <a:rPr lang="en-US" dirty="0" smtClean="0">
-                <a:solidFill>
-                  <a:schemeClr val="tx1"/>
-                </a:solidFill>
-              </a:rPr>
-              <a:t>user-friendly website (DRU)</a:t>
-            </a:r>
-            <a:endParaRPr lang="en-US" dirty="0">
-              <a:solidFill>
-                <a:schemeClr val="tx1"/>
-              </a:solidFill>
-            </a:endParaRPr>
-          </a:p>
-          <a:p>
-            <a:endParaRPr lang="en-US" dirty="0" smtClean="0">
-              <a:solidFill>
-                <a:schemeClr val="tx1"/>
-              </a:solidFill>
-            </a:endParaRPr>
-          </a:p>
-          <a:p>
-            <a:pPr lvl="0"/>
-            <a:r>
-              <a:rPr lang="en-US" dirty="0" smtClean="0">
-                <a:solidFill>
-                  <a:schemeClr val="tx1"/>
-                </a:solidFill>
-              </a:rPr>
-              <a:t>Website </a:t>
-            </a:r>
-            <a:r>
-              <a:rPr lang="en-US" dirty="0">
-                <a:solidFill>
-                  <a:schemeClr val="tx1"/>
-                </a:solidFill>
-              </a:rPr>
-              <a:t>that increases sales and customer </a:t>
-            </a:r>
-            <a:r>
-              <a:rPr lang="en-US" dirty="0" smtClean="0">
-                <a:solidFill>
-                  <a:schemeClr val="tx1"/>
-                </a:solidFill>
-              </a:rPr>
-              <a:t>base</a:t>
-            </a:r>
-          </a:p>
-          <a:p>
-            <a:pPr marL="0" lvl="0" indent="0">
-              <a:buNone/>
-            </a:pPr>
-            <a:endParaRPr lang="en-US" dirty="0" smtClean="0">
-              <a:solidFill>
-                <a:schemeClr val="tx1"/>
-              </a:solidFill>
-            </a:endParaRPr>
-          </a:p>
-          <a:p>
-            <a:pPr lvl="0"/>
-            <a:r>
-              <a:rPr lang="en-US" dirty="0" smtClean="0">
-                <a:solidFill>
-                  <a:schemeClr val="tx1"/>
-                </a:solidFill>
-              </a:rPr>
-              <a:t>Scalability</a:t>
-            </a:r>
-            <a:endParaRPr lang="en-US" dirty="0">
-              <a:solidFill>
-                <a:schemeClr val="tx1"/>
-              </a:solidFill>
-            </a:endParaRPr>
-          </a:p>
-          <a:p>
-            <a:pPr marL="0" lvl="0" indent="0">
-              <a:buNone/>
-            </a:pPr>
-            <a:endParaRPr lang="en-US" dirty="0" smtClean="0">
-              <a:solidFill>
-                <a:schemeClr val="tx1"/>
-              </a:solidFill>
-            </a:endParaRPr>
-          </a:p>
-          <a:p>
-            <a:pPr lvl="0"/>
-            <a:r>
-              <a:rPr lang="en-US" dirty="0" smtClean="0">
-                <a:solidFill>
-                  <a:schemeClr val="tx1"/>
-                </a:solidFill>
-              </a:rPr>
-              <a:t>Intuitive navigation (GUI)</a:t>
-            </a:r>
-            <a:endParaRPr lang="en-US" dirty="0">
-              <a:solidFill>
-                <a:schemeClr val="tx1"/>
-              </a:solidFill>
-            </a:endParaRPr>
-          </a:p>
-          <a:p>
-            <a:endParaRPr lang="en-US" dirty="0">
-              <a:solidFill>
-                <a:schemeClr val="tx1"/>
-              </a:solidFill>
-            </a:endParaRPr>
-          </a:p>
-        </p:txBody>
-      </p:sp>
-      <p:pic>
-        <p:nvPicPr>
-          <p:cNvPr id="3074" name="Picture 2" descr="Smart goals"/>
-          <p:cNvPicPr>
-            <a:picLocks noChangeAspect="1" noChangeArrowheads="1"/>
-          </p:cNvPicPr>
-          <p:nvPr/>
-        </p:nvPicPr>
-        <p:blipFill>
-          <a:blip r:embed="rId2">
-            <a:extLst>
-              <a:ext uri="{28A0092B-C50C-407E-A947-70E740481C1C}">
-                <a14:useLocalDpi xmlns:a14="http://schemas.microsoft.com/office/drawing/2010/main" val="0"/>
-              </a:ext>
-            </a:extLst>
-          </a:blip>
-          <a:srcRect/>
-          <a:stretch>
-            <a:fillRect/>
-          </a:stretch>
-        </p:blipFill>
-        <p:spPr bwMode="auto">
-          <a:xfrm>
-            <a:off x="7703126" y="3775266"/>
-            <a:ext cx="4118408" cy="2745605"/>
-          </a:xfrm>
-          <a:prstGeom prst="rect">
-            <a:avLst/>
-          </a:prstGeom>
-          <a:noFill/>
-          <a:extLst>
-            <a:ext uri="{909E8E84-426E-40DD-AFC4-6F175D3DCCD1}">
-              <a14:hiddenFill xmlns:a14="http://schemas.microsoft.com/office/drawing/2010/main">
-                <a:solidFill>
-                  <a:srgbClr val="FFFFFF"/>
-                </a:solidFill>
-              </a14:hiddenFill>
-            </a:ext>
-          </a:extLst>
-        </p:spPr>
-      </p:pic>
-    </p:spTree>
-    <p:extLst>
-      <p:ext uri="{BB962C8B-B14F-4D97-AF65-F5344CB8AC3E}">
-        <p14:creationId xmlns:p14="http://schemas.microsoft.com/office/powerpoint/2010/main" val="395204173"/>
-      </p:ext>
-    </p:extLst>
-  </p:cSld>
-  <p:clrMapOvr>
-    <a:masterClrMapping/>
-  </p:clrMapOvr>
-  <p:timing>
-    <p:tnLst>
-      <p:par>
-        <p:cTn id="1" dur="indefinite" restart="never" nodeType="tmRoot"/>
-      </p:par>
-    </p:tnLst>
-  </p:timing>
-</p:sld>
-</file>
-
-<file path=ppt/slides/slide7.xml><?xml version="1.0" encoding="utf-8"?>
-<p:sld xmlns:a="http://schemas.openxmlformats.org/drawingml/2006/main" xmlns:r="http://schemas.openxmlformats.org/officeDocument/2006/relationships" xmlns:p="http://schemas.openxmlformats.org/presentationml/2006/main">
-  <p:cSld>
-    <p:spTree>
-      <p:nvGrpSpPr>
-        <p:cNvPr id="1" name=""/>
-        <p:cNvGrpSpPr/>
-        <p:nvPr/>
-      </p:nvGrpSpPr>
-      <p:grpSpPr>
-        <a:xfrm>
-          <a:off x="0" y="0"/>
-          <a:ext cx="0" cy="0"/>
-          <a:chOff x="0" y="0"/>
-          <a:chExt cx="0" cy="0"/>
-        </a:xfrm>
-      </p:grpSpPr>
-      <p:sp>
-        <p:nvSpPr>
-          <p:cNvPr id="2" name="Title 1"/>
-          <p:cNvSpPr>
-            <a:spLocks noGrp="1"/>
-          </p:cNvSpPr>
-          <p:nvPr>
-            <p:ph type="title"/>
-          </p:nvPr>
-        </p:nvSpPr>
-        <p:spPr>
-          <a:xfrm>
             <a:off x="1102224" y="2410338"/>
             <a:ext cx="8534400" cy="1507067"/>
           </a:xfrm>
@@ -9022,137 +7941,7 @@
 </p:sld>
 </file>
 
-<file path=ppt/slides/slide8.xml><?xml version="1.0" encoding="utf-8"?>
-<p:sld xmlns:a="http://schemas.openxmlformats.org/drawingml/2006/main" xmlns:r="http://schemas.openxmlformats.org/officeDocument/2006/relationships" xmlns:p="http://schemas.openxmlformats.org/presentationml/2006/main">
-  <p:cSld>
-    <p:spTree>
-      <p:nvGrpSpPr>
-        <p:cNvPr id="1" name=""/>
-        <p:cNvGrpSpPr/>
-        <p:nvPr/>
-      </p:nvGrpSpPr>
-      <p:grpSpPr>
-        <a:xfrm>
-          <a:off x="0" y="0"/>
-          <a:ext cx="0" cy="0"/>
-          <a:chOff x="0" y="0"/>
-          <a:chExt cx="0" cy="0"/>
-        </a:xfrm>
-      </p:grpSpPr>
-      <p:sp>
-        <p:nvSpPr>
-          <p:cNvPr id="2" name="Title 1"/>
-          <p:cNvSpPr>
-            <a:spLocks noGrp="1"/>
-          </p:cNvSpPr>
-          <p:nvPr>
-            <p:ph type="title"/>
-          </p:nvPr>
-        </p:nvSpPr>
-        <p:spPr>
-          <a:xfrm>
-            <a:off x="684212" y="685800"/>
-            <a:ext cx="8534400" cy="1507067"/>
-          </a:xfrm>
-        </p:spPr>
-        <p:txBody>
-          <a:bodyPr/>
-          <a:lstStyle/>
-          <a:p>
-            <a:r>
-              <a:rPr lang="en-US" dirty="0" smtClean="0"/>
-              <a:t>******Special Feature </a:t>
-            </a:r>
-            <a:endParaRPr lang="en-US" dirty="0"/>
-          </a:p>
-        </p:txBody>
-      </p:sp>
-      <p:sp>
-        <p:nvSpPr>
-          <p:cNvPr id="3" name="Content Placeholder 2"/>
-          <p:cNvSpPr>
-            <a:spLocks noGrp="1"/>
-          </p:cNvSpPr>
-          <p:nvPr>
-            <p:ph idx="1"/>
-          </p:nvPr>
-        </p:nvSpPr>
-        <p:spPr>
-          <a:xfrm>
-            <a:off x="684212" y="1867988"/>
-            <a:ext cx="8534400" cy="4170439"/>
-          </a:xfrm>
-        </p:spPr>
-        <p:txBody>
-          <a:bodyPr>
-            <a:normAutofit/>
-          </a:bodyPr>
-          <a:lstStyle/>
-          <a:p>
-            <a:r>
-              <a:rPr lang="en-US" dirty="0" smtClean="0">
-                <a:solidFill>
-                  <a:schemeClr val="tx1"/>
-                </a:solidFill>
-              </a:rPr>
-              <a:t>Customers can send messages VIA the website to contact Travel Agents.</a:t>
-            </a:r>
-          </a:p>
-          <a:p>
-            <a:pPr marL="0" indent="0">
-              <a:buNone/>
-            </a:pPr>
-            <a:endParaRPr lang="en-US" dirty="0" smtClean="0">
-              <a:solidFill>
-                <a:schemeClr val="tx1"/>
-              </a:solidFill>
-            </a:endParaRPr>
-          </a:p>
-          <a:p>
-            <a:r>
-              <a:rPr lang="en-US" dirty="0" smtClean="0">
-                <a:solidFill>
-                  <a:schemeClr val="tx1"/>
-                </a:solidFill>
-              </a:rPr>
-              <a:t>addresses slow network load times with obsolete and old hardware. This setup allows Travel Agents to be connected to the main network to receive information and messages from customers. Travel Agents can then call and get into contact with the customers versus waiting for computers to load and send emails through slow network.</a:t>
-            </a:r>
-          </a:p>
-          <a:p>
-            <a:pPr marL="0" indent="0">
-              <a:buNone/>
-            </a:pPr>
-            <a:endParaRPr lang="en-US" dirty="0"/>
-          </a:p>
-          <a:p>
-            <a:pPr marL="0" indent="0">
-              <a:buNone/>
-            </a:pPr>
-            <a:endParaRPr lang="en-US" dirty="0"/>
-          </a:p>
-        </p:txBody>
-      </p:sp>
-    </p:spTree>
-    <p:extLst>
-      <p:ext uri="{BB962C8B-B14F-4D97-AF65-F5344CB8AC3E}">
-        <p14:creationId xmlns:p14="http://schemas.microsoft.com/office/powerpoint/2010/main" val="1105592219"/>
-      </p:ext>
-    </p:extLst>
-  </p:cSld>
-  <p:clrMapOvr>
-    <a:masterClrMapping/>
-  </p:clrMapOvr>
-  <p:timing>
-    <p:tnLst>
-      <p:par>
-        <p:cTn id="1" dur="indefinite" restart="never" nodeType="tmRoot"/>
-      </p:par>
-    </p:tnLst>
-  </p:timing>
-</p:sld>
-</file>
-
-<file path=ppt/slides/slide9.xml><?xml version="1.0" encoding="utf-8"?>
+<file path=ppt/slides/slide7.xml><?xml version="1.0" encoding="utf-8"?>
 <p:sld xmlns:a="http://schemas.openxmlformats.org/drawingml/2006/main" xmlns:r="http://schemas.openxmlformats.org/officeDocument/2006/relationships" xmlns:p="http://schemas.openxmlformats.org/presentationml/2006/main">
   <p:cSld>
     <p:spTree>
@@ -9347,6 +8136,562 @@
     <p:extLst>
       <p:ext uri="{BB962C8B-B14F-4D97-AF65-F5344CB8AC3E}">
         <p14:creationId xmlns:p14="http://schemas.microsoft.com/office/powerpoint/2010/main" val="696918034"/>
+      </p:ext>
+    </p:extLst>
+  </p:cSld>
+  <p:clrMapOvr>
+    <a:masterClrMapping/>
+  </p:clrMapOvr>
+  <p:timing>
+    <p:tnLst>
+      <p:par>
+        <p:cTn id="1" dur="indefinite" restart="never" nodeType="tmRoot"/>
+      </p:par>
+    </p:tnLst>
+  </p:timing>
+</p:sld>
+</file>
+
+<file path=ppt/slides/slide8.xml><?xml version="1.0" encoding="utf-8"?>
+<p:sld xmlns:a="http://schemas.openxmlformats.org/drawingml/2006/main" xmlns:r="http://schemas.openxmlformats.org/officeDocument/2006/relationships" xmlns:p="http://schemas.openxmlformats.org/presentationml/2006/main">
+  <p:cSld>
+    <p:spTree>
+      <p:nvGrpSpPr>
+        <p:cNvPr id="1" name=""/>
+        <p:cNvGrpSpPr/>
+        <p:nvPr/>
+      </p:nvGrpSpPr>
+      <p:grpSpPr>
+        <a:xfrm>
+          <a:off x="0" y="0"/>
+          <a:ext cx="0" cy="0"/>
+          <a:chOff x="0" y="0"/>
+          <a:chExt cx="0" cy="0"/>
+        </a:xfrm>
+      </p:grpSpPr>
+      <p:sp>
+        <p:nvSpPr>
+          <p:cNvPr id="2" name="Title 1"/>
+          <p:cNvSpPr>
+            <a:spLocks noGrp="1"/>
+          </p:cNvSpPr>
+          <p:nvPr>
+            <p:ph type="title"/>
+          </p:nvPr>
+        </p:nvSpPr>
+        <p:spPr>
+          <a:xfrm>
+            <a:off x="684212" y="137401"/>
+            <a:ext cx="8534400" cy="1507067"/>
+          </a:xfrm>
+        </p:spPr>
+        <p:txBody>
+          <a:bodyPr/>
+          <a:lstStyle/>
+          <a:p>
+            <a:r>
+              <a:rPr lang="en-US" dirty="0" smtClean="0"/>
+              <a:t>Budget </a:t>
+            </a:r>
+            <a:r>
+              <a:rPr lang="en-US" dirty="0" smtClean="0"/>
+              <a:t>Breakdown </a:t>
+            </a:r>
+            <a:r>
+              <a:rPr lang="en-US" dirty="0" smtClean="0"/>
+              <a:t>- $250,000 CAN</a:t>
+            </a:r>
+            <a:endParaRPr lang="en-US" dirty="0"/>
+          </a:p>
+        </p:txBody>
+      </p:sp>
+      <p:sp>
+        <p:nvSpPr>
+          <p:cNvPr id="3" name="Content Placeholder 2"/>
+          <p:cNvSpPr>
+            <a:spLocks noGrp="1"/>
+          </p:cNvSpPr>
+          <p:nvPr>
+            <p:ph idx="1"/>
+          </p:nvPr>
+        </p:nvSpPr>
+        <p:spPr>
+          <a:xfrm>
+            <a:off x="684212" y="1345475"/>
+            <a:ext cx="8534400" cy="4483948"/>
+          </a:xfrm>
+        </p:spPr>
+        <p:txBody>
+          <a:bodyPr>
+            <a:normAutofit fontScale="92500" lnSpcReduction="20000"/>
+          </a:bodyPr>
+          <a:lstStyle/>
+          <a:p>
+            <a:pPr marL="0" indent="0">
+              <a:buNone/>
+            </a:pPr>
+            <a:endParaRPr lang="en-US" dirty="0" smtClean="0"/>
+          </a:p>
+          <a:p>
+            <a:r>
+              <a:rPr lang="en-US" dirty="0" smtClean="0">
+                <a:solidFill>
+                  <a:schemeClr val="tx1"/>
+                </a:solidFill>
+              </a:rPr>
+              <a:t>1</a:t>
+            </a:r>
+            <a:r>
+              <a:rPr lang="en-US" baseline="30000" dirty="0" smtClean="0">
+                <a:solidFill>
+                  <a:schemeClr val="tx1"/>
+                </a:solidFill>
+              </a:rPr>
+              <a:t>st</a:t>
+            </a:r>
+            <a:r>
+              <a:rPr lang="en-US" dirty="0" smtClean="0">
+                <a:solidFill>
+                  <a:schemeClr val="tx1"/>
+                </a:solidFill>
+              </a:rPr>
+              <a:t> phase $83,000 CAN</a:t>
+            </a:r>
+          </a:p>
+          <a:p>
+            <a:pPr lvl="1">
+              <a:buFont typeface="Courier New" panose="02070309020205020404" pitchFamily="49" charset="0"/>
+              <a:buChar char="o"/>
+            </a:pPr>
+            <a:r>
+              <a:rPr lang="en-US" dirty="0" smtClean="0">
+                <a:solidFill>
+                  <a:schemeClr val="tx1"/>
+                </a:solidFill>
+              </a:rPr>
+              <a:t>UI website (HTML, </a:t>
+            </a:r>
+            <a:r>
+              <a:rPr lang="en-US" dirty="0" err="1" smtClean="0">
+                <a:solidFill>
+                  <a:schemeClr val="tx1"/>
+                </a:solidFill>
+              </a:rPr>
+              <a:t>Javascript</a:t>
+            </a:r>
+            <a:r>
+              <a:rPr lang="en-US" dirty="0" smtClean="0">
+                <a:solidFill>
+                  <a:schemeClr val="tx1"/>
+                </a:solidFill>
+              </a:rPr>
+              <a:t>, CSS)</a:t>
+            </a:r>
+          </a:p>
+          <a:p>
+            <a:pPr lvl="1">
+              <a:buFont typeface="Courier New" panose="02070309020205020404" pitchFamily="49" charset="0"/>
+              <a:buChar char="o"/>
+            </a:pPr>
+            <a:r>
+              <a:rPr lang="en-US" dirty="0" smtClean="0">
+                <a:solidFill>
+                  <a:schemeClr val="tx1"/>
+                </a:solidFill>
+              </a:rPr>
+              <a:t>Database setup and linked (PHP)</a:t>
+            </a:r>
+          </a:p>
+          <a:p>
+            <a:pPr lvl="1">
+              <a:buFont typeface="Courier New" panose="02070309020205020404" pitchFamily="49" charset="0"/>
+              <a:buChar char="o"/>
+            </a:pPr>
+            <a:r>
+              <a:rPr lang="en-US" dirty="0" smtClean="0">
+                <a:solidFill>
+                  <a:schemeClr val="tx1"/>
+                </a:solidFill>
+              </a:rPr>
+              <a:t>Admin website portal  </a:t>
+            </a:r>
+          </a:p>
+          <a:p>
+            <a:pPr marL="457200" lvl="1" indent="0">
+              <a:buNone/>
+            </a:pPr>
+            <a:endParaRPr lang="en-US" dirty="0" smtClean="0">
+              <a:solidFill>
+                <a:schemeClr val="tx1"/>
+              </a:solidFill>
+            </a:endParaRPr>
+          </a:p>
+          <a:p>
+            <a:r>
+              <a:rPr lang="en-US" dirty="0" smtClean="0">
+                <a:solidFill>
+                  <a:schemeClr val="tx1"/>
+                </a:solidFill>
+              </a:rPr>
+              <a:t>2</a:t>
+            </a:r>
+            <a:r>
+              <a:rPr lang="en-US" baseline="30000" dirty="0" smtClean="0">
+                <a:solidFill>
+                  <a:schemeClr val="tx1"/>
+                </a:solidFill>
+              </a:rPr>
+              <a:t>nd</a:t>
+            </a:r>
+            <a:r>
+              <a:rPr lang="en-US" dirty="0">
+                <a:solidFill>
+                  <a:schemeClr val="tx1"/>
+                </a:solidFill>
+              </a:rPr>
+              <a:t> </a:t>
+            </a:r>
+            <a:r>
+              <a:rPr lang="en-US" dirty="0" smtClean="0">
+                <a:solidFill>
+                  <a:schemeClr val="tx1"/>
+                </a:solidFill>
+              </a:rPr>
+              <a:t>phase $83,000 CAN</a:t>
+            </a:r>
+          </a:p>
+          <a:p>
+            <a:pPr lvl="1">
+              <a:buFont typeface="Courier New" panose="02070309020205020404" pitchFamily="49" charset="0"/>
+              <a:buChar char="o"/>
+            </a:pPr>
+            <a:r>
+              <a:rPr lang="en-US" dirty="0" smtClean="0">
+                <a:solidFill>
+                  <a:schemeClr val="tx1"/>
+                </a:solidFill>
+              </a:rPr>
+              <a:t>Implementation of Microsoft technologies</a:t>
+            </a:r>
+          </a:p>
+          <a:p>
+            <a:pPr marL="457200" lvl="1" indent="0">
+              <a:buNone/>
+            </a:pPr>
+            <a:endParaRPr lang="en-US" dirty="0" smtClean="0">
+              <a:solidFill>
+                <a:schemeClr val="tx1"/>
+              </a:solidFill>
+            </a:endParaRPr>
+          </a:p>
+          <a:p>
+            <a:r>
+              <a:rPr lang="en-US" dirty="0" smtClean="0">
+                <a:solidFill>
+                  <a:schemeClr val="tx1"/>
+                </a:solidFill>
+              </a:rPr>
+              <a:t>3</a:t>
+            </a:r>
+            <a:r>
+              <a:rPr lang="en-US" baseline="30000" dirty="0" smtClean="0">
+                <a:solidFill>
+                  <a:schemeClr val="tx1"/>
+                </a:solidFill>
+              </a:rPr>
+              <a:t>rd</a:t>
+            </a:r>
+            <a:r>
+              <a:rPr lang="en-US" dirty="0">
+                <a:solidFill>
+                  <a:schemeClr val="tx1"/>
+                </a:solidFill>
+              </a:rPr>
+              <a:t> </a:t>
+            </a:r>
+            <a:r>
+              <a:rPr lang="en-US" dirty="0" smtClean="0">
+                <a:solidFill>
+                  <a:schemeClr val="tx1"/>
+                </a:solidFill>
+              </a:rPr>
+              <a:t>phase $84,000 CAN</a:t>
+            </a:r>
+          </a:p>
+          <a:p>
+            <a:pPr lvl="1">
+              <a:buFont typeface="Courier New" panose="02070309020205020404" pitchFamily="49" charset="0"/>
+              <a:buChar char="o"/>
+            </a:pPr>
+            <a:r>
+              <a:rPr lang="en-US" dirty="0" smtClean="0">
+                <a:solidFill>
+                  <a:schemeClr val="tx1"/>
+                </a:solidFill>
+              </a:rPr>
+              <a:t>Mobile App Design</a:t>
+            </a:r>
+          </a:p>
+          <a:p>
+            <a:pPr lvl="1">
+              <a:buFont typeface="Courier New" panose="02070309020205020404" pitchFamily="49" charset="0"/>
+              <a:buChar char="o"/>
+            </a:pPr>
+            <a:r>
+              <a:rPr lang="en-US" dirty="0" smtClean="0">
+                <a:solidFill>
+                  <a:schemeClr val="tx1"/>
+                </a:solidFill>
+              </a:rPr>
+              <a:t>Database upgrades (Oracle)</a:t>
+            </a:r>
+          </a:p>
+          <a:p>
+            <a:endParaRPr lang="en-US" dirty="0">
+              <a:solidFill>
+                <a:schemeClr val="tx1"/>
+              </a:solidFill>
+            </a:endParaRPr>
+          </a:p>
+        </p:txBody>
+      </p:sp>
+      <p:graphicFrame>
+        <p:nvGraphicFramePr>
+          <p:cNvPr id="6" name="Chart 5"/>
+          <p:cNvGraphicFramePr/>
+          <p:nvPr>
+            <p:extLst>
+              <p:ext uri="{D42A27DB-BD31-4B8C-83A1-F6EECF244321}">
+                <p14:modId xmlns:p14="http://schemas.microsoft.com/office/powerpoint/2010/main" val="961489306"/>
+              </p:ext>
+            </p:extLst>
+          </p:nvPr>
+        </p:nvGraphicFramePr>
+        <p:xfrm>
+          <a:off x="5505796" y="1644468"/>
+          <a:ext cx="6594764" cy="4396510"/>
+        </p:xfrm>
+        <a:graphic>
+          <a:graphicData uri="http://schemas.openxmlformats.org/drawingml/2006/chart">
+            <c:chart xmlns:c="http://schemas.openxmlformats.org/drawingml/2006/chart" xmlns:r="http://schemas.openxmlformats.org/officeDocument/2006/relationships" r:id="rId2"/>
+          </a:graphicData>
+        </a:graphic>
+      </p:graphicFrame>
+    </p:spTree>
+    <p:extLst>
+      <p:ext uri="{BB962C8B-B14F-4D97-AF65-F5344CB8AC3E}">
+        <p14:creationId xmlns:p14="http://schemas.microsoft.com/office/powerpoint/2010/main" val="546623997"/>
+      </p:ext>
+    </p:extLst>
+  </p:cSld>
+  <p:clrMapOvr>
+    <a:masterClrMapping/>
+  </p:clrMapOvr>
+  <p:timing>
+    <p:tnLst>
+      <p:par>
+        <p:cTn id="1" dur="indefinite" restart="never" nodeType="tmRoot"/>
+      </p:par>
+    </p:tnLst>
+  </p:timing>
+</p:sld>
+</file>
+
+<file path=ppt/slides/slide9.xml><?xml version="1.0" encoding="utf-8"?>
+<p:sld xmlns:a="http://schemas.openxmlformats.org/drawingml/2006/main" xmlns:r="http://schemas.openxmlformats.org/officeDocument/2006/relationships" xmlns:p="http://schemas.openxmlformats.org/presentationml/2006/main">
+  <p:cSld>
+    <p:spTree>
+      <p:nvGrpSpPr>
+        <p:cNvPr id="1" name=""/>
+        <p:cNvGrpSpPr/>
+        <p:nvPr/>
+      </p:nvGrpSpPr>
+      <p:grpSpPr>
+        <a:xfrm>
+          <a:off x="0" y="0"/>
+          <a:ext cx="0" cy="0"/>
+          <a:chOff x="0" y="0"/>
+          <a:chExt cx="0" cy="0"/>
+        </a:xfrm>
+      </p:grpSpPr>
+      <p:sp>
+        <p:nvSpPr>
+          <p:cNvPr id="2" name="Title 1"/>
+          <p:cNvSpPr>
+            <a:spLocks noGrp="1"/>
+          </p:cNvSpPr>
+          <p:nvPr>
+            <p:ph type="title"/>
+          </p:nvPr>
+        </p:nvSpPr>
+        <p:spPr>
+          <a:xfrm>
+            <a:off x="684212" y="385595"/>
+            <a:ext cx="8534400" cy="1507067"/>
+          </a:xfrm>
+        </p:spPr>
+        <p:txBody>
+          <a:bodyPr/>
+          <a:lstStyle/>
+          <a:p>
+            <a:r>
+              <a:rPr lang="en-US" dirty="0" smtClean="0"/>
+              <a:t>schedule</a:t>
+            </a:r>
+            <a:endParaRPr lang="en-US" dirty="0"/>
+          </a:p>
+        </p:txBody>
+      </p:sp>
+      <p:sp>
+        <p:nvSpPr>
+          <p:cNvPr id="3" name="Content Placeholder 2"/>
+          <p:cNvSpPr>
+            <a:spLocks noGrp="1"/>
+          </p:cNvSpPr>
+          <p:nvPr>
+            <p:ph idx="1"/>
+          </p:nvPr>
+        </p:nvSpPr>
+        <p:spPr>
+          <a:xfrm>
+            <a:off x="684212" y="2103119"/>
+            <a:ext cx="8534400" cy="2838027"/>
+          </a:xfrm>
+        </p:spPr>
+        <p:txBody>
+          <a:bodyPr/>
+          <a:lstStyle/>
+          <a:p>
+            <a:pPr lvl="0"/>
+            <a:r>
+              <a:rPr lang="en-US" dirty="0" smtClean="0">
+                <a:solidFill>
+                  <a:schemeClr val="tx1"/>
+                </a:solidFill>
+              </a:rPr>
+              <a:t>Start Date:  12/10/2018 (December 10, 2018)</a:t>
+            </a:r>
+          </a:p>
+          <a:p>
+            <a:pPr lvl="0"/>
+            <a:endParaRPr lang="en-US" dirty="0" smtClean="0">
+              <a:solidFill>
+                <a:schemeClr val="tx1"/>
+              </a:solidFill>
+            </a:endParaRPr>
+          </a:p>
+          <a:p>
+            <a:pPr lvl="0"/>
+            <a:r>
+              <a:rPr lang="en-US" sz="2000" dirty="0" smtClean="0">
+                <a:solidFill>
+                  <a:schemeClr val="tx1"/>
+                </a:solidFill>
+              </a:rPr>
+              <a:t>End Date:   </a:t>
+            </a:r>
+            <a:r>
+              <a:rPr lang="en-US" dirty="0" smtClean="0">
+                <a:solidFill>
+                  <a:schemeClr val="tx1"/>
+                </a:solidFill>
+              </a:rPr>
+              <a:t>04/26</a:t>
+            </a:r>
+            <a:r>
+              <a:rPr lang="en-US" sz="2000" dirty="0" smtClean="0">
+                <a:solidFill>
+                  <a:schemeClr val="tx1"/>
+                </a:solidFill>
+              </a:rPr>
+              <a:t>/2019 (April 26, 2019)</a:t>
+            </a:r>
+          </a:p>
+          <a:p>
+            <a:pPr lvl="0"/>
+            <a:endParaRPr lang="en-US" dirty="0">
+              <a:solidFill>
+                <a:schemeClr val="tx1"/>
+              </a:solidFill>
+            </a:endParaRPr>
+          </a:p>
+          <a:p>
+            <a:pPr lvl="0"/>
+            <a:r>
+              <a:rPr lang="en-US" sz="2000" dirty="0" smtClean="0">
+                <a:solidFill>
+                  <a:schemeClr val="tx1"/>
+                </a:solidFill>
+              </a:rPr>
+              <a:t>Project Duration: 4.5 months</a:t>
+            </a:r>
+            <a:endParaRPr lang="en-US" sz="2000" dirty="0">
+              <a:solidFill>
+                <a:schemeClr val="tx1"/>
+              </a:solidFill>
+            </a:endParaRPr>
+          </a:p>
+          <a:p>
+            <a:pPr marL="0" indent="0">
+              <a:buNone/>
+            </a:pPr>
+            <a:endParaRPr lang="en-US" dirty="0"/>
+          </a:p>
+        </p:txBody>
+      </p:sp>
+      <p:sp>
+        <p:nvSpPr>
+          <p:cNvPr id="4" name="Oval 3"/>
+          <p:cNvSpPr/>
+          <p:nvPr/>
+        </p:nvSpPr>
+        <p:spPr>
+          <a:xfrm>
+            <a:off x="8506691" y="312473"/>
+            <a:ext cx="1653309" cy="1653309"/>
+          </a:xfrm>
+          <a:prstGeom prst="ellipse">
+            <a:avLst/>
+          </a:prstGeom>
+          <a:blipFill>
+            <a:blip r:embed="rId2"/>
+            <a:stretch>
+              <a:fillRect/>
+            </a:stretch>
+          </a:blipFill>
+          <a:ln>
+            <a:noFill/>
+          </a:ln>
+        </p:spPr>
+        <p:style>
+          <a:lnRef idx="2">
+            <a:schemeClr val="accent1">
+              <a:shade val="50000"/>
+            </a:schemeClr>
+          </a:lnRef>
+          <a:fillRef idx="1">
+            <a:schemeClr val="accent1"/>
+          </a:fillRef>
+          <a:effectRef idx="0">
+            <a:schemeClr val="accent1"/>
+          </a:effectRef>
+          <a:fontRef idx="minor">
+            <a:schemeClr val="lt1"/>
+          </a:fontRef>
+        </p:style>
+        <p:txBody>
+          <a:bodyPr rtlCol="0" anchor="ctr"/>
+          <a:lstStyle/>
+          <a:p>
+            <a:pPr algn="ctr"/>
+            <a:endParaRPr lang="en-US"/>
+          </a:p>
+        </p:txBody>
+      </p:sp>
+    </p:spTree>
+    <p:extLst>
+      <p:ext uri="{BB962C8B-B14F-4D97-AF65-F5344CB8AC3E}">
+        <p14:creationId xmlns:p14="http://schemas.microsoft.com/office/powerpoint/2010/main" val="1597009996"/>
       </p:ext>
     </p:extLst>
   </p:cSld>
